--- a/DOCUMENTACAO/TCC-Final.pptx
+++ b/DOCUMENTACAO/TCC-Final.pptx
@@ -4,6 +4,9 @@
   <p:sldMasterIdLst>
     <p:sldMasterId id="2147483648" r:id="rId1"/>
   </p:sldMasterIdLst>
+  <p:notesMasterIdLst>
+    <p:notesMasterId r:id="rId12"/>
+  </p:notesMasterIdLst>
   <p:sldIdLst>
     <p:sldId id="256" r:id="rId2"/>
     <p:sldId id="257" r:id="rId3"/>
@@ -13,37 +16,38 @@
     <p:sldId id="261" r:id="rId7"/>
     <p:sldId id="262" r:id="rId8"/>
     <p:sldId id="263" r:id="rId9"/>
-    <p:sldId id="264" r:id="rId10"/>
+    <p:sldId id="265" r:id="rId10"/>
+    <p:sldId id="264" r:id="rId11"/>
   </p:sldIdLst>
   <p:sldSz cx="18288000" cy="10287000"/>
   <p:notesSz cx="6858000" cy="9144000"/>
   <p:embeddedFontLst>
     <p:embeddedFont>
       <p:font typeface="Aileron" panose="020B0604020202020204" charset="0"/>
-      <p:regular r:id="rId11"/>
+      <p:regular r:id="rId13"/>
     </p:embeddedFont>
     <p:embeddedFont>
       <p:font typeface="Calibri" panose="020F0502020204030204" pitchFamily="34" charset="0"/>
-      <p:regular r:id="rId12"/>
-      <p:bold r:id="rId13"/>
-      <p:italic r:id="rId14"/>
-      <p:boldItalic r:id="rId15"/>
+      <p:regular r:id="rId14"/>
+      <p:bold r:id="rId15"/>
+      <p:italic r:id="rId16"/>
+      <p:boldItalic r:id="rId17"/>
     </p:embeddedFont>
     <p:embeddedFont>
       <p:font typeface="Muli" panose="020B0604020202020204" charset="0"/>
-      <p:regular r:id="rId16"/>
+      <p:regular r:id="rId18"/>
     </p:embeddedFont>
     <p:embeddedFont>
       <p:font typeface="Muli Bold" panose="020B0604020202020204" charset="0"/>
-      <p:regular r:id="rId17"/>
+      <p:regular r:id="rId19"/>
     </p:embeddedFont>
     <p:embeddedFont>
       <p:font typeface="Muli Heavy" panose="020B0604020202020204" charset="0"/>
-      <p:regular r:id="rId18"/>
+      <p:regular r:id="rId20"/>
     </p:embeddedFont>
     <p:embeddedFont>
       <p:font typeface="Open Sans Bold" panose="020B0604020202020204" charset="0"/>
-      <p:regular r:id="rId19"/>
+      <p:regular r:id="rId21"/>
     </p:embeddedFont>
   </p:embeddedFontLst>
   <p:defaultTextStyle>
@@ -160,6 +164,619 @@
 </p:presentation>
 </file>
 
+<file path=ppt/notesMasters/notesMaster1.xml><?xml version="1.0" encoding="utf-8"?>
+<p:notesMaster xmlns:a="http://schemas.openxmlformats.org/drawingml/2006/main" xmlns:r="http://schemas.openxmlformats.org/officeDocument/2006/relationships" xmlns:p="http://schemas.openxmlformats.org/presentationml/2006/main">
+  <p:cSld>
+    <p:bg>
+      <p:bgRef idx="1001">
+        <a:schemeClr val="bg1"/>
+      </p:bgRef>
+    </p:bg>
+    <p:spTree>
+      <p:nvGrpSpPr>
+        <p:cNvPr id="1" name=""/>
+        <p:cNvGrpSpPr/>
+        <p:nvPr/>
+      </p:nvGrpSpPr>
+      <p:grpSpPr>
+        <a:xfrm>
+          <a:off x="0" y="0"/>
+          <a:ext cx="0" cy="0"/>
+          <a:chOff x="0" y="0"/>
+          <a:chExt cx="0" cy="0"/>
+        </a:xfrm>
+      </p:grpSpPr>
+      <p:sp>
+        <p:nvSpPr>
+          <p:cNvPr id="2" name="Espaço Reservado para Cabeçalho 1"/>
+          <p:cNvSpPr>
+            <a:spLocks noGrp="1"/>
+          </p:cNvSpPr>
+          <p:nvPr>
+            <p:ph type="hdr" sz="quarter"/>
+          </p:nvPr>
+        </p:nvSpPr>
+        <p:spPr>
+          <a:xfrm>
+            <a:off x="0" y="0"/>
+            <a:ext cx="2971800" cy="458788"/>
+          </a:xfrm>
+          <a:prstGeom prst="rect">
+            <a:avLst/>
+          </a:prstGeom>
+        </p:spPr>
+        <p:txBody>
+          <a:bodyPr vert="horz" lIns="91440" tIns="45720" rIns="91440" bIns="45720" rtlCol="0"/>
+          <a:lstStyle>
+            <a:lvl1pPr algn="l">
+              <a:defRPr sz="1200"/>
+            </a:lvl1pPr>
+          </a:lstStyle>
+          <a:p>
+            <a:endParaRPr lang="pt-BR"/>
+          </a:p>
+        </p:txBody>
+      </p:sp>
+      <p:sp>
+        <p:nvSpPr>
+          <p:cNvPr id="3" name="Espaço Reservado para Data 2"/>
+          <p:cNvSpPr>
+            <a:spLocks noGrp="1"/>
+          </p:cNvSpPr>
+          <p:nvPr>
+            <p:ph type="dt" idx="1"/>
+          </p:nvPr>
+        </p:nvSpPr>
+        <p:spPr>
+          <a:xfrm>
+            <a:off x="3884613" y="0"/>
+            <a:ext cx="2971800" cy="458788"/>
+          </a:xfrm>
+          <a:prstGeom prst="rect">
+            <a:avLst/>
+          </a:prstGeom>
+        </p:spPr>
+        <p:txBody>
+          <a:bodyPr vert="horz" lIns="91440" tIns="45720" rIns="91440" bIns="45720" rtlCol="0"/>
+          <a:lstStyle>
+            <a:lvl1pPr algn="r">
+              <a:defRPr sz="1200"/>
+            </a:lvl1pPr>
+          </a:lstStyle>
+          <a:p>
+            <a:fld id="{DCEEE2EA-3D69-4B1B-BDA5-21BBB03EDBC1}" type="datetimeFigureOut">
+              <a:rPr lang="pt-BR" smtClean="0"/>
+              <a:t>29/11/2024</a:t>
+            </a:fld>
+            <a:endParaRPr lang="pt-BR"/>
+          </a:p>
+        </p:txBody>
+      </p:sp>
+      <p:sp>
+        <p:nvSpPr>
+          <p:cNvPr id="4" name="Espaço Reservado para Imagem de Slide 3"/>
+          <p:cNvSpPr>
+            <a:spLocks noGrp="1" noRot="1" noChangeAspect="1"/>
+          </p:cNvSpPr>
+          <p:nvPr>
+            <p:ph type="sldImg" idx="2"/>
+          </p:nvPr>
+        </p:nvSpPr>
+        <p:spPr>
+          <a:xfrm>
+            <a:off x="685800" y="1143000"/>
+            <a:ext cx="5486400" cy="3086100"/>
+          </a:xfrm>
+          <a:prstGeom prst="rect">
+            <a:avLst/>
+          </a:prstGeom>
+          <a:noFill/>
+          <a:ln w="12700">
+            <a:solidFill>
+              <a:prstClr val="black"/>
+            </a:solidFill>
+          </a:ln>
+        </p:spPr>
+        <p:txBody>
+          <a:bodyPr vert="horz" lIns="91440" tIns="45720" rIns="91440" bIns="45720" rtlCol="0" anchor="ctr"/>
+          <a:lstStyle/>
+          <a:p>
+            <a:endParaRPr lang="pt-BR"/>
+          </a:p>
+        </p:txBody>
+      </p:sp>
+      <p:sp>
+        <p:nvSpPr>
+          <p:cNvPr id="5" name="Espaço Reservado para Anotações 4"/>
+          <p:cNvSpPr>
+            <a:spLocks noGrp="1"/>
+          </p:cNvSpPr>
+          <p:nvPr>
+            <p:ph type="body" sz="quarter" idx="3"/>
+          </p:nvPr>
+        </p:nvSpPr>
+        <p:spPr>
+          <a:xfrm>
+            <a:off x="685800" y="4400550"/>
+            <a:ext cx="5486400" cy="3600450"/>
+          </a:xfrm>
+          <a:prstGeom prst="rect">
+            <a:avLst/>
+          </a:prstGeom>
+        </p:spPr>
+        <p:txBody>
+          <a:bodyPr vert="horz" lIns="91440" tIns="45720" rIns="91440" bIns="45720" rtlCol="0"/>
+          <a:lstStyle/>
+          <a:p>
+            <a:pPr lvl="0"/>
+            <a:r>
+              <a:rPr lang="pt-BR"/>
+              <a:t>Editar estilos de texto Mestre</a:t>
+            </a:r>
+          </a:p>
+          <a:p>
+            <a:pPr lvl="1"/>
+            <a:r>
+              <a:rPr lang="pt-BR"/>
+              <a:t>Segundo nível</a:t>
+            </a:r>
+          </a:p>
+          <a:p>
+            <a:pPr lvl="2"/>
+            <a:r>
+              <a:rPr lang="pt-BR"/>
+              <a:t>Terceiro nível</a:t>
+            </a:r>
+          </a:p>
+          <a:p>
+            <a:pPr lvl="3"/>
+            <a:r>
+              <a:rPr lang="pt-BR"/>
+              <a:t>Quarto nível</a:t>
+            </a:r>
+          </a:p>
+          <a:p>
+            <a:pPr lvl="4"/>
+            <a:r>
+              <a:rPr lang="pt-BR"/>
+              <a:t>Quinto nível</a:t>
+            </a:r>
+          </a:p>
+        </p:txBody>
+      </p:sp>
+      <p:sp>
+        <p:nvSpPr>
+          <p:cNvPr id="6" name="Espaço Reservado para Rodapé 5"/>
+          <p:cNvSpPr>
+            <a:spLocks noGrp="1"/>
+          </p:cNvSpPr>
+          <p:nvPr>
+            <p:ph type="ftr" sz="quarter" idx="4"/>
+          </p:nvPr>
+        </p:nvSpPr>
+        <p:spPr>
+          <a:xfrm>
+            <a:off x="0" y="8685213"/>
+            <a:ext cx="2971800" cy="458787"/>
+          </a:xfrm>
+          <a:prstGeom prst="rect">
+            <a:avLst/>
+          </a:prstGeom>
+        </p:spPr>
+        <p:txBody>
+          <a:bodyPr vert="horz" lIns="91440" tIns="45720" rIns="91440" bIns="45720" rtlCol="0" anchor="b"/>
+          <a:lstStyle>
+            <a:lvl1pPr algn="l">
+              <a:defRPr sz="1200"/>
+            </a:lvl1pPr>
+          </a:lstStyle>
+          <a:p>
+            <a:endParaRPr lang="pt-BR"/>
+          </a:p>
+        </p:txBody>
+      </p:sp>
+      <p:sp>
+        <p:nvSpPr>
+          <p:cNvPr id="7" name="Espaço Reservado para Número de Slide 6"/>
+          <p:cNvSpPr>
+            <a:spLocks noGrp="1"/>
+          </p:cNvSpPr>
+          <p:nvPr>
+            <p:ph type="sldNum" sz="quarter" idx="5"/>
+          </p:nvPr>
+        </p:nvSpPr>
+        <p:spPr>
+          <a:xfrm>
+            <a:off x="3884613" y="8685213"/>
+            <a:ext cx="2971800" cy="458787"/>
+          </a:xfrm>
+          <a:prstGeom prst="rect">
+            <a:avLst/>
+          </a:prstGeom>
+        </p:spPr>
+        <p:txBody>
+          <a:bodyPr vert="horz" lIns="91440" tIns="45720" rIns="91440" bIns="45720" rtlCol="0" anchor="b"/>
+          <a:lstStyle>
+            <a:lvl1pPr algn="r">
+              <a:defRPr sz="1200"/>
+            </a:lvl1pPr>
+          </a:lstStyle>
+          <a:p>
+            <a:fld id="{7BE90B06-3FC1-4DD4-8A39-A228C932CA4F}" type="slidenum">
+              <a:rPr lang="pt-BR" smtClean="0"/>
+              <a:t>‹nº›</a:t>
+            </a:fld>
+            <a:endParaRPr lang="pt-BR"/>
+          </a:p>
+        </p:txBody>
+      </p:sp>
+    </p:spTree>
+    <p:extLst>
+      <p:ext uri="{BB962C8B-B14F-4D97-AF65-F5344CB8AC3E}">
+        <p14:creationId xmlns:p14="http://schemas.microsoft.com/office/powerpoint/2010/main" val="3800487294"/>
+      </p:ext>
+    </p:extLst>
+  </p:cSld>
+  <p:clrMap bg1="lt1" tx1="dk1" bg2="lt2" tx2="dk2" accent1="accent1" accent2="accent2" accent3="accent3" accent4="accent4" accent5="accent5" accent6="accent6" hlink="hlink" folHlink="folHlink"/>
+  <p:notesStyle>
+    <a:lvl1pPr marL="0" algn="l" defTabSz="914400" rtl="0" eaLnBrk="1" latinLnBrk="0" hangingPunct="1">
+      <a:defRPr sz="1200" kern="1200">
+        <a:solidFill>
+          <a:schemeClr val="tx1"/>
+        </a:solidFill>
+        <a:latin typeface="+mn-lt"/>
+        <a:ea typeface="+mn-ea"/>
+        <a:cs typeface="+mn-cs"/>
+      </a:defRPr>
+    </a:lvl1pPr>
+    <a:lvl2pPr marL="457200" algn="l" defTabSz="914400" rtl="0" eaLnBrk="1" latinLnBrk="0" hangingPunct="1">
+      <a:defRPr sz="1200" kern="1200">
+        <a:solidFill>
+          <a:schemeClr val="tx1"/>
+        </a:solidFill>
+        <a:latin typeface="+mn-lt"/>
+        <a:ea typeface="+mn-ea"/>
+        <a:cs typeface="+mn-cs"/>
+      </a:defRPr>
+    </a:lvl2pPr>
+    <a:lvl3pPr marL="914400" algn="l" defTabSz="914400" rtl="0" eaLnBrk="1" latinLnBrk="0" hangingPunct="1">
+      <a:defRPr sz="1200" kern="1200">
+        <a:solidFill>
+          <a:schemeClr val="tx1"/>
+        </a:solidFill>
+        <a:latin typeface="+mn-lt"/>
+        <a:ea typeface="+mn-ea"/>
+        <a:cs typeface="+mn-cs"/>
+      </a:defRPr>
+    </a:lvl3pPr>
+    <a:lvl4pPr marL="1371600" algn="l" defTabSz="914400" rtl="0" eaLnBrk="1" latinLnBrk="0" hangingPunct="1">
+      <a:defRPr sz="1200" kern="1200">
+        <a:solidFill>
+          <a:schemeClr val="tx1"/>
+        </a:solidFill>
+        <a:latin typeface="+mn-lt"/>
+        <a:ea typeface="+mn-ea"/>
+        <a:cs typeface="+mn-cs"/>
+      </a:defRPr>
+    </a:lvl4pPr>
+    <a:lvl5pPr marL="1828800" algn="l" defTabSz="914400" rtl="0" eaLnBrk="1" latinLnBrk="0" hangingPunct="1">
+      <a:defRPr sz="1200" kern="1200">
+        <a:solidFill>
+          <a:schemeClr val="tx1"/>
+        </a:solidFill>
+        <a:latin typeface="+mn-lt"/>
+        <a:ea typeface="+mn-ea"/>
+        <a:cs typeface="+mn-cs"/>
+      </a:defRPr>
+    </a:lvl5pPr>
+    <a:lvl6pPr marL="2286000" algn="l" defTabSz="914400" rtl="0" eaLnBrk="1" latinLnBrk="0" hangingPunct="1">
+      <a:defRPr sz="1200" kern="1200">
+        <a:solidFill>
+          <a:schemeClr val="tx1"/>
+        </a:solidFill>
+        <a:latin typeface="+mn-lt"/>
+        <a:ea typeface="+mn-ea"/>
+        <a:cs typeface="+mn-cs"/>
+      </a:defRPr>
+    </a:lvl6pPr>
+    <a:lvl7pPr marL="2743200" algn="l" defTabSz="914400" rtl="0" eaLnBrk="1" latinLnBrk="0" hangingPunct="1">
+      <a:defRPr sz="1200" kern="1200">
+        <a:solidFill>
+          <a:schemeClr val="tx1"/>
+        </a:solidFill>
+        <a:latin typeface="+mn-lt"/>
+        <a:ea typeface="+mn-ea"/>
+        <a:cs typeface="+mn-cs"/>
+      </a:defRPr>
+    </a:lvl7pPr>
+    <a:lvl8pPr marL="3200400" algn="l" defTabSz="914400" rtl="0" eaLnBrk="1" latinLnBrk="0" hangingPunct="1">
+      <a:defRPr sz="1200" kern="1200">
+        <a:solidFill>
+          <a:schemeClr val="tx1"/>
+        </a:solidFill>
+        <a:latin typeface="+mn-lt"/>
+        <a:ea typeface="+mn-ea"/>
+        <a:cs typeface="+mn-cs"/>
+      </a:defRPr>
+    </a:lvl8pPr>
+    <a:lvl9pPr marL="3657600" algn="l" defTabSz="914400" rtl="0" eaLnBrk="1" latinLnBrk="0" hangingPunct="1">
+      <a:defRPr sz="1200" kern="1200">
+        <a:solidFill>
+          <a:schemeClr val="tx1"/>
+        </a:solidFill>
+        <a:latin typeface="+mn-lt"/>
+        <a:ea typeface="+mn-ea"/>
+        <a:cs typeface="+mn-cs"/>
+      </a:defRPr>
+    </a:lvl9pPr>
+  </p:notesStyle>
+</p:notesMaster>
+</file>
+
+<file path=ppt/notesSlides/notesSlide1.xml><?xml version="1.0" encoding="utf-8"?>
+<p:notes xmlns:a="http://schemas.openxmlformats.org/drawingml/2006/main" xmlns:r="http://schemas.openxmlformats.org/officeDocument/2006/relationships" xmlns:p="http://schemas.openxmlformats.org/presentationml/2006/main">
+  <p:cSld>
+    <p:spTree>
+      <p:nvGrpSpPr>
+        <p:cNvPr id="1" name=""/>
+        <p:cNvGrpSpPr/>
+        <p:nvPr/>
+      </p:nvGrpSpPr>
+      <p:grpSpPr>
+        <a:xfrm>
+          <a:off x="0" y="0"/>
+          <a:ext cx="0" cy="0"/>
+          <a:chOff x="0" y="0"/>
+          <a:chExt cx="0" cy="0"/>
+        </a:xfrm>
+      </p:grpSpPr>
+      <p:sp>
+        <p:nvSpPr>
+          <p:cNvPr id="2" name="Espaço Reservado para Imagem de Slide 1"/>
+          <p:cNvSpPr>
+            <a:spLocks noGrp="1" noRot="1" noChangeAspect="1"/>
+          </p:cNvSpPr>
+          <p:nvPr>
+            <p:ph type="sldImg"/>
+          </p:nvPr>
+        </p:nvSpPr>
+        <p:spPr/>
+      </p:sp>
+      <p:sp>
+        <p:nvSpPr>
+          <p:cNvPr id="3" name="Espaço Reservado para Anotações 2"/>
+          <p:cNvSpPr>
+            <a:spLocks noGrp="1"/>
+          </p:cNvSpPr>
+          <p:nvPr>
+            <p:ph type="body" idx="1"/>
+          </p:nvPr>
+        </p:nvSpPr>
+        <p:spPr/>
+        <p:txBody>
+          <a:bodyPr/>
+          <a:lstStyle/>
+          <a:p>
+            <a:r>
+              <a:rPr lang="pt-BR" dirty="0"/>
+              <a:t>Nós últimos anos observamos que o autismo e um tema que esta em alta um grande assunto, onde o conceito de autocuidado é essencial para todos para a manutenção da saúde física e mental , paras as pessoas TEA assume um papel importe na vida deles com o autocuidado , o autismo e uma condição neurodesenvolvimentos que afetam a comunicação e a interação social </a:t>
+            </a:r>
+          </a:p>
+          <a:p>
+            <a:endParaRPr lang="pt-BR" dirty="0"/>
+          </a:p>
+        </p:txBody>
+      </p:sp>
+      <p:sp>
+        <p:nvSpPr>
+          <p:cNvPr id="4" name="Espaço Reservado para Número de Slide 3"/>
+          <p:cNvSpPr>
+            <a:spLocks noGrp="1"/>
+          </p:cNvSpPr>
+          <p:nvPr>
+            <p:ph type="sldNum" sz="quarter" idx="5"/>
+          </p:nvPr>
+        </p:nvSpPr>
+        <p:spPr/>
+        <p:txBody>
+          <a:bodyPr/>
+          <a:lstStyle/>
+          <a:p>
+            <a:fld id="{7BE90B06-3FC1-4DD4-8A39-A228C932CA4F}" type="slidenum">
+              <a:rPr lang="pt-BR" smtClean="0"/>
+              <a:t>4</a:t>
+            </a:fld>
+            <a:endParaRPr lang="pt-BR"/>
+          </a:p>
+        </p:txBody>
+      </p:sp>
+    </p:spTree>
+    <p:extLst>
+      <p:ext uri="{BB962C8B-B14F-4D97-AF65-F5344CB8AC3E}">
+        <p14:creationId xmlns:p14="http://schemas.microsoft.com/office/powerpoint/2010/main" val="1186033440"/>
+      </p:ext>
+    </p:extLst>
+  </p:cSld>
+  <p:clrMapOvr>
+    <a:masterClrMapping/>
+  </p:clrMapOvr>
+</p:notes>
+</file>
+
+<file path=ppt/notesSlides/notesSlide2.xml><?xml version="1.0" encoding="utf-8"?>
+<p:notes xmlns:a="http://schemas.openxmlformats.org/drawingml/2006/main" xmlns:r="http://schemas.openxmlformats.org/officeDocument/2006/relationships" xmlns:p="http://schemas.openxmlformats.org/presentationml/2006/main">
+  <p:cSld>
+    <p:spTree>
+      <p:nvGrpSpPr>
+        <p:cNvPr id="1" name=""/>
+        <p:cNvGrpSpPr/>
+        <p:nvPr/>
+      </p:nvGrpSpPr>
+      <p:grpSpPr>
+        <a:xfrm>
+          <a:off x="0" y="0"/>
+          <a:ext cx="0" cy="0"/>
+          <a:chOff x="0" y="0"/>
+          <a:chExt cx="0" cy="0"/>
+        </a:xfrm>
+      </p:grpSpPr>
+      <p:sp>
+        <p:nvSpPr>
+          <p:cNvPr id="2" name="Espaço Reservado para Imagem de Slide 1"/>
+          <p:cNvSpPr>
+            <a:spLocks noGrp="1" noRot="1" noChangeAspect="1"/>
+          </p:cNvSpPr>
+          <p:nvPr>
+            <p:ph type="sldImg"/>
+          </p:nvPr>
+        </p:nvSpPr>
+        <p:spPr/>
+      </p:sp>
+      <p:sp>
+        <p:nvSpPr>
+          <p:cNvPr id="3" name="Espaço Reservado para Anotações 2"/>
+          <p:cNvSpPr>
+            <a:spLocks noGrp="1"/>
+          </p:cNvSpPr>
+          <p:nvPr>
+            <p:ph type="body" idx="1"/>
+          </p:nvPr>
+        </p:nvSpPr>
+        <p:spPr/>
+        <p:txBody>
+          <a:bodyPr/>
+          <a:lstStyle/>
+          <a:p>
+            <a:r>
+              <a:rPr lang="pt-BR" dirty="0"/>
+              <a:t>O objetivo do nosso projeto e falar e tirar dúvidas sobre o autocuidado, estratégias eficazes de autocuidado incluem, entre outras, a criação de rotinas previsíveis, a prática, o autocuidado em indivíduos autistas é fundamental para promover não apenas o bem-estar físico, mas também a saúde mental e emocional desses indivíduos O autocuidado se revela essencial na construção da autonomia e independência pessoal, elementos cruciais para a qualidade de vida. Práticas recomendadas, como o desenvolvimento de habilidades sociais e emocionais</a:t>
+            </a:r>
+          </a:p>
+        </p:txBody>
+      </p:sp>
+      <p:sp>
+        <p:nvSpPr>
+          <p:cNvPr id="4" name="Espaço Reservado para Número de Slide 3"/>
+          <p:cNvSpPr>
+            <a:spLocks noGrp="1"/>
+          </p:cNvSpPr>
+          <p:nvPr>
+            <p:ph type="sldNum" sz="quarter" idx="5"/>
+          </p:nvPr>
+        </p:nvSpPr>
+        <p:spPr/>
+        <p:txBody>
+          <a:bodyPr/>
+          <a:lstStyle/>
+          <a:p>
+            <a:fld id="{7BE90B06-3FC1-4DD4-8A39-A228C932CA4F}" type="slidenum">
+              <a:rPr lang="pt-BR" smtClean="0"/>
+              <a:t>5</a:t>
+            </a:fld>
+            <a:endParaRPr lang="pt-BR"/>
+          </a:p>
+        </p:txBody>
+      </p:sp>
+    </p:spTree>
+    <p:extLst>
+      <p:ext uri="{BB962C8B-B14F-4D97-AF65-F5344CB8AC3E}">
+        <p14:creationId xmlns:p14="http://schemas.microsoft.com/office/powerpoint/2010/main" val="3504048738"/>
+      </p:ext>
+    </p:extLst>
+  </p:cSld>
+  <p:clrMapOvr>
+    <a:masterClrMapping/>
+  </p:clrMapOvr>
+</p:notes>
+</file>
+
+<file path=ppt/notesSlides/notesSlide3.xml><?xml version="1.0" encoding="utf-8"?>
+<p:notes xmlns:a="http://schemas.openxmlformats.org/drawingml/2006/main" xmlns:r="http://schemas.openxmlformats.org/officeDocument/2006/relationships" xmlns:p="http://schemas.openxmlformats.org/presentationml/2006/main">
+  <p:cSld>
+    <p:spTree>
+      <p:nvGrpSpPr>
+        <p:cNvPr id="1" name=""/>
+        <p:cNvGrpSpPr/>
+        <p:nvPr/>
+      </p:nvGrpSpPr>
+      <p:grpSpPr>
+        <a:xfrm>
+          <a:off x="0" y="0"/>
+          <a:ext cx="0" cy="0"/>
+          <a:chOff x="0" y="0"/>
+          <a:chExt cx="0" cy="0"/>
+        </a:xfrm>
+      </p:grpSpPr>
+      <p:sp>
+        <p:nvSpPr>
+          <p:cNvPr id="2" name="Espaço Reservado para Imagem de Slide 1"/>
+          <p:cNvSpPr>
+            <a:spLocks noGrp="1" noRot="1" noChangeAspect="1"/>
+          </p:cNvSpPr>
+          <p:nvPr>
+            <p:ph type="sldImg"/>
+          </p:nvPr>
+        </p:nvSpPr>
+        <p:spPr/>
+      </p:sp>
+      <p:sp>
+        <p:nvSpPr>
+          <p:cNvPr id="3" name="Espaço Reservado para Anotações 2"/>
+          <p:cNvSpPr>
+            <a:spLocks noGrp="1"/>
+          </p:cNvSpPr>
+          <p:nvPr>
+            <p:ph type="body" idx="1"/>
+          </p:nvPr>
+        </p:nvSpPr>
+        <p:spPr/>
+        <p:txBody>
+          <a:bodyPr/>
+          <a:lstStyle/>
+          <a:p>
+            <a:r>
+              <a:rPr lang="pt-BR" dirty="0"/>
+              <a:t>Podemos concluir que o autismo é um transtorno do neurodesenvolvimento que altera a comunicação, interação social e o comportamento da criança, sendo necessário atendimento diferenciado para um atendimento humanizado e holístico, que a enfermagem, em sua maioria, não tem o devido conhecimento sobre o autismo e suas características, sendo necessários treinamentos e atualizações para o cuidado eficaz. Com relação aos artigos científicos, existem poucas pesquisas atuais relevantes sobre o tema, todavia são interessantes e trazem um conteúdo enriquecedor para melhoria dos cuidados a esse público</a:t>
+            </a:r>
+          </a:p>
+        </p:txBody>
+      </p:sp>
+      <p:sp>
+        <p:nvSpPr>
+          <p:cNvPr id="4" name="Espaço Reservado para Número de Slide 3"/>
+          <p:cNvSpPr>
+            <a:spLocks noGrp="1"/>
+          </p:cNvSpPr>
+          <p:nvPr>
+            <p:ph type="sldNum" sz="quarter" idx="5"/>
+          </p:nvPr>
+        </p:nvSpPr>
+        <p:spPr/>
+        <p:txBody>
+          <a:bodyPr/>
+          <a:lstStyle/>
+          <a:p>
+            <a:fld id="{7BE90B06-3FC1-4DD4-8A39-A228C932CA4F}" type="slidenum">
+              <a:rPr lang="pt-BR" smtClean="0"/>
+              <a:t>9</a:t>
+            </a:fld>
+            <a:endParaRPr lang="pt-BR"/>
+          </a:p>
+        </p:txBody>
+      </p:sp>
+    </p:spTree>
+    <p:extLst>
+      <p:ext uri="{BB962C8B-B14F-4D97-AF65-F5344CB8AC3E}">
+        <p14:creationId xmlns:p14="http://schemas.microsoft.com/office/powerpoint/2010/main" val="2878028808"/>
+      </p:ext>
+    </p:extLst>
+  </p:cSld>
+  <p:clrMapOvr>
+    <a:masterClrMapping/>
+  </p:clrMapOvr>
+</p:notes>
+</file>
+
 <file path=ppt/slideLayouts/slideLayout1.xml><?xml version="1.0" encoding="utf-8"?>
 <p:sldLayout xmlns:a="http://schemas.openxmlformats.org/drawingml/2006/main" xmlns:r="http://schemas.openxmlformats.org/officeDocument/2006/relationships" xmlns:p="http://schemas.openxmlformats.org/presentationml/2006/main" type="title" preserve="1">
   <p:cSld name="Title Slide">
@@ -340,7 +957,7 @@
             <a:fld id="{1D8BD707-D9CF-40AE-B4C6-C98DA3205C09}" type="datetimeFigureOut">
               <a:rPr lang="en-US" smtClean="0"/>
               <a:pPr/>
-              <a:t>11/19/2024</a:t>
+              <a:t>11/29/2024</a:t>
             </a:fld>
             <a:endParaRPr lang="en-US"/>
           </a:p>
@@ -505,7 +1122,7 @@
             <a:fld id="{1D8BD707-D9CF-40AE-B4C6-C98DA3205C09}" type="datetimeFigureOut">
               <a:rPr lang="en-US" smtClean="0"/>
               <a:pPr/>
-              <a:t>11/19/2024</a:t>
+              <a:t>11/29/2024</a:t>
             </a:fld>
             <a:endParaRPr lang="en-US"/>
           </a:p>
@@ -680,7 +1297,7 @@
             <a:fld id="{1D8BD707-D9CF-40AE-B4C6-C98DA3205C09}" type="datetimeFigureOut">
               <a:rPr lang="en-US" smtClean="0"/>
               <a:pPr/>
-              <a:t>11/19/2024</a:t>
+              <a:t>11/29/2024</a:t>
             </a:fld>
             <a:endParaRPr lang="en-US"/>
           </a:p>
@@ -845,7 +1462,7 @@
             <a:fld id="{1D8BD707-D9CF-40AE-B4C6-C98DA3205C09}" type="datetimeFigureOut">
               <a:rPr lang="en-US" smtClean="0"/>
               <a:pPr/>
-              <a:t>11/19/2024</a:t>
+              <a:t>11/29/2024</a:t>
             </a:fld>
             <a:endParaRPr lang="en-US"/>
           </a:p>
@@ -1087,7 +1704,7 @@
             <a:fld id="{1D8BD707-D9CF-40AE-B4C6-C98DA3205C09}" type="datetimeFigureOut">
               <a:rPr lang="en-US" smtClean="0"/>
               <a:pPr/>
-              <a:t>11/19/2024</a:t>
+              <a:t>11/29/2024</a:t>
             </a:fld>
             <a:endParaRPr lang="en-US"/>
           </a:p>
@@ -1369,7 +1986,7 @@
             <a:fld id="{1D8BD707-D9CF-40AE-B4C6-C98DA3205C09}" type="datetimeFigureOut">
               <a:rPr lang="en-US" smtClean="0"/>
               <a:pPr/>
-              <a:t>11/19/2024</a:t>
+              <a:t>11/29/2024</a:t>
             </a:fld>
             <a:endParaRPr lang="en-US"/>
           </a:p>
@@ -1785,7 +2402,7 @@
             <a:fld id="{1D8BD707-D9CF-40AE-B4C6-C98DA3205C09}" type="datetimeFigureOut">
               <a:rPr lang="en-US" smtClean="0"/>
               <a:pPr/>
-              <a:t>11/19/2024</a:t>
+              <a:t>11/29/2024</a:t>
             </a:fld>
             <a:endParaRPr lang="en-US"/>
           </a:p>
@@ -1899,7 +2516,7 @@
             <a:fld id="{1D8BD707-D9CF-40AE-B4C6-C98DA3205C09}" type="datetimeFigureOut">
               <a:rPr lang="en-US" smtClean="0"/>
               <a:pPr/>
-              <a:t>11/19/2024</a:t>
+              <a:t>11/29/2024</a:t>
             </a:fld>
             <a:endParaRPr lang="en-US"/>
           </a:p>
@@ -1991,7 +2608,7 @@
             <a:fld id="{1D8BD707-D9CF-40AE-B4C6-C98DA3205C09}" type="datetimeFigureOut">
               <a:rPr lang="en-US" smtClean="0"/>
               <a:pPr/>
-              <a:t>11/19/2024</a:t>
+              <a:t>11/29/2024</a:t>
             </a:fld>
             <a:endParaRPr lang="en-US"/>
           </a:p>
@@ -2263,7 +2880,7 @@
             <a:fld id="{1D8BD707-D9CF-40AE-B4C6-C98DA3205C09}" type="datetimeFigureOut">
               <a:rPr lang="en-US" smtClean="0"/>
               <a:pPr/>
-              <a:t>11/19/2024</a:t>
+              <a:t>11/29/2024</a:t>
             </a:fld>
             <a:endParaRPr lang="en-US"/>
           </a:p>
@@ -2512,7 +3129,7 @@
             <a:fld id="{1D8BD707-D9CF-40AE-B4C6-C98DA3205C09}" type="datetimeFigureOut">
               <a:rPr lang="en-US" smtClean="0"/>
               <a:pPr/>
-              <a:t>11/19/2024</a:t>
+              <a:t>11/29/2024</a:t>
             </a:fld>
             <a:endParaRPr lang="en-US"/>
           </a:p>
@@ -2720,7 +3337,7 @@
             <a:fld id="{1D8BD707-D9CF-40AE-B4C6-C98DA3205C09}" type="datetimeFigureOut">
               <a:rPr lang="en-US" smtClean="0"/>
               <a:pPr/>
-              <a:t>11/19/2024</a:t>
+              <a:t>11/29/2024</a:t>
             </a:fld>
             <a:endParaRPr lang="en-US"/>
           </a:p>
@@ -3099,7 +3716,7 @@
         </p:nvGrpSpPr>
         <p:grpSpPr>
           <a:xfrm>
-            <a:off x="-3562317" y="5143500"/>
+            <a:off x="-3581400" y="5175250"/>
             <a:ext cx="11890977" cy="11890977"/>
             <a:chOff x="0" y="0"/>
             <a:chExt cx="812800" cy="812800"/>
@@ -3183,7 +3800,7 @@
                   <a:spcPct val="0"/>
                 </a:spcBef>
               </a:pPr>
-              <a:endParaRPr/>
+              <a:endParaRPr dirty="0"/>
             </a:p>
           </p:txBody>
         </p:sp>
@@ -3280,7 +3897,7 @@
                   <a:spcPct val="0"/>
                 </a:spcBef>
               </a:pPr>
-              <a:endParaRPr/>
+              <a:endParaRPr dirty="0"/>
             </a:p>
           </p:txBody>
         </p:sp>
@@ -3377,7 +3994,7 @@
                   <a:spcPct val="0"/>
                 </a:spcBef>
               </a:pPr>
-              <a:endParaRPr/>
+              <a:endParaRPr dirty="0"/>
             </a:p>
           </p:txBody>
         </p:sp>
@@ -3474,7 +4091,7 @@
                   <a:spcPct val="0"/>
                 </a:spcBef>
               </a:pPr>
-              <a:endParaRPr/>
+              <a:endParaRPr dirty="0"/>
             </a:p>
           </p:txBody>
         </p:sp>
@@ -3619,7 +4236,7 @@
                   <a:spcPct val="0"/>
                 </a:spcBef>
               </a:pPr>
-              <a:endParaRPr/>
+              <a:endParaRPr dirty="0"/>
             </a:p>
           </p:txBody>
         </p:sp>
@@ -3775,31 +4392,7 @@
                 <a:cs typeface="Muli Bold"/>
                 <a:sym typeface="Muli Bold"/>
               </a:rPr>
-              <a:t> </a:t>
-            </a:r>
-            <a:r>
-              <a:rPr lang="en-US" sz="5199" b="1" dirty="0" err="1">
-                <a:solidFill>
-                  <a:srgbClr val="343434"/>
-                </a:solidFill>
-                <a:latin typeface="Muli Bold"/>
-                <a:ea typeface="Muli Bold"/>
-                <a:cs typeface="Muli Bold"/>
-                <a:sym typeface="Muli Bold"/>
-              </a:rPr>
-              <a:t>Alvez</a:t>
-            </a:r>
-            <a:r>
-              <a:rPr lang="en-US" sz="5199" b="1" dirty="0">
-                <a:solidFill>
-                  <a:srgbClr val="343434"/>
-                </a:solidFill>
-                <a:latin typeface="Muli Bold"/>
-                <a:ea typeface="Muli Bold"/>
-                <a:cs typeface="Muli Bold"/>
-                <a:sym typeface="Muli Bold"/>
-              </a:rPr>
-              <a:t> </a:t>
+              <a:t> Alves</a:t>
             </a:r>
           </a:p>
           <a:p>
@@ -3833,7 +4426,7 @@
               <a:t> </a:t>
             </a:r>
             <a:r>
-              <a:rPr lang="en-US" sz="5199" b="1">
+              <a:rPr lang="en-US" sz="5199" b="1" dirty="0" err="1">
                 <a:solidFill>
                   <a:srgbClr val="343434"/>
                 </a:solidFill>
@@ -3844,6 +4437,15 @@
               </a:rPr>
               <a:t>Moraes</a:t>
             </a:r>
+            <a:endParaRPr lang="en-US" sz="5199" b="1" dirty="0">
+              <a:solidFill>
+                <a:srgbClr val="343434"/>
+              </a:solidFill>
+              <a:latin typeface="Muli Bold"/>
+              <a:ea typeface="Muli Bold"/>
+              <a:cs typeface="Muli Bold"/>
+              <a:sym typeface="Muli Bold"/>
+            </a:endParaRPr>
           </a:p>
         </p:txBody>
       </p:sp>
@@ -3922,6 +4524,809 @@
           </a:prstGeom>
         </p:spPr>
       </p:pic>
+    </p:spTree>
+  </p:cSld>
+  <p:clrMapOvr>
+    <a:masterClrMapping/>
+  </p:clrMapOvr>
+  <p:transition spd="slow">
+    <p:wipe/>
+  </p:transition>
+</p:sld>
+</file>
+
+<file path=ppt/slides/slide10.xml><?xml version="1.0" encoding="utf-8"?>
+<p:sld xmlns:a="http://schemas.openxmlformats.org/drawingml/2006/main" xmlns:r="http://schemas.openxmlformats.org/officeDocument/2006/relationships" xmlns:p="http://schemas.openxmlformats.org/presentationml/2006/main">
+  <p:cSld>
+    <p:spTree>
+      <p:nvGrpSpPr>
+        <p:cNvPr id="1" name=""/>
+        <p:cNvGrpSpPr/>
+        <p:nvPr/>
+      </p:nvGrpSpPr>
+      <p:grpSpPr>
+        <a:xfrm>
+          <a:off x="0" y="0"/>
+          <a:ext cx="0" cy="0"/>
+          <a:chOff x="0" y="0"/>
+          <a:chExt cx="0" cy="0"/>
+        </a:xfrm>
+      </p:grpSpPr>
+      <p:grpSp>
+        <p:nvGrpSpPr>
+          <p:cNvPr id="2" name="Group 2"/>
+          <p:cNvGrpSpPr/>
+          <p:nvPr/>
+        </p:nvGrpSpPr>
+        <p:grpSpPr>
+          <a:xfrm>
+            <a:off x="-3005073" y="-2013751"/>
+            <a:ext cx="14314502" cy="14314502"/>
+            <a:chOff x="0" y="0"/>
+            <a:chExt cx="812800" cy="812800"/>
+          </a:xfrm>
+        </p:grpSpPr>
+        <p:sp>
+          <p:nvSpPr>
+            <p:cNvPr id="3" name="Freeform 3"/>
+            <p:cNvSpPr/>
+            <p:nvPr/>
+          </p:nvSpPr>
+          <p:spPr>
+            <a:xfrm>
+              <a:off x="0" y="0"/>
+              <a:ext cx="812800" cy="812800"/>
+            </a:xfrm>
+            <a:custGeom>
+              <a:avLst/>
+              <a:gdLst/>
+              <a:ahLst/>
+              <a:cxnLst/>
+              <a:rect l="l" t="t" r="r" b="b"/>
+              <a:pathLst>
+                <a:path w="812800" h="812800">
+                  <a:moveTo>
+                    <a:pt x="406400" y="0"/>
+                  </a:moveTo>
+                  <a:cubicBezTo>
+                    <a:pt x="181951" y="0"/>
+                    <a:pt x="0" y="181951"/>
+                    <a:pt x="0" y="406400"/>
+                  </a:cubicBezTo>
+                  <a:cubicBezTo>
+                    <a:pt x="0" y="630849"/>
+                    <a:pt x="181951" y="812800"/>
+                    <a:pt x="406400" y="812800"/>
+                  </a:cubicBezTo>
+                  <a:cubicBezTo>
+                    <a:pt x="630849" y="812800"/>
+                    <a:pt x="812800" y="630849"/>
+                    <a:pt x="812800" y="406400"/>
+                  </a:cubicBezTo>
+                  <a:cubicBezTo>
+                    <a:pt x="812800" y="181951"/>
+                    <a:pt x="630849" y="0"/>
+                    <a:pt x="406400" y="0"/>
+                  </a:cubicBezTo>
+                  <a:close/>
+                </a:path>
+              </a:pathLst>
+            </a:custGeom>
+            <a:solidFill>
+              <a:srgbClr val="F8F8F8"/>
+            </a:solidFill>
+          </p:spPr>
+        </p:sp>
+        <p:sp>
+          <p:nvSpPr>
+            <p:cNvPr id="4" name="TextBox 4"/>
+            <p:cNvSpPr txBox="1"/>
+            <p:nvPr/>
+          </p:nvSpPr>
+          <p:spPr>
+            <a:xfrm>
+              <a:off x="76200" y="38100"/>
+              <a:ext cx="660400" cy="698500"/>
+            </a:xfrm>
+            <a:prstGeom prst="rect">
+              <a:avLst/>
+            </a:prstGeom>
+          </p:spPr>
+          <p:txBody>
+            <a:bodyPr lIns="50800" tIns="50800" rIns="50800" bIns="50800" rtlCol="0" anchor="ctr"/>
+            <a:lstStyle/>
+            <a:p>
+              <a:pPr algn="ctr">
+                <a:lnSpc>
+                  <a:spcPts val="2659"/>
+                </a:lnSpc>
+                <a:spcBef>
+                  <a:spcPct val="0"/>
+                </a:spcBef>
+              </a:pPr>
+              <a:endParaRPr/>
+            </a:p>
+          </p:txBody>
+        </p:sp>
+      </p:grpSp>
+      <p:sp>
+        <p:nvSpPr>
+          <p:cNvPr id="5" name="AutoShape 5"/>
+          <p:cNvSpPr/>
+          <p:nvPr/>
+        </p:nvSpPr>
+        <p:spPr>
+          <a:xfrm>
+            <a:off x="1544213" y="4131821"/>
+            <a:ext cx="408837" cy="0"/>
+          </a:xfrm>
+          <a:prstGeom prst="line">
+            <a:avLst/>
+          </a:prstGeom>
+          <a:ln w="9525" cap="flat">
+            <a:solidFill>
+              <a:srgbClr val="191919"/>
+            </a:solidFill>
+            <a:prstDash val="solid"/>
+            <a:headEnd type="none" w="sm" len="sm"/>
+            <a:tailEnd type="none" w="sm" len="sm"/>
+          </a:ln>
+        </p:spPr>
+      </p:sp>
+      <p:grpSp>
+        <p:nvGrpSpPr>
+          <p:cNvPr id="6" name="Group 6"/>
+          <p:cNvGrpSpPr/>
+          <p:nvPr/>
+        </p:nvGrpSpPr>
+        <p:grpSpPr>
+          <a:xfrm>
+            <a:off x="3467072" y="-1585421"/>
+            <a:ext cx="4472852" cy="4096131"/>
+            <a:chOff x="0" y="0"/>
+            <a:chExt cx="887553" cy="812800"/>
+          </a:xfrm>
+        </p:grpSpPr>
+        <p:sp>
+          <p:nvSpPr>
+            <p:cNvPr id="7" name="Freeform 7"/>
+            <p:cNvSpPr/>
+            <p:nvPr/>
+          </p:nvSpPr>
+          <p:spPr>
+            <a:xfrm>
+              <a:off x="0" y="0"/>
+              <a:ext cx="887553" cy="812800"/>
+            </a:xfrm>
+            <a:custGeom>
+              <a:avLst/>
+              <a:gdLst/>
+              <a:ahLst/>
+              <a:cxnLst/>
+              <a:rect l="l" t="t" r="r" b="b"/>
+              <a:pathLst>
+                <a:path w="887553" h="812800">
+                  <a:moveTo>
+                    <a:pt x="443777" y="0"/>
+                  </a:moveTo>
+                  <a:cubicBezTo>
+                    <a:pt x="198686" y="0"/>
+                    <a:pt x="0" y="181951"/>
+                    <a:pt x="0" y="406400"/>
+                  </a:cubicBezTo>
+                  <a:cubicBezTo>
+                    <a:pt x="0" y="630849"/>
+                    <a:pt x="198686" y="812800"/>
+                    <a:pt x="443777" y="812800"/>
+                  </a:cubicBezTo>
+                  <a:cubicBezTo>
+                    <a:pt x="688868" y="812800"/>
+                    <a:pt x="887553" y="630849"/>
+                    <a:pt x="887553" y="406400"/>
+                  </a:cubicBezTo>
+                  <a:cubicBezTo>
+                    <a:pt x="887553" y="181951"/>
+                    <a:pt x="688868" y="0"/>
+                    <a:pt x="443777" y="0"/>
+                  </a:cubicBezTo>
+                  <a:close/>
+                </a:path>
+              </a:pathLst>
+            </a:custGeom>
+            <a:solidFill>
+              <a:srgbClr val="87B8F2"/>
+            </a:solidFill>
+            <a:ln cap="sq">
+              <a:noFill/>
+              <a:prstDash val="solid"/>
+              <a:miter/>
+            </a:ln>
+          </p:spPr>
+        </p:sp>
+        <p:sp>
+          <p:nvSpPr>
+            <p:cNvPr id="8" name="TextBox 8"/>
+            <p:cNvSpPr txBox="1"/>
+            <p:nvPr/>
+          </p:nvSpPr>
+          <p:spPr>
+            <a:xfrm>
+              <a:off x="83208" y="38100"/>
+              <a:ext cx="721137" cy="698500"/>
+            </a:xfrm>
+            <a:prstGeom prst="rect">
+              <a:avLst/>
+            </a:prstGeom>
+          </p:spPr>
+          <p:txBody>
+            <a:bodyPr lIns="50800" tIns="50800" rIns="50800" bIns="50800" rtlCol="0" anchor="ctr"/>
+            <a:lstStyle/>
+            <a:p>
+              <a:pPr marL="0" lvl="0" indent="0" algn="ctr">
+                <a:lnSpc>
+                  <a:spcPts val="2659"/>
+                </a:lnSpc>
+                <a:spcBef>
+                  <a:spcPct val="0"/>
+                </a:spcBef>
+              </a:pPr>
+              <a:endParaRPr/>
+            </a:p>
+          </p:txBody>
+        </p:sp>
+      </p:grpSp>
+      <p:grpSp>
+        <p:nvGrpSpPr>
+          <p:cNvPr id="9" name="Group 9"/>
+          <p:cNvGrpSpPr/>
+          <p:nvPr/>
+        </p:nvGrpSpPr>
+        <p:grpSpPr>
+          <a:xfrm>
+            <a:off x="-494148" y="8764152"/>
+            <a:ext cx="3045696" cy="3045696"/>
+            <a:chOff x="0" y="0"/>
+            <a:chExt cx="812800" cy="812800"/>
+          </a:xfrm>
+        </p:grpSpPr>
+        <p:sp>
+          <p:nvSpPr>
+            <p:cNvPr id="10" name="Freeform 10"/>
+            <p:cNvSpPr/>
+            <p:nvPr/>
+          </p:nvSpPr>
+          <p:spPr>
+            <a:xfrm>
+              <a:off x="0" y="0"/>
+              <a:ext cx="812800" cy="812800"/>
+            </a:xfrm>
+            <a:custGeom>
+              <a:avLst/>
+              <a:gdLst/>
+              <a:ahLst/>
+              <a:cxnLst/>
+              <a:rect l="l" t="t" r="r" b="b"/>
+              <a:pathLst>
+                <a:path w="812800" h="812800">
+                  <a:moveTo>
+                    <a:pt x="406400" y="0"/>
+                  </a:moveTo>
+                  <a:cubicBezTo>
+                    <a:pt x="181951" y="0"/>
+                    <a:pt x="0" y="181951"/>
+                    <a:pt x="0" y="406400"/>
+                  </a:cubicBezTo>
+                  <a:cubicBezTo>
+                    <a:pt x="0" y="630849"/>
+                    <a:pt x="181951" y="812800"/>
+                    <a:pt x="406400" y="812800"/>
+                  </a:cubicBezTo>
+                  <a:cubicBezTo>
+                    <a:pt x="630849" y="812800"/>
+                    <a:pt x="812800" y="630849"/>
+                    <a:pt x="812800" y="406400"/>
+                  </a:cubicBezTo>
+                  <a:cubicBezTo>
+                    <a:pt x="812800" y="181951"/>
+                    <a:pt x="630849" y="0"/>
+                    <a:pt x="406400" y="0"/>
+                  </a:cubicBezTo>
+                  <a:close/>
+                </a:path>
+              </a:pathLst>
+            </a:custGeom>
+            <a:solidFill>
+              <a:srgbClr val="87B8F2"/>
+            </a:solidFill>
+            <a:ln cap="sq">
+              <a:noFill/>
+              <a:prstDash val="solid"/>
+              <a:miter/>
+            </a:ln>
+          </p:spPr>
+        </p:sp>
+        <p:sp>
+          <p:nvSpPr>
+            <p:cNvPr id="11" name="TextBox 11"/>
+            <p:cNvSpPr txBox="1"/>
+            <p:nvPr/>
+          </p:nvSpPr>
+          <p:spPr>
+            <a:xfrm>
+              <a:off x="76200" y="38100"/>
+              <a:ext cx="660400" cy="698500"/>
+            </a:xfrm>
+            <a:prstGeom prst="rect">
+              <a:avLst/>
+            </a:prstGeom>
+          </p:spPr>
+          <p:txBody>
+            <a:bodyPr lIns="50800" tIns="50800" rIns="50800" bIns="50800" rtlCol="0" anchor="ctr"/>
+            <a:lstStyle/>
+            <a:p>
+              <a:pPr marL="0" lvl="0" indent="0" algn="ctr">
+                <a:lnSpc>
+                  <a:spcPts val="2659"/>
+                </a:lnSpc>
+                <a:spcBef>
+                  <a:spcPct val="0"/>
+                </a:spcBef>
+              </a:pPr>
+              <a:endParaRPr/>
+            </a:p>
+          </p:txBody>
+        </p:sp>
+      </p:grpSp>
+      <p:sp>
+        <p:nvSpPr>
+          <p:cNvPr id="12" name="TextBox 12"/>
+          <p:cNvSpPr txBox="1"/>
+          <p:nvPr/>
+        </p:nvSpPr>
+        <p:spPr>
+          <a:xfrm>
+            <a:off x="626620" y="1370247"/>
+            <a:ext cx="19199481" cy="6772399"/>
+          </a:xfrm>
+          <a:prstGeom prst="rect">
+            <a:avLst/>
+          </a:prstGeom>
+        </p:spPr>
+        <p:txBody>
+          <a:bodyPr lIns="0" tIns="0" rIns="0" bIns="0" rtlCol="0" anchor="t">
+            <a:spAutoFit/>
+          </a:bodyPr>
+          <a:lstStyle/>
+          <a:p>
+            <a:pPr algn="l">
+              <a:lnSpc>
+                <a:spcPts val="5511"/>
+              </a:lnSpc>
+            </a:pPr>
+            <a:r>
+              <a:rPr lang="en-US" sz="3936" spc="125" dirty="0" err="1">
+                <a:solidFill>
+                  <a:srgbClr val="191919"/>
+                </a:solidFill>
+                <a:latin typeface="Aileron"/>
+                <a:ea typeface="Aileron"/>
+                <a:cs typeface="Aileron"/>
+                <a:sym typeface="Aileron"/>
+              </a:rPr>
+              <a:t>Título</a:t>
+            </a:r>
+            <a:r>
+              <a:rPr lang="en-US" sz="3936" spc="125" dirty="0">
+                <a:solidFill>
+                  <a:srgbClr val="191919"/>
+                </a:solidFill>
+                <a:latin typeface="Aileron"/>
+                <a:ea typeface="Aileron"/>
+                <a:cs typeface="Aileron"/>
+                <a:sym typeface="Aileron"/>
+              </a:rPr>
+              <a:t> do </a:t>
+            </a:r>
+            <a:r>
+              <a:rPr lang="en-US" sz="3936" spc="125" dirty="0" err="1">
+                <a:solidFill>
+                  <a:srgbClr val="191919"/>
+                </a:solidFill>
+                <a:latin typeface="Aileron"/>
+                <a:ea typeface="Aileron"/>
+                <a:cs typeface="Aileron"/>
+                <a:sym typeface="Aileron"/>
+              </a:rPr>
+              <a:t>trabalho</a:t>
+            </a:r>
+            <a:r>
+              <a:rPr lang="en-US" sz="3936" spc="125" dirty="0">
+                <a:solidFill>
+                  <a:srgbClr val="191919"/>
+                </a:solidFill>
+                <a:latin typeface="Aileron"/>
+                <a:ea typeface="Aileron"/>
+                <a:cs typeface="Aileron"/>
+                <a:sym typeface="Aileron"/>
+              </a:rPr>
+              <a:t>:</a:t>
+            </a:r>
+          </a:p>
+          <a:p>
+            <a:pPr algn="l">
+              <a:lnSpc>
+                <a:spcPts val="5511"/>
+              </a:lnSpc>
+            </a:pPr>
+            <a:r>
+              <a:rPr lang="en-US" sz="3936" spc="125" dirty="0">
+                <a:solidFill>
+                  <a:srgbClr val="191919"/>
+                </a:solidFill>
+                <a:latin typeface="Aileron"/>
+                <a:ea typeface="Aileron"/>
+                <a:cs typeface="Aileron"/>
+                <a:sym typeface="Aileron"/>
+              </a:rPr>
+              <a:t> </a:t>
+            </a:r>
+            <a:r>
+              <a:rPr lang="en-US" sz="3936" spc="125" dirty="0" err="1">
+                <a:solidFill>
+                  <a:srgbClr val="191919"/>
+                </a:solidFill>
+                <a:latin typeface="Aileron"/>
+                <a:ea typeface="Aileron"/>
+                <a:cs typeface="Aileron"/>
+                <a:sym typeface="Aileron"/>
+              </a:rPr>
+              <a:t>Autocuidado</a:t>
+            </a:r>
+            <a:r>
+              <a:rPr lang="en-US" sz="3936" spc="125" dirty="0">
+                <a:solidFill>
+                  <a:srgbClr val="191919"/>
+                </a:solidFill>
+                <a:latin typeface="Aileron"/>
+                <a:ea typeface="Aileron"/>
+                <a:cs typeface="Aileron"/>
+                <a:sym typeface="Aileron"/>
+              </a:rPr>
+              <a:t> com </a:t>
+            </a:r>
+            <a:r>
+              <a:rPr lang="en-US" sz="3936" spc="125" dirty="0" err="1">
+                <a:solidFill>
+                  <a:srgbClr val="191919"/>
+                </a:solidFill>
+                <a:latin typeface="Aileron"/>
+                <a:ea typeface="Aileron"/>
+                <a:cs typeface="Aileron"/>
+                <a:sym typeface="Aileron"/>
+              </a:rPr>
+              <a:t>espectro</a:t>
+            </a:r>
+            <a:r>
+              <a:rPr lang="en-US" sz="3936" spc="125" dirty="0">
+                <a:solidFill>
+                  <a:srgbClr val="191919"/>
+                </a:solidFill>
+                <a:latin typeface="Aileron"/>
+                <a:ea typeface="Aileron"/>
+                <a:cs typeface="Aileron"/>
+                <a:sym typeface="Aileron"/>
+              </a:rPr>
+              <a:t> </a:t>
+            </a:r>
+            <a:r>
+              <a:rPr lang="en-US" sz="3936" spc="125" dirty="0" err="1">
+                <a:solidFill>
+                  <a:srgbClr val="191919"/>
+                </a:solidFill>
+                <a:latin typeface="Aileron"/>
+                <a:ea typeface="Aileron"/>
+                <a:cs typeface="Aileron"/>
+                <a:sym typeface="Aileron"/>
+              </a:rPr>
+              <a:t>Autista</a:t>
+            </a:r>
+            <a:r>
+              <a:rPr lang="en-US" sz="3936" spc="125" dirty="0">
+                <a:solidFill>
+                  <a:srgbClr val="191919"/>
+                </a:solidFill>
+                <a:latin typeface="Aileron"/>
+                <a:ea typeface="Aileron"/>
+                <a:cs typeface="Aileron"/>
+                <a:sym typeface="Aileron"/>
+              </a:rPr>
+              <a:t> </a:t>
+            </a:r>
+          </a:p>
+          <a:p>
+            <a:pPr algn="l">
+              <a:lnSpc>
+                <a:spcPts val="5511"/>
+              </a:lnSpc>
+            </a:pPr>
+            <a:endParaRPr lang="en-US" sz="3936" spc="125" dirty="0">
+              <a:solidFill>
+                <a:srgbClr val="191919"/>
+              </a:solidFill>
+              <a:latin typeface="Aileron"/>
+              <a:ea typeface="Aileron"/>
+              <a:cs typeface="Aileron"/>
+              <a:sym typeface="Aileron"/>
+            </a:endParaRPr>
+          </a:p>
+          <a:p>
+            <a:pPr algn="l">
+              <a:lnSpc>
+                <a:spcPts val="5511"/>
+              </a:lnSpc>
+            </a:pPr>
+            <a:r>
+              <a:rPr lang="en-US" sz="3936" spc="125" dirty="0" err="1">
+                <a:solidFill>
+                  <a:srgbClr val="191919"/>
+                </a:solidFill>
+                <a:latin typeface="Aileron"/>
+                <a:ea typeface="Aileron"/>
+                <a:cs typeface="Aileron"/>
+                <a:sym typeface="Aileron"/>
+              </a:rPr>
+              <a:t>Kaique</a:t>
+            </a:r>
+            <a:r>
+              <a:rPr lang="en-US" sz="3936" spc="125" dirty="0">
+                <a:solidFill>
+                  <a:srgbClr val="191919"/>
+                </a:solidFill>
+                <a:latin typeface="Aileron"/>
+                <a:ea typeface="Aileron"/>
+                <a:cs typeface="Aileron"/>
+                <a:sym typeface="Aileron"/>
+              </a:rPr>
+              <a:t> Branco Alves Pereira </a:t>
+            </a:r>
+          </a:p>
+          <a:p>
+            <a:pPr algn="l">
+              <a:lnSpc>
+                <a:spcPts val="5511"/>
+              </a:lnSpc>
+            </a:pPr>
+            <a:r>
+              <a:rPr lang="en-US" sz="3936" spc="125" dirty="0" err="1">
+                <a:solidFill>
+                  <a:srgbClr val="191919"/>
+                </a:solidFill>
+                <a:latin typeface="Aileron"/>
+                <a:ea typeface="Aileron"/>
+                <a:cs typeface="Aileron"/>
+                <a:sym typeface="Aileron"/>
+              </a:rPr>
+              <a:t>Kauany</a:t>
+            </a:r>
+            <a:r>
+              <a:rPr lang="en-US" sz="3936" spc="125" dirty="0">
+                <a:solidFill>
+                  <a:srgbClr val="191919"/>
+                </a:solidFill>
+                <a:latin typeface="Aileron"/>
+                <a:ea typeface="Aileron"/>
+                <a:cs typeface="Aileron"/>
+                <a:sym typeface="Aileron"/>
+              </a:rPr>
+              <a:t> Cristina de </a:t>
+            </a:r>
+            <a:r>
+              <a:rPr lang="en-US" sz="3936" spc="125" dirty="0" err="1">
+                <a:solidFill>
+                  <a:srgbClr val="191919"/>
+                </a:solidFill>
+                <a:latin typeface="Aileron"/>
+                <a:ea typeface="Aileron"/>
+                <a:cs typeface="Aileron"/>
+                <a:sym typeface="Aileron"/>
+              </a:rPr>
+              <a:t>Moraes</a:t>
+            </a:r>
+            <a:r>
+              <a:rPr lang="en-US" sz="3936" spc="125" dirty="0">
+                <a:solidFill>
+                  <a:srgbClr val="191919"/>
+                </a:solidFill>
+                <a:latin typeface="Aileron"/>
+                <a:ea typeface="Aileron"/>
+                <a:cs typeface="Aileron"/>
+                <a:sym typeface="Aileron"/>
+              </a:rPr>
+              <a:t> Leonel</a:t>
+            </a:r>
+          </a:p>
+          <a:p>
+            <a:pPr algn="l">
+              <a:lnSpc>
+                <a:spcPts val="5511"/>
+              </a:lnSpc>
+            </a:pPr>
+            <a:endParaRPr lang="en-US" sz="3936" spc="125" dirty="0">
+              <a:solidFill>
+                <a:srgbClr val="191919"/>
+              </a:solidFill>
+              <a:latin typeface="Aileron"/>
+              <a:ea typeface="Aileron"/>
+              <a:cs typeface="Aileron"/>
+              <a:sym typeface="Aileron"/>
+            </a:endParaRPr>
+          </a:p>
+          <a:p>
+            <a:pPr algn="l">
+              <a:lnSpc>
+                <a:spcPts val="5511"/>
+              </a:lnSpc>
+            </a:pPr>
+            <a:r>
+              <a:rPr lang="en-US" sz="3936" spc="125" dirty="0" err="1">
+                <a:solidFill>
+                  <a:srgbClr val="191919"/>
+                </a:solidFill>
+                <a:latin typeface="Aileron"/>
+                <a:ea typeface="Aileron"/>
+                <a:cs typeface="Aileron"/>
+                <a:sym typeface="Aileron"/>
+              </a:rPr>
+              <a:t>Serviço</a:t>
+            </a:r>
+            <a:r>
+              <a:rPr lang="en-US" sz="3936" spc="125" dirty="0">
+                <a:solidFill>
+                  <a:srgbClr val="191919"/>
+                </a:solidFill>
+                <a:latin typeface="Aileron"/>
+                <a:ea typeface="Aileron"/>
+                <a:cs typeface="Aileron"/>
+                <a:sym typeface="Aileron"/>
+              </a:rPr>
+              <a:t> Nacional De </a:t>
+            </a:r>
+            <a:r>
+              <a:rPr lang="en-US" sz="3936" spc="125" dirty="0" err="1">
+                <a:solidFill>
+                  <a:srgbClr val="191919"/>
+                </a:solidFill>
+                <a:latin typeface="Aileron"/>
+                <a:ea typeface="Aileron"/>
+                <a:cs typeface="Aileron"/>
+                <a:sym typeface="Aileron"/>
+              </a:rPr>
+              <a:t>Aprendizagem</a:t>
+            </a:r>
+            <a:r>
+              <a:rPr lang="en-US" sz="3936" spc="125" dirty="0">
+                <a:solidFill>
+                  <a:srgbClr val="191919"/>
+                </a:solidFill>
+                <a:latin typeface="Aileron"/>
+                <a:ea typeface="Aileron"/>
+                <a:cs typeface="Aileron"/>
+                <a:sym typeface="Aileron"/>
+              </a:rPr>
+              <a:t> Industrial </a:t>
+            </a:r>
+          </a:p>
+          <a:p>
+            <a:pPr algn="l">
+              <a:lnSpc>
+                <a:spcPts val="5511"/>
+              </a:lnSpc>
+            </a:pPr>
+            <a:endParaRPr lang="en-US" sz="3936" spc="125" dirty="0">
+              <a:solidFill>
+                <a:srgbClr val="191919"/>
+              </a:solidFill>
+              <a:latin typeface="Aileron"/>
+              <a:ea typeface="Aileron"/>
+              <a:cs typeface="Aileron"/>
+              <a:sym typeface="Aileron"/>
+            </a:endParaRPr>
+          </a:p>
+          <a:p>
+            <a:pPr algn="l">
+              <a:lnSpc>
+                <a:spcPts val="5511"/>
+              </a:lnSpc>
+            </a:pPr>
+            <a:r>
+              <a:rPr lang="en-US" sz="3936" spc="125" dirty="0" err="1">
+                <a:solidFill>
+                  <a:srgbClr val="191919"/>
+                </a:solidFill>
+                <a:latin typeface="Aileron"/>
+                <a:ea typeface="Aileron"/>
+                <a:cs typeface="Aileron"/>
+                <a:sym typeface="Aileron"/>
+              </a:rPr>
+              <a:t>Dezembro</a:t>
+            </a:r>
+            <a:r>
+              <a:rPr lang="en-US" sz="3936" spc="125" dirty="0">
+                <a:solidFill>
+                  <a:srgbClr val="191919"/>
+                </a:solidFill>
+                <a:latin typeface="Aileron"/>
+                <a:ea typeface="Aileron"/>
+                <a:cs typeface="Aileron"/>
+                <a:sym typeface="Aileron"/>
+              </a:rPr>
+              <a:t>/2024</a:t>
+            </a:r>
+          </a:p>
+          <a:p>
+            <a:pPr algn="l">
+              <a:lnSpc>
+                <a:spcPts val="5511"/>
+              </a:lnSpc>
+            </a:pPr>
+            <a:endParaRPr lang="en-US" sz="3936" spc="125" dirty="0">
+              <a:solidFill>
+                <a:srgbClr val="191919"/>
+              </a:solidFill>
+              <a:latin typeface="Aileron"/>
+              <a:ea typeface="Aileron"/>
+              <a:cs typeface="Aileron"/>
+              <a:sym typeface="Aileron"/>
+            </a:endParaRPr>
+          </a:p>
+        </p:txBody>
+      </p:sp>
+      <p:sp>
+        <p:nvSpPr>
+          <p:cNvPr id="13" name="Freeform 13"/>
+          <p:cNvSpPr/>
+          <p:nvPr/>
+        </p:nvSpPr>
+        <p:spPr>
+          <a:xfrm>
+            <a:off x="11880953" y="1965021"/>
+            <a:ext cx="6118572" cy="6356958"/>
+          </a:xfrm>
+          <a:custGeom>
+            <a:avLst/>
+            <a:gdLst/>
+            <a:ahLst/>
+            <a:cxnLst/>
+            <a:rect l="l" t="t" r="r" b="b"/>
+            <a:pathLst>
+              <a:path w="6118572" h="6356958">
+                <a:moveTo>
+                  <a:pt x="0" y="0"/>
+                </a:moveTo>
+                <a:lnTo>
+                  <a:pt x="6118572" y="0"/>
+                </a:lnTo>
+                <a:lnTo>
+                  <a:pt x="6118572" y="6356958"/>
+                </a:lnTo>
+                <a:lnTo>
+                  <a:pt x="0" y="6356958"/>
+                </a:lnTo>
+                <a:lnTo>
+                  <a:pt x="0" y="0"/>
+                </a:lnTo>
+                <a:close/>
+              </a:path>
+            </a:pathLst>
+          </a:custGeom>
+          <a:blipFill>
+            <a:blip r:embed="rId2"/>
+            <a:stretch>
+              <a:fillRect/>
+            </a:stretch>
+          </a:blipFill>
+        </p:spPr>
+      </p:sp>
     </p:spTree>
   </p:cSld>
   <p:clrMapOvr>
@@ -5671,293 +7076,6 @@
       </p:grpSp>
       <p:sp>
         <p:nvSpPr>
-          <p:cNvPr id="11" name="TextBox 11"/>
-          <p:cNvSpPr txBox="1"/>
-          <p:nvPr/>
-        </p:nvSpPr>
-        <p:spPr>
-          <a:xfrm>
-            <a:off x="2918032" y="3277349"/>
-            <a:ext cx="11991717" cy="6751015"/>
-          </a:xfrm>
-          <a:prstGeom prst="rect">
-            <a:avLst/>
-          </a:prstGeom>
-        </p:spPr>
-        <p:txBody>
-          <a:bodyPr lIns="0" tIns="0" rIns="0" bIns="0" rtlCol="0" anchor="t">
-            <a:spAutoFit/>
-          </a:bodyPr>
-          <a:lstStyle/>
-          <a:p>
-            <a:pPr marL="571500" indent="-571500">
-              <a:lnSpc>
-                <a:spcPts val="5254"/>
-              </a:lnSpc>
-              <a:buFont typeface="Courier New" panose="02070309020205020404" pitchFamily="49" charset="0"/>
-              <a:buChar char="o"/>
-            </a:pPr>
-            <a:r>
-              <a:rPr lang="en-US" sz="3752" b="1" dirty="0" err="1">
-                <a:solidFill>
-                  <a:srgbClr val="343434"/>
-                </a:solidFill>
-                <a:latin typeface="Open Sans Bold"/>
-                <a:ea typeface="Open Sans Bold"/>
-                <a:cs typeface="Open Sans Bold"/>
-                <a:sym typeface="Open Sans Bold"/>
-              </a:rPr>
-              <a:t>Introdução</a:t>
-            </a:r>
-            <a:endParaRPr lang="en-US" sz="3752" b="1" dirty="0">
-              <a:solidFill>
-                <a:srgbClr val="343434"/>
-              </a:solidFill>
-              <a:latin typeface="Open Sans Bold"/>
-              <a:ea typeface="Open Sans Bold"/>
-              <a:cs typeface="Open Sans Bold"/>
-              <a:sym typeface="Open Sans Bold"/>
-            </a:endParaRPr>
-          </a:p>
-          <a:p>
-            <a:pPr marL="571500" indent="-571500">
-              <a:lnSpc>
-                <a:spcPts val="5254"/>
-              </a:lnSpc>
-              <a:buFont typeface="Courier New" panose="02070309020205020404" pitchFamily="49" charset="0"/>
-              <a:buChar char="o"/>
-            </a:pPr>
-            <a:endParaRPr lang="en-US" sz="3752" b="1" dirty="0">
-              <a:solidFill>
-                <a:srgbClr val="343434"/>
-              </a:solidFill>
-              <a:latin typeface="Open Sans Bold"/>
-              <a:ea typeface="Open Sans Bold"/>
-              <a:cs typeface="Open Sans Bold"/>
-              <a:sym typeface="Open Sans Bold"/>
-            </a:endParaRPr>
-          </a:p>
-          <a:p>
-            <a:pPr marL="571500" indent="-571500">
-              <a:lnSpc>
-                <a:spcPts val="5254"/>
-              </a:lnSpc>
-              <a:buFont typeface="Courier New" panose="02070309020205020404" pitchFamily="49" charset="0"/>
-              <a:buChar char="o"/>
-            </a:pPr>
-            <a:r>
-              <a:rPr lang="en-US" sz="3752" b="1" dirty="0" err="1">
-                <a:solidFill>
-                  <a:srgbClr val="343434"/>
-                </a:solidFill>
-                <a:latin typeface="Open Sans Bold"/>
-                <a:ea typeface="Open Sans Bold"/>
-                <a:cs typeface="Open Sans Bold"/>
-                <a:sym typeface="Open Sans Bold"/>
-              </a:rPr>
-              <a:t>Objetivos</a:t>
-            </a:r>
-            <a:endParaRPr lang="en-US" sz="3752" b="1" dirty="0">
-              <a:solidFill>
-                <a:srgbClr val="343434"/>
-              </a:solidFill>
-              <a:latin typeface="Open Sans Bold"/>
-              <a:ea typeface="Open Sans Bold"/>
-              <a:cs typeface="Open Sans Bold"/>
-              <a:sym typeface="Open Sans Bold"/>
-            </a:endParaRPr>
-          </a:p>
-          <a:p>
-            <a:pPr marL="571500" indent="-571500">
-              <a:lnSpc>
-                <a:spcPts val="5254"/>
-              </a:lnSpc>
-              <a:buFont typeface="Courier New" panose="02070309020205020404" pitchFamily="49" charset="0"/>
-              <a:buChar char="o"/>
-            </a:pPr>
-            <a:endParaRPr lang="en-US" sz="3752" b="1" dirty="0">
-              <a:solidFill>
-                <a:srgbClr val="343434"/>
-              </a:solidFill>
-              <a:latin typeface="Open Sans Bold"/>
-              <a:ea typeface="Open Sans Bold"/>
-              <a:cs typeface="Open Sans Bold"/>
-              <a:sym typeface="Open Sans Bold"/>
-            </a:endParaRPr>
-          </a:p>
-          <a:p>
-            <a:pPr marL="571500" indent="-571500">
-              <a:lnSpc>
-                <a:spcPts val="5254"/>
-              </a:lnSpc>
-              <a:buFont typeface="Courier New" panose="02070309020205020404" pitchFamily="49" charset="0"/>
-              <a:buChar char="o"/>
-            </a:pPr>
-            <a:r>
-              <a:rPr lang="en-US" sz="3752" b="1" dirty="0" err="1">
-                <a:solidFill>
-                  <a:srgbClr val="343434"/>
-                </a:solidFill>
-                <a:latin typeface="Open Sans Bold"/>
-                <a:ea typeface="Open Sans Bold"/>
-                <a:cs typeface="Open Sans Bold"/>
-                <a:sym typeface="Open Sans Bold"/>
-              </a:rPr>
-              <a:t>Métodologia</a:t>
-            </a:r>
-            <a:endParaRPr lang="en-US" sz="3752" b="1" dirty="0">
-              <a:solidFill>
-                <a:srgbClr val="343434"/>
-              </a:solidFill>
-              <a:latin typeface="Open Sans Bold"/>
-              <a:ea typeface="Open Sans Bold"/>
-              <a:cs typeface="Open Sans Bold"/>
-              <a:sym typeface="Open Sans Bold"/>
-            </a:endParaRPr>
-          </a:p>
-          <a:p>
-            <a:pPr marL="571500" indent="-571500">
-              <a:lnSpc>
-                <a:spcPts val="5254"/>
-              </a:lnSpc>
-              <a:buFont typeface="Courier New" panose="02070309020205020404" pitchFamily="49" charset="0"/>
-              <a:buChar char="o"/>
-            </a:pPr>
-            <a:endParaRPr lang="en-US" sz="3752" b="1" dirty="0">
-              <a:solidFill>
-                <a:srgbClr val="343434"/>
-              </a:solidFill>
-              <a:latin typeface="Open Sans Bold"/>
-              <a:ea typeface="Open Sans Bold"/>
-              <a:cs typeface="Open Sans Bold"/>
-              <a:sym typeface="Open Sans Bold"/>
-            </a:endParaRPr>
-          </a:p>
-          <a:p>
-            <a:pPr marL="571500" indent="-571500">
-              <a:lnSpc>
-                <a:spcPts val="5254"/>
-              </a:lnSpc>
-              <a:buFont typeface="Courier New" panose="02070309020205020404" pitchFamily="49" charset="0"/>
-              <a:buChar char="o"/>
-            </a:pPr>
-            <a:r>
-              <a:rPr lang="en-US" sz="3752" b="1" dirty="0" err="1">
-                <a:solidFill>
-                  <a:srgbClr val="343434"/>
-                </a:solidFill>
-                <a:latin typeface="Open Sans Bold"/>
-                <a:ea typeface="Open Sans Bold"/>
-                <a:cs typeface="Open Sans Bold"/>
-                <a:sym typeface="Open Sans Bold"/>
-              </a:rPr>
-              <a:t>Desenvolvimento</a:t>
-            </a:r>
-            <a:endParaRPr lang="en-US" sz="3752" b="1" dirty="0">
-              <a:solidFill>
-                <a:srgbClr val="343434"/>
-              </a:solidFill>
-              <a:latin typeface="Open Sans Bold"/>
-              <a:ea typeface="Open Sans Bold"/>
-              <a:cs typeface="Open Sans Bold"/>
-              <a:sym typeface="Open Sans Bold"/>
-            </a:endParaRPr>
-          </a:p>
-          <a:p>
-            <a:pPr marL="571500" indent="-571500">
-              <a:lnSpc>
-                <a:spcPts val="5254"/>
-              </a:lnSpc>
-              <a:buFont typeface="Courier New" panose="02070309020205020404" pitchFamily="49" charset="0"/>
-              <a:buChar char="o"/>
-            </a:pPr>
-            <a:endParaRPr lang="en-US" sz="3752" b="1" dirty="0">
-              <a:solidFill>
-                <a:srgbClr val="343434"/>
-              </a:solidFill>
-              <a:latin typeface="Open Sans Bold"/>
-              <a:ea typeface="Open Sans Bold"/>
-              <a:cs typeface="Open Sans Bold"/>
-              <a:sym typeface="Open Sans Bold"/>
-            </a:endParaRPr>
-          </a:p>
-          <a:p>
-            <a:pPr marL="571500" indent="-571500">
-              <a:lnSpc>
-                <a:spcPts val="5254"/>
-              </a:lnSpc>
-              <a:buFont typeface="Courier New" panose="02070309020205020404" pitchFamily="49" charset="0"/>
-              <a:buChar char="o"/>
-            </a:pPr>
-            <a:r>
-              <a:rPr lang="en-US" sz="3752" b="1" dirty="0" err="1">
-                <a:solidFill>
-                  <a:srgbClr val="343434"/>
-                </a:solidFill>
-                <a:latin typeface="Open Sans Bold"/>
-                <a:ea typeface="Open Sans Bold"/>
-                <a:cs typeface="Open Sans Bold"/>
-                <a:sym typeface="Open Sans Bold"/>
-              </a:rPr>
-              <a:t>Considerações</a:t>
-            </a:r>
-            <a:r>
-              <a:rPr lang="en-US" sz="3752" b="1" dirty="0">
-                <a:solidFill>
-                  <a:srgbClr val="343434"/>
-                </a:solidFill>
-                <a:latin typeface="Open Sans Bold"/>
-                <a:ea typeface="Open Sans Bold"/>
-                <a:cs typeface="Open Sans Bold"/>
-                <a:sym typeface="Open Sans Bold"/>
-              </a:rPr>
-              <a:t> </a:t>
-            </a:r>
-            <a:r>
-              <a:rPr lang="en-US" sz="3752" b="1" dirty="0" err="1">
-                <a:solidFill>
-                  <a:srgbClr val="343434"/>
-                </a:solidFill>
-                <a:latin typeface="Open Sans Bold"/>
-                <a:ea typeface="Open Sans Bold"/>
-                <a:cs typeface="Open Sans Bold"/>
-                <a:sym typeface="Open Sans Bold"/>
-              </a:rPr>
-              <a:t>Finais</a:t>
-            </a:r>
-            <a:r>
-              <a:rPr lang="en-US" sz="3752" b="1" dirty="0">
-                <a:solidFill>
-                  <a:srgbClr val="343434"/>
-                </a:solidFill>
-                <a:latin typeface="Open Sans Bold"/>
-                <a:ea typeface="Open Sans Bold"/>
-                <a:cs typeface="Open Sans Bold"/>
-                <a:sym typeface="Open Sans Bold"/>
-              </a:rPr>
-              <a:t> </a:t>
-            </a:r>
-          </a:p>
-          <a:p>
-            <a:pPr algn="ctr">
-              <a:lnSpc>
-                <a:spcPts val="5254"/>
-              </a:lnSpc>
-            </a:pPr>
-            <a:endParaRPr lang="en-US" sz="3752" b="1" dirty="0">
-              <a:solidFill>
-                <a:srgbClr val="343434"/>
-              </a:solidFill>
-              <a:latin typeface="Open Sans Bold"/>
-              <a:ea typeface="Open Sans Bold"/>
-              <a:cs typeface="Open Sans Bold"/>
-              <a:sym typeface="Open Sans Bold"/>
-            </a:endParaRPr>
-          </a:p>
-        </p:txBody>
-      </p:sp>
-      <p:sp>
-        <p:nvSpPr>
           <p:cNvPr id="12" name="TextBox 12"/>
           <p:cNvSpPr txBox="1"/>
           <p:nvPr/>
@@ -6009,6 +7127,356 @@
               <a:ea typeface="Muli Heavy"/>
               <a:cs typeface="Muli Heavy"/>
               <a:sym typeface="Muli Heavy"/>
+            </a:endParaRPr>
+          </a:p>
+        </p:txBody>
+      </p:sp>
+      <p:sp>
+        <p:nvSpPr>
+          <p:cNvPr id="13" name="TextBox 11">
+            <a:extLst>
+              <a:ext uri="{FF2B5EF4-FFF2-40B4-BE49-F238E27FC236}">
+                <a16:creationId xmlns:a16="http://schemas.microsoft.com/office/drawing/2014/main" id="{CB132BA8-A2D1-40C6-88CD-8B546891C1A2}"/>
+              </a:ext>
+            </a:extLst>
+          </p:cNvPr>
+          <p:cNvSpPr txBox="1"/>
+          <p:nvPr/>
+        </p:nvSpPr>
+        <p:spPr>
+          <a:xfrm>
+            <a:off x="4569457" y="3277349"/>
+            <a:ext cx="11991717" cy="4711996"/>
+          </a:xfrm>
+          <a:prstGeom prst="rect">
+            <a:avLst/>
+          </a:prstGeom>
+        </p:spPr>
+        <p:txBody>
+          <a:bodyPr lIns="0" tIns="0" rIns="0" bIns="0" rtlCol="0" anchor="t">
+            <a:spAutoFit/>
+          </a:bodyPr>
+          <a:lstStyle/>
+          <a:p>
+            <a:pPr marL="571500" indent="-571500">
+              <a:lnSpc>
+                <a:spcPts val="5254"/>
+              </a:lnSpc>
+              <a:buFont typeface="Courier New" panose="02070309020205020404" pitchFamily="49" charset="0"/>
+              <a:buChar char="o"/>
+            </a:pPr>
+            <a:r>
+              <a:rPr lang="en-US" sz="3752" b="1" dirty="0">
+                <a:solidFill>
+                  <a:srgbClr val="343434"/>
+                </a:solidFill>
+                <a:latin typeface="Open Sans Bold"/>
+                <a:ea typeface="Open Sans Bold"/>
+                <a:cs typeface="Open Sans Bold"/>
+                <a:sym typeface="Open Sans Bold"/>
+              </a:rPr>
+              <a:t>1. </a:t>
+            </a:r>
+            <a:r>
+              <a:rPr lang="en-US" sz="3752" b="1" dirty="0" err="1">
+                <a:solidFill>
+                  <a:srgbClr val="343434"/>
+                </a:solidFill>
+                <a:latin typeface="Open Sans Bold"/>
+                <a:ea typeface="Open Sans Bold"/>
+                <a:cs typeface="Open Sans Bold"/>
+                <a:sym typeface="Open Sans Bold"/>
+              </a:rPr>
+              <a:t>Introdução</a:t>
+            </a:r>
+            <a:endParaRPr lang="en-US" sz="3752" b="1" dirty="0">
+              <a:solidFill>
+                <a:srgbClr val="343434"/>
+              </a:solidFill>
+              <a:latin typeface="Open Sans Bold"/>
+              <a:ea typeface="Open Sans Bold"/>
+              <a:cs typeface="Open Sans Bold"/>
+              <a:sym typeface="Open Sans Bold"/>
+            </a:endParaRPr>
+          </a:p>
+          <a:p>
+            <a:pPr marL="571500" indent="-571500">
+              <a:lnSpc>
+                <a:spcPts val="5254"/>
+              </a:lnSpc>
+              <a:buFont typeface="Courier New" panose="02070309020205020404" pitchFamily="49" charset="0"/>
+              <a:buChar char="o"/>
+            </a:pPr>
+            <a:r>
+              <a:rPr lang="en-US" sz="3752" b="1" dirty="0">
+                <a:solidFill>
+                  <a:srgbClr val="343434"/>
+                </a:solidFill>
+                <a:latin typeface="Open Sans Bold"/>
+                <a:ea typeface="Open Sans Bold"/>
+                <a:cs typeface="Open Sans Bold"/>
+                <a:sym typeface="Open Sans Bold"/>
+              </a:rPr>
+              <a:t>2. </a:t>
+            </a:r>
+            <a:r>
+              <a:rPr lang="en-US" sz="3752" b="1" dirty="0" err="1">
+                <a:solidFill>
+                  <a:srgbClr val="343434"/>
+                </a:solidFill>
+                <a:latin typeface="Open Sans Bold"/>
+                <a:ea typeface="Open Sans Bold"/>
+                <a:cs typeface="Open Sans Bold"/>
+                <a:sym typeface="Open Sans Bold"/>
+              </a:rPr>
+              <a:t>Objetivos</a:t>
+            </a:r>
+            <a:endParaRPr lang="en-US" sz="3752" b="1" dirty="0">
+              <a:solidFill>
+                <a:srgbClr val="343434"/>
+              </a:solidFill>
+              <a:latin typeface="Open Sans Bold"/>
+              <a:ea typeface="Open Sans Bold"/>
+              <a:cs typeface="Open Sans Bold"/>
+              <a:sym typeface="Open Sans Bold"/>
+            </a:endParaRPr>
+          </a:p>
+          <a:p>
+            <a:pPr marL="571500" indent="-571500">
+              <a:lnSpc>
+                <a:spcPts val="5254"/>
+              </a:lnSpc>
+              <a:buFont typeface="Courier New" panose="02070309020205020404" pitchFamily="49" charset="0"/>
+              <a:buChar char="o"/>
+            </a:pPr>
+            <a:r>
+              <a:rPr lang="en-US" sz="3752" b="1" dirty="0">
+                <a:solidFill>
+                  <a:srgbClr val="343434"/>
+                </a:solidFill>
+                <a:latin typeface="Open Sans Bold"/>
+                <a:ea typeface="Open Sans Bold"/>
+                <a:cs typeface="Open Sans Bold"/>
+                <a:sym typeface="Open Sans Bold"/>
+              </a:rPr>
+              <a:t>3. </a:t>
+            </a:r>
+            <a:r>
+              <a:rPr lang="en-US" sz="3752" b="1" dirty="0" err="1">
+                <a:solidFill>
+                  <a:srgbClr val="343434"/>
+                </a:solidFill>
+                <a:latin typeface="Open Sans Bold"/>
+                <a:ea typeface="Open Sans Bold"/>
+                <a:cs typeface="Open Sans Bold"/>
+                <a:sym typeface="Open Sans Bold"/>
+              </a:rPr>
+              <a:t>Métodologia</a:t>
+            </a:r>
+            <a:endParaRPr lang="en-US" sz="3752" b="1" dirty="0">
+              <a:solidFill>
+                <a:srgbClr val="343434"/>
+              </a:solidFill>
+              <a:latin typeface="Open Sans Bold"/>
+              <a:ea typeface="Open Sans Bold"/>
+              <a:cs typeface="Open Sans Bold"/>
+              <a:sym typeface="Open Sans Bold"/>
+            </a:endParaRPr>
+          </a:p>
+          <a:p>
+            <a:pPr marL="571500" indent="-571500">
+              <a:lnSpc>
+                <a:spcPts val="5254"/>
+              </a:lnSpc>
+              <a:buFont typeface="Courier New" panose="02070309020205020404" pitchFamily="49" charset="0"/>
+              <a:buChar char="o"/>
+            </a:pPr>
+            <a:r>
+              <a:rPr lang="en-US" sz="3752" b="1" dirty="0">
+                <a:solidFill>
+                  <a:srgbClr val="343434"/>
+                </a:solidFill>
+                <a:latin typeface="Open Sans Bold"/>
+                <a:ea typeface="Open Sans Bold"/>
+                <a:cs typeface="Open Sans Bold"/>
+                <a:sym typeface="Open Sans Bold"/>
+              </a:rPr>
+              <a:t>4. </a:t>
+            </a:r>
+            <a:r>
+              <a:rPr lang="en-US" sz="3752" b="1" dirty="0" err="1">
+                <a:solidFill>
+                  <a:srgbClr val="343434"/>
+                </a:solidFill>
+                <a:latin typeface="Open Sans Bold"/>
+                <a:ea typeface="Open Sans Bold"/>
+                <a:cs typeface="Open Sans Bold"/>
+                <a:sym typeface="Open Sans Bold"/>
+              </a:rPr>
+              <a:t>Desenvolvimento</a:t>
+            </a:r>
+            <a:endParaRPr lang="en-US" sz="3752" b="1" dirty="0">
+              <a:solidFill>
+                <a:srgbClr val="343434"/>
+              </a:solidFill>
+              <a:latin typeface="Open Sans Bold"/>
+              <a:ea typeface="Open Sans Bold"/>
+              <a:cs typeface="Open Sans Bold"/>
+              <a:sym typeface="Open Sans Bold"/>
+            </a:endParaRPr>
+          </a:p>
+          <a:p>
+            <a:pPr marL="571500" indent="-571500">
+              <a:lnSpc>
+                <a:spcPts val="5254"/>
+              </a:lnSpc>
+              <a:buFont typeface="Courier New" panose="02070309020205020404" pitchFamily="49" charset="0"/>
+              <a:buChar char="o"/>
+            </a:pPr>
+            <a:r>
+              <a:rPr lang="en-US" sz="3752" b="1" dirty="0">
+                <a:solidFill>
+                  <a:srgbClr val="343434"/>
+                </a:solidFill>
+                <a:latin typeface="Open Sans Bold"/>
+                <a:ea typeface="Open Sans Bold"/>
+                <a:cs typeface="Open Sans Bold"/>
+                <a:sym typeface="Open Sans Bold"/>
+              </a:rPr>
+              <a:t>5. </a:t>
+            </a:r>
+            <a:r>
+              <a:rPr lang="en-US" sz="3752" b="1" dirty="0" err="1">
+                <a:solidFill>
+                  <a:srgbClr val="343434"/>
+                </a:solidFill>
+                <a:latin typeface="Open Sans Bold"/>
+                <a:ea typeface="Open Sans Bold"/>
+                <a:cs typeface="Open Sans Bold"/>
+                <a:sym typeface="Open Sans Bold"/>
+              </a:rPr>
+              <a:t>Resultados</a:t>
+            </a:r>
+            <a:r>
+              <a:rPr lang="en-US" sz="3752" b="1" dirty="0">
+                <a:solidFill>
+                  <a:srgbClr val="343434"/>
+                </a:solidFill>
+                <a:latin typeface="Open Sans Bold"/>
+                <a:ea typeface="Open Sans Bold"/>
+                <a:cs typeface="Open Sans Bold"/>
+                <a:sym typeface="Open Sans Bold"/>
+              </a:rPr>
+              <a:t> </a:t>
+            </a:r>
+            <a:r>
+              <a:rPr lang="en-US" sz="3752" b="1" dirty="0" err="1">
+                <a:solidFill>
+                  <a:srgbClr val="343434"/>
+                </a:solidFill>
+                <a:latin typeface="Open Sans Bold"/>
+                <a:ea typeface="Open Sans Bold"/>
+                <a:cs typeface="Open Sans Bold"/>
+                <a:sym typeface="Open Sans Bold"/>
+              </a:rPr>
+              <a:t>Obtidos</a:t>
+            </a:r>
+            <a:r>
+              <a:rPr lang="en-US" sz="3752" b="1" dirty="0">
+                <a:solidFill>
+                  <a:srgbClr val="343434"/>
+                </a:solidFill>
+                <a:latin typeface="Open Sans Bold"/>
+                <a:ea typeface="Open Sans Bold"/>
+                <a:cs typeface="Open Sans Bold"/>
+                <a:sym typeface="Open Sans Bold"/>
+              </a:rPr>
+              <a:t> </a:t>
+            </a:r>
+          </a:p>
+          <a:p>
+            <a:pPr marL="571500" indent="-571500">
+              <a:lnSpc>
+                <a:spcPts val="5254"/>
+              </a:lnSpc>
+              <a:buFont typeface="Courier New" panose="02070309020205020404" pitchFamily="49" charset="0"/>
+              <a:buChar char="o"/>
+            </a:pPr>
+            <a:r>
+              <a:rPr lang="en-US" sz="3752" b="1" dirty="0">
+                <a:solidFill>
+                  <a:srgbClr val="343434"/>
+                </a:solidFill>
+                <a:latin typeface="Open Sans Bold"/>
+                <a:ea typeface="Open Sans Bold"/>
+                <a:cs typeface="Open Sans Bold"/>
+                <a:sym typeface="Open Sans Bold"/>
+              </a:rPr>
+              <a:t>6. </a:t>
+            </a:r>
+            <a:r>
+              <a:rPr lang="en-US" sz="3752" b="1" dirty="0" err="1">
+                <a:solidFill>
+                  <a:srgbClr val="343434"/>
+                </a:solidFill>
+                <a:latin typeface="Open Sans Bold"/>
+                <a:ea typeface="Open Sans Bold"/>
+                <a:cs typeface="Open Sans Bold"/>
+                <a:sym typeface="Open Sans Bold"/>
+              </a:rPr>
+              <a:t>Considerações</a:t>
+            </a:r>
+            <a:r>
+              <a:rPr lang="en-US" sz="3752" b="1" dirty="0">
+                <a:solidFill>
+                  <a:srgbClr val="343434"/>
+                </a:solidFill>
+                <a:latin typeface="Open Sans Bold"/>
+                <a:ea typeface="Open Sans Bold"/>
+                <a:cs typeface="Open Sans Bold"/>
+                <a:sym typeface="Open Sans Bold"/>
+              </a:rPr>
+              <a:t> </a:t>
+            </a:r>
+            <a:r>
+              <a:rPr lang="en-US" sz="3752" b="1" dirty="0" err="1">
+                <a:solidFill>
+                  <a:srgbClr val="343434"/>
+                </a:solidFill>
+                <a:latin typeface="Open Sans Bold"/>
+                <a:ea typeface="Open Sans Bold"/>
+                <a:cs typeface="Open Sans Bold"/>
+                <a:sym typeface="Open Sans Bold"/>
+              </a:rPr>
+              <a:t>Finais</a:t>
+            </a:r>
+            <a:r>
+              <a:rPr lang="en-US" sz="3752" b="1" dirty="0">
+                <a:solidFill>
+                  <a:srgbClr val="343434"/>
+                </a:solidFill>
+                <a:latin typeface="Open Sans Bold"/>
+                <a:ea typeface="Open Sans Bold"/>
+                <a:cs typeface="Open Sans Bold"/>
+                <a:sym typeface="Open Sans Bold"/>
+              </a:rPr>
+              <a:t> </a:t>
+            </a:r>
+          </a:p>
+          <a:p>
+            <a:pPr algn="ctr">
+              <a:lnSpc>
+                <a:spcPts val="5254"/>
+              </a:lnSpc>
+            </a:pPr>
+            <a:endParaRPr lang="en-US" sz="3752" b="1" dirty="0">
+              <a:solidFill>
+                <a:srgbClr val="343434"/>
+              </a:solidFill>
+              <a:latin typeface="Open Sans Bold"/>
+              <a:ea typeface="Open Sans Bold"/>
+              <a:cs typeface="Open Sans Bold"/>
+              <a:sym typeface="Open Sans Bold"/>
             </a:endParaRPr>
           </a:p>
         </p:txBody>
@@ -6133,7 +7601,7 @@
                   <a:spcPct val="0"/>
                 </a:spcBef>
               </a:pPr>
-              <a:endParaRPr/>
+              <a:endParaRPr dirty="0"/>
             </a:p>
           </p:txBody>
         </p:sp>
@@ -6230,7 +7698,7 @@
                   <a:spcPct val="0"/>
                 </a:spcBef>
               </a:pPr>
-              <a:endParaRPr/>
+              <a:endParaRPr dirty="0"/>
             </a:p>
           </p:txBody>
         </p:sp>
@@ -6286,7 +7754,7 @@
               </a:lnSpc>
             </a:pPr>
             <a:r>
-              <a:rPr lang="en-US" sz="9999" b="1">
+              <a:rPr lang="en-US" sz="9999" b="1" dirty="0" err="1">
                 <a:solidFill>
                   <a:srgbClr val="343434"/>
                 </a:solidFill>
@@ -6297,6 +7765,15 @@
               </a:rPr>
               <a:t>Introdução</a:t>
             </a:r>
+            <a:endParaRPr lang="en-US" sz="9999" b="1" dirty="0">
+              <a:solidFill>
+                <a:srgbClr val="343434"/>
+              </a:solidFill>
+              <a:latin typeface="Muli Heavy"/>
+              <a:ea typeface="Muli Heavy"/>
+              <a:cs typeface="Muli Heavy"/>
+              <a:sym typeface="Muli Heavy"/>
+            </a:endParaRPr>
           </a:p>
         </p:txBody>
       </p:sp>
@@ -8169,7 +9646,7 @@
           <p:nvPr/>
         </p:nvPicPr>
         <p:blipFill>
-          <a:blip r:embed="rId2"/>
+          <a:blip r:embed="rId3"/>
           <a:stretch>
             <a:fillRect/>
           </a:stretch>
@@ -10344,7 +11821,7 @@
           <p:nvPr/>
         </p:nvPicPr>
         <p:blipFill>
-          <a:blip r:embed="rId2"/>
+          <a:blip r:embed="rId3"/>
           <a:stretch>
             <a:fillRect/>
           </a:stretch>
@@ -10395,7 +11872,7 @@
         </p:nvGrpSpPr>
         <p:grpSpPr>
           <a:xfrm>
-            <a:off x="6210729" y="-2025813"/>
+            <a:off x="12703598" y="-1605405"/>
             <a:ext cx="6322255" cy="6322255"/>
             <a:chOff x="0" y="0"/>
             <a:chExt cx="812800" cy="812800"/>
@@ -10614,14 +12091,14 @@
         <p:spPr>
           <a:xfrm>
             <a:off x="679125" y="2327943"/>
-            <a:ext cx="14945452" cy="1330324"/>
+            <a:ext cx="8160075" cy="1330324"/>
           </a:xfrm>
           <a:prstGeom prst="rect">
             <a:avLst/>
           </a:prstGeom>
         </p:spPr>
         <p:txBody>
-          <a:bodyPr lIns="0" tIns="0" rIns="0" bIns="0" rtlCol="0" anchor="t">
+          <a:bodyPr wrap="square" lIns="0" tIns="0" rIns="0" bIns="0" rtlCol="0" anchor="t">
             <a:spAutoFit/>
           </a:bodyPr>
           <a:lstStyle/>
@@ -10632,7 +12109,7 @@
               </a:lnSpc>
             </a:pPr>
             <a:r>
-              <a:rPr lang="en-US" sz="9999" b="1">
+              <a:rPr lang="en-US" sz="9999" b="1" dirty="0">
                 <a:solidFill>
                   <a:srgbClr val="343434"/>
                 </a:solidFill>
@@ -10641,7 +12118,7 @@
                 <a:cs typeface="Muli Bold"/>
                 <a:sym typeface="Muli Bold"/>
               </a:rPr>
-              <a:t>Metodologia </a:t>
+              <a:t> </a:t>
             </a:r>
           </a:p>
         </p:txBody>
@@ -10654,32 +12131,19 @@
         </p:nvSpPr>
         <p:spPr>
           <a:xfrm>
-            <a:off x="200074" y="4700521"/>
-            <a:ext cx="13290009" cy="4361771"/>
+            <a:off x="200075" y="4700521"/>
+            <a:ext cx="8639126" cy="1342868"/>
           </a:xfrm>
           <a:prstGeom prst="rect">
             <a:avLst/>
           </a:prstGeom>
         </p:spPr>
         <p:txBody>
-          <a:bodyPr lIns="0" tIns="0" rIns="0" bIns="0" rtlCol="0" anchor="t">
+          <a:bodyPr wrap="square" lIns="0" tIns="0" rIns="0" bIns="0" rtlCol="0" anchor="t">
             <a:spAutoFit/>
           </a:bodyPr>
           <a:lstStyle/>
           <a:p>
-            <a:r>
-              <a:rPr lang="pt-BR" sz="3200" dirty="0">
-                <a:latin typeface="Muli" panose="020B0604020202020204" charset="0"/>
-              </a:rPr>
-              <a:t>Este projeto foi desenvolvido inteiramente em HTML5, utilizando o banco de dados Maria DB para guardar todas as informações pessoais. CSS e JAVASCRIPT foram as linguagens de programação empregadas para codificar o nosso site, desde a página inicial até as páginas de contato, informações e notícias. O framework NODESJS e PHP foram empregados para a integração do código.</a:t>
-            </a:r>
-          </a:p>
-          <a:p>
-            <a:pPr algn="l">
-              <a:lnSpc>
-                <a:spcPts val="3499"/>
-              </a:lnSpc>
-            </a:pPr>
             <a:endParaRPr lang="en-US" sz="2499" spc="79" dirty="0">
               <a:solidFill>
                 <a:srgbClr val="191919"/>
@@ -10843,7 +12307,7 @@
         </p:blipFill>
         <p:spPr>
           <a:xfrm>
-            <a:off x="14444835" y="312046"/>
+            <a:off x="13826365" y="212034"/>
             <a:ext cx="4437534" cy="2955467"/>
           </a:xfrm>
           <a:prstGeom prst="rect">
@@ -10851,6 +12315,332 @@
           </a:prstGeom>
         </p:spPr>
       </p:pic>
+      <p:sp>
+        <p:nvSpPr>
+          <p:cNvPr id="15" name="TextBox 9">
+            <a:extLst>
+              <a:ext uri="{FF2B5EF4-FFF2-40B4-BE49-F238E27FC236}">
+                <a16:creationId xmlns:a16="http://schemas.microsoft.com/office/drawing/2014/main" id="{F71D09AC-9FA8-4776-8F04-F082733DA11E}"/>
+              </a:ext>
+            </a:extLst>
+          </p:cNvPr>
+          <p:cNvSpPr txBox="1"/>
+          <p:nvPr/>
+        </p:nvSpPr>
+        <p:spPr>
+          <a:xfrm>
+            <a:off x="679125" y="359444"/>
+            <a:ext cx="8160075" cy="1330324"/>
+          </a:xfrm>
+          <a:prstGeom prst="rect">
+            <a:avLst/>
+          </a:prstGeom>
+        </p:spPr>
+        <p:txBody>
+          <a:bodyPr wrap="square" lIns="0" tIns="0" rIns="0" bIns="0" rtlCol="0" anchor="t">
+            <a:spAutoFit/>
+          </a:bodyPr>
+          <a:lstStyle/>
+          <a:p>
+            <a:pPr algn="l">
+              <a:lnSpc>
+                <a:spcPts val="9999"/>
+              </a:lnSpc>
+            </a:pPr>
+            <a:r>
+              <a:rPr lang="en-US" sz="9999" b="1" dirty="0" err="1">
+                <a:solidFill>
+                  <a:srgbClr val="343434"/>
+                </a:solidFill>
+                <a:latin typeface="Muli Bold"/>
+                <a:ea typeface="Muli Bold"/>
+                <a:cs typeface="Muli Bold"/>
+                <a:sym typeface="Muli Bold"/>
+              </a:rPr>
+              <a:t>Metodologia</a:t>
+            </a:r>
+            <a:r>
+              <a:rPr lang="en-US" sz="9999" b="1" dirty="0">
+                <a:solidFill>
+                  <a:srgbClr val="343434"/>
+                </a:solidFill>
+                <a:latin typeface="Muli Bold"/>
+                <a:ea typeface="Muli Bold"/>
+                <a:cs typeface="Muli Bold"/>
+                <a:sym typeface="Muli Bold"/>
+              </a:rPr>
+              <a:t> </a:t>
+            </a:r>
+          </a:p>
+        </p:txBody>
+      </p:sp>
+      <p:sp>
+        <p:nvSpPr>
+          <p:cNvPr id="16" name="TextBox 10">
+            <a:extLst>
+              <a:ext uri="{FF2B5EF4-FFF2-40B4-BE49-F238E27FC236}">
+                <a16:creationId xmlns:a16="http://schemas.microsoft.com/office/drawing/2014/main" id="{28E9AF77-14A7-475B-84C3-1240B04C9815}"/>
+              </a:ext>
+            </a:extLst>
+          </p:cNvPr>
+          <p:cNvSpPr txBox="1"/>
+          <p:nvPr/>
+        </p:nvSpPr>
+        <p:spPr>
+          <a:xfrm>
+            <a:off x="24100" y="1473345"/>
+            <a:ext cx="12195519" cy="958276"/>
+          </a:xfrm>
+          <a:prstGeom prst="rect">
+            <a:avLst/>
+          </a:prstGeom>
+        </p:spPr>
+        <p:txBody>
+          <a:bodyPr wrap="square" lIns="0" tIns="0" rIns="0" bIns="0" rtlCol="0" anchor="t">
+            <a:spAutoFit/>
+          </a:bodyPr>
+          <a:lstStyle/>
+          <a:p>
+            <a:pPr algn="l">
+              <a:lnSpc>
+                <a:spcPts val="3499"/>
+              </a:lnSpc>
+            </a:pPr>
+            <a:endParaRPr lang="en-US" sz="2499" spc="79" dirty="0">
+              <a:solidFill>
+                <a:srgbClr val="191919"/>
+              </a:solidFill>
+              <a:latin typeface="Muli"/>
+              <a:ea typeface="Muli"/>
+              <a:cs typeface="Muli"/>
+              <a:sym typeface="Muli"/>
+            </a:endParaRPr>
+          </a:p>
+          <a:p>
+            <a:pPr algn="l">
+              <a:lnSpc>
+                <a:spcPts val="4479"/>
+              </a:lnSpc>
+            </a:pPr>
+            <a:endParaRPr lang="en-US" sz="2499" spc="79" dirty="0">
+              <a:solidFill>
+                <a:srgbClr val="191919"/>
+              </a:solidFill>
+              <a:latin typeface="Muli"/>
+              <a:ea typeface="Muli"/>
+              <a:cs typeface="Muli"/>
+              <a:sym typeface="Muli"/>
+            </a:endParaRPr>
+          </a:p>
+        </p:txBody>
+      </p:sp>
+      <p:pic>
+        <p:nvPicPr>
+          <p:cNvPr id="17" name="Imagem 16">
+            <a:extLst>
+              <a:ext uri="{FF2B5EF4-FFF2-40B4-BE49-F238E27FC236}">
+                <a16:creationId xmlns:a16="http://schemas.microsoft.com/office/drawing/2014/main" id="{B4097EBC-6FFA-4773-A9CF-B98B953A9105}"/>
+              </a:ext>
+            </a:extLst>
+          </p:cNvPr>
+          <p:cNvPicPr/>
+          <p:nvPr/>
+        </p:nvPicPr>
+        <p:blipFill>
+          <a:blip r:embed="rId3" cstate="print">
+            <a:extLst>
+              <a:ext uri="{28A0092B-C50C-407E-A947-70E740481C1C}">
+                <a14:useLocalDpi xmlns:a14="http://schemas.microsoft.com/office/drawing/2010/main" val="0"/>
+              </a:ext>
+            </a:extLst>
+          </a:blip>
+          <a:srcRect/>
+          <a:stretch>
+            <a:fillRect/>
+          </a:stretch>
+        </p:blipFill>
+        <p:spPr bwMode="auto">
+          <a:xfrm>
+            <a:off x="237658" y="6445992"/>
+            <a:ext cx="5629741" cy="3841007"/>
+          </a:xfrm>
+          <a:prstGeom prst="rect">
+            <a:avLst/>
+          </a:prstGeom>
+          <a:noFill/>
+          <a:ln>
+            <a:solidFill>
+              <a:schemeClr val="tx1"/>
+            </a:solidFill>
+          </a:ln>
+        </p:spPr>
+      </p:pic>
+      <p:pic>
+        <p:nvPicPr>
+          <p:cNvPr id="18" name="Imagem 17">
+            <a:extLst>
+              <a:ext uri="{FF2B5EF4-FFF2-40B4-BE49-F238E27FC236}">
+                <a16:creationId xmlns:a16="http://schemas.microsoft.com/office/drawing/2014/main" id="{448E06BF-50C9-4766-B6DE-1DB4E86EA812}"/>
+              </a:ext>
+            </a:extLst>
+          </p:cNvPr>
+          <p:cNvPicPr/>
+          <p:nvPr/>
+        </p:nvPicPr>
+        <p:blipFill>
+          <a:blip r:embed="rId4" cstate="print">
+            <a:extLst>
+              <a:ext uri="{28A0092B-C50C-407E-A947-70E740481C1C}">
+                <a14:useLocalDpi xmlns:a14="http://schemas.microsoft.com/office/drawing/2010/main" val="0"/>
+              </a:ext>
+            </a:extLst>
+          </a:blip>
+          <a:srcRect/>
+          <a:stretch>
+            <a:fillRect/>
+          </a:stretch>
+        </p:blipFill>
+        <p:spPr bwMode="auto">
+          <a:xfrm>
+            <a:off x="6385608" y="6445992"/>
+            <a:ext cx="5629741" cy="3841008"/>
+          </a:xfrm>
+          <a:prstGeom prst="rect">
+            <a:avLst/>
+          </a:prstGeom>
+          <a:noFill/>
+          <a:ln>
+            <a:solidFill>
+              <a:schemeClr val="tx1"/>
+            </a:solidFill>
+          </a:ln>
+        </p:spPr>
+      </p:pic>
+      <p:pic>
+        <p:nvPicPr>
+          <p:cNvPr id="19" name="Imagem 18">
+            <a:extLst>
+              <a:ext uri="{FF2B5EF4-FFF2-40B4-BE49-F238E27FC236}">
+                <a16:creationId xmlns:a16="http://schemas.microsoft.com/office/drawing/2014/main" id="{ABA8202B-5B04-4CFA-A39E-B184EFC45C79}"/>
+              </a:ext>
+            </a:extLst>
+          </p:cNvPr>
+          <p:cNvPicPr/>
+          <p:nvPr/>
+        </p:nvPicPr>
+        <p:blipFill>
+          <a:blip r:embed="rId5" cstate="print">
+            <a:extLst>
+              <a:ext uri="{28A0092B-C50C-407E-A947-70E740481C1C}">
+                <a14:useLocalDpi xmlns:a14="http://schemas.microsoft.com/office/drawing/2010/main" val="0"/>
+              </a:ext>
+            </a:extLst>
+          </a:blip>
+          <a:srcRect/>
+          <a:stretch>
+            <a:fillRect/>
+          </a:stretch>
+        </p:blipFill>
+        <p:spPr bwMode="auto">
+          <a:xfrm>
+            <a:off x="12532984" y="6445992"/>
+            <a:ext cx="5435529" cy="3875479"/>
+          </a:xfrm>
+          <a:prstGeom prst="rect">
+            <a:avLst/>
+          </a:prstGeom>
+          <a:noFill/>
+          <a:ln>
+            <a:solidFill>
+              <a:schemeClr val="tx1"/>
+            </a:solidFill>
+          </a:ln>
+        </p:spPr>
+      </p:pic>
+      <p:sp>
+        <p:nvSpPr>
+          <p:cNvPr id="20" name="TextBox 10">
+            <a:extLst>
+              <a:ext uri="{FF2B5EF4-FFF2-40B4-BE49-F238E27FC236}">
+                <a16:creationId xmlns:a16="http://schemas.microsoft.com/office/drawing/2014/main" id="{D3737BE8-6249-433A-8E7A-159C5C5F9A02}"/>
+              </a:ext>
+            </a:extLst>
+          </p:cNvPr>
+          <p:cNvSpPr txBox="1"/>
+          <p:nvPr/>
+        </p:nvSpPr>
+        <p:spPr>
+          <a:xfrm>
+            <a:off x="24100" y="2026057"/>
+            <a:ext cx="12508884" cy="4854214"/>
+          </a:xfrm>
+          <a:prstGeom prst="rect">
+            <a:avLst/>
+          </a:prstGeom>
+        </p:spPr>
+        <p:txBody>
+          <a:bodyPr wrap="square" lIns="0" tIns="0" rIns="0" bIns="0" rtlCol="0" anchor="t">
+            <a:spAutoFit/>
+          </a:bodyPr>
+          <a:lstStyle/>
+          <a:p>
+            <a:r>
+              <a:rPr lang="pt-BR" sz="3200" dirty="0">
+                <a:latin typeface="Muli" panose="020B0604020202020204" charset="0"/>
+              </a:rPr>
+              <a:t>Este projeto foi desenvolvido inteiramente em HTML5, utilizando o banco de dados Maria DB para guardar todas as informações pessoais. CSS e JAVASCRIPT foram as linguagens de programação empregadas para codificar o nosso site, desde a página inicial até as páginas de contato, informações e notícias. O framework NODESJS e PHP foram empregados para a integração do código.</a:t>
+            </a:r>
+          </a:p>
+          <a:p>
+            <a:pPr algn="l">
+              <a:lnSpc>
+                <a:spcPts val="3499"/>
+              </a:lnSpc>
+            </a:pPr>
+            <a:endParaRPr lang="en-US" sz="2499" spc="79" dirty="0">
+              <a:solidFill>
+                <a:srgbClr val="191919"/>
+              </a:solidFill>
+              <a:latin typeface="Muli"/>
+              <a:ea typeface="Muli"/>
+              <a:cs typeface="Muli"/>
+              <a:sym typeface="Muli"/>
+            </a:endParaRPr>
+          </a:p>
+          <a:p>
+            <a:pPr algn="l">
+              <a:lnSpc>
+                <a:spcPts val="3499"/>
+              </a:lnSpc>
+            </a:pPr>
+            <a:endParaRPr lang="en-US" sz="2499" spc="79" dirty="0">
+              <a:solidFill>
+                <a:srgbClr val="191919"/>
+              </a:solidFill>
+              <a:latin typeface="Muli"/>
+              <a:ea typeface="Muli"/>
+              <a:cs typeface="Muli"/>
+              <a:sym typeface="Muli"/>
+            </a:endParaRPr>
+          </a:p>
+          <a:p>
+            <a:pPr algn="l">
+              <a:lnSpc>
+                <a:spcPts val="4479"/>
+              </a:lnSpc>
+            </a:pPr>
+            <a:endParaRPr lang="en-US" sz="2499" spc="79" dirty="0">
+              <a:solidFill>
+                <a:srgbClr val="191919"/>
+              </a:solidFill>
+              <a:latin typeface="Muli"/>
+              <a:ea typeface="Muli"/>
+              <a:cs typeface="Muli"/>
+              <a:sym typeface="Muli"/>
+            </a:endParaRPr>
+          </a:p>
+        </p:txBody>
+      </p:sp>
     </p:spTree>
   </p:cSld>
   <p:clrMapOvr>
@@ -11165,16 +12955,1192 @@
               </a:lnSpc>
             </a:pPr>
             <a:r>
-              <a:rPr lang="en-US" sz="2499" spc="79">
-                <a:solidFill>
-                  <a:srgbClr val="191919"/>
-                </a:solidFill>
-                <a:latin typeface="Muli"/>
-                <a:ea typeface="Muli"/>
-                <a:cs typeface="Muli"/>
-                <a:sym typeface="Muli"/>
-              </a:rPr>
-              <a:t>O tema sobre "Autocuidado com Espectro Autista" é uma oportunidade de explorar como o autocuidado pode ser implementado de forma prática e respeitosa, contribuindo para a qualidade de vida de indivíduos com TEA. Abordar esse tema com uma visão holística e inclusiva potencializa o entendimento sobre as necessidades dessa população, proporcionando um espaço de reflexão e ação relevante tanto na vida acâdemica quanto na sociedade. Por meio de uma pesquisa bem estruturada e a proposta de intervenções práticas.</a:t>
+              <a:rPr lang="en-US" sz="2499" spc="79" dirty="0">
+                <a:solidFill>
+                  <a:srgbClr val="191919"/>
+                </a:solidFill>
+                <a:latin typeface="Muli"/>
+                <a:ea typeface="Muli"/>
+                <a:cs typeface="Muli"/>
+                <a:sym typeface="Muli"/>
+              </a:rPr>
+              <a:t>O </a:t>
+            </a:r>
+            <a:r>
+              <a:rPr lang="en-US" sz="2499" spc="79" dirty="0" err="1">
+                <a:solidFill>
+                  <a:srgbClr val="191919"/>
+                </a:solidFill>
+                <a:latin typeface="Muli"/>
+                <a:ea typeface="Muli"/>
+                <a:cs typeface="Muli"/>
+                <a:sym typeface="Muli"/>
+              </a:rPr>
+              <a:t>tema</a:t>
+            </a:r>
+            <a:r>
+              <a:rPr lang="en-US" sz="2499" spc="79" dirty="0">
+                <a:solidFill>
+                  <a:srgbClr val="191919"/>
+                </a:solidFill>
+                <a:latin typeface="Muli"/>
+                <a:ea typeface="Muli"/>
+                <a:cs typeface="Muli"/>
+                <a:sym typeface="Muli"/>
+              </a:rPr>
+              <a:t> </a:t>
+            </a:r>
+            <a:r>
+              <a:rPr lang="en-US" sz="2499" spc="79" dirty="0" err="1">
+                <a:solidFill>
+                  <a:srgbClr val="191919"/>
+                </a:solidFill>
+                <a:latin typeface="Muli"/>
+                <a:ea typeface="Muli"/>
+                <a:cs typeface="Muli"/>
+                <a:sym typeface="Muli"/>
+              </a:rPr>
+              <a:t>sobre</a:t>
+            </a:r>
+            <a:r>
+              <a:rPr lang="en-US" sz="2499" spc="79" dirty="0">
+                <a:solidFill>
+                  <a:srgbClr val="191919"/>
+                </a:solidFill>
+                <a:latin typeface="Muli"/>
+                <a:ea typeface="Muli"/>
+                <a:cs typeface="Muli"/>
+                <a:sym typeface="Muli"/>
+              </a:rPr>
+              <a:t> "</a:t>
+            </a:r>
+            <a:r>
+              <a:rPr lang="en-US" sz="2499" spc="79" dirty="0" err="1">
+                <a:solidFill>
+                  <a:srgbClr val="191919"/>
+                </a:solidFill>
+                <a:latin typeface="Muli"/>
+                <a:ea typeface="Muli"/>
+                <a:cs typeface="Muli"/>
+                <a:sym typeface="Muli"/>
+              </a:rPr>
+              <a:t>Autocuidado</a:t>
+            </a:r>
+            <a:r>
+              <a:rPr lang="en-US" sz="2499" spc="79" dirty="0">
+                <a:solidFill>
+                  <a:srgbClr val="191919"/>
+                </a:solidFill>
+                <a:latin typeface="Muli"/>
+                <a:ea typeface="Muli"/>
+                <a:cs typeface="Muli"/>
+                <a:sym typeface="Muli"/>
+              </a:rPr>
+              <a:t> com </a:t>
+            </a:r>
+            <a:r>
+              <a:rPr lang="en-US" sz="2499" spc="79" dirty="0" err="1">
+                <a:solidFill>
+                  <a:srgbClr val="191919"/>
+                </a:solidFill>
+                <a:latin typeface="Muli"/>
+                <a:ea typeface="Muli"/>
+                <a:cs typeface="Muli"/>
+                <a:sym typeface="Muli"/>
+              </a:rPr>
+              <a:t>Espectro</a:t>
+            </a:r>
+            <a:r>
+              <a:rPr lang="en-US" sz="2499" spc="79" dirty="0">
+                <a:solidFill>
+                  <a:srgbClr val="191919"/>
+                </a:solidFill>
+                <a:latin typeface="Muli"/>
+                <a:ea typeface="Muli"/>
+                <a:cs typeface="Muli"/>
+                <a:sym typeface="Muli"/>
+              </a:rPr>
+              <a:t> </a:t>
+            </a:r>
+            <a:r>
+              <a:rPr lang="en-US" sz="2499" spc="79" dirty="0" err="1">
+                <a:solidFill>
+                  <a:srgbClr val="191919"/>
+                </a:solidFill>
+                <a:latin typeface="Muli"/>
+                <a:ea typeface="Muli"/>
+                <a:cs typeface="Muli"/>
+                <a:sym typeface="Muli"/>
+              </a:rPr>
+              <a:t>Autista</a:t>
+            </a:r>
+            <a:r>
+              <a:rPr lang="en-US" sz="2499" spc="79" dirty="0">
+                <a:solidFill>
+                  <a:srgbClr val="191919"/>
+                </a:solidFill>
+                <a:latin typeface="Muli"/>
+                <a:ea typeface="Muli"/>
+                <a:cs typeface="Muli"/>
+                <a:sym typeface="Muli"/>
+              </a:rPr>
+              <a:t>" é </a:t>
+            </a:r>
+            <a:r>
+              <a:rPr lang="en-US" sz="2499" spc="79" dirty="0" err="1">
+                <a:solidFill>
+                  <a:srgbClr val="191919"/>
+                </a:solidFill>
+                <a:latin typeface="Muli"/>
+                <a:ea typeface="Muli"/>
+                <a:cs typeface="Muli"/>
+                <a:sym typeface="Muli"/>
+              </a:rPr>
+              <a:t>uma</a:t>
+            </a:r>
+            <a:r>
+              <a:rPr lang="en-US" sz="2499" spc="79" dirty="0">
+                <a:solidFill>
+                  <a:srgbClr val="191919"/>
+                </a:solidFill>
+                <a:latin typeface="Muli"/>
+                <a:ea typeface="Muli"/>
+                <a:cs typeface="Muli"/>
+                <a:sym typeface="Muli"/>
+              </a:rPr>
+              <a:t> </a:t>
+            </a:r>
+            <a:r>
+              <a:rPr lang="en-US" sz="2499" spc="79" dirty="0" err="1">
+                <a:solidFill>
+                  <a:srgbClr val="191919"/>
+                </a:solidFill>
+                <a:latin typeface="Muli"/>
+                <a:ea typeface="Muli"/>
+                <a:cs typeface="Muli"/>
+                <a:sym typeface="Muli"/>
+              </a:rPr>
+              <a:t>oportunidade</a:t>
+            </a:r>
+            <a:r>
+              <a:rPr lang="en-US" sz="2499" spc="79" dirty="0">
+                <a:solidFill>
+                  <a:srgbClr val="191919"/>
+                </a:solidFill>
+                <a:latin typeface="Muli"/>
+                <a:ea typeface="Muli"/>
+                <a:cs typeface="Muli"/>
+                <a:sym typeface="Muli"/>
+              </a:rPr>
+              <a:t> de </a:t>
+            </a:r>
+            <a:r>
+              <a:rPr lang="en-US" sz="2499" spc="79" dirty="0" err="1">
+                <a:solidFill>
+                  <a:srgbClr val="191919"/>
+                </a:solidFill>
+                <a:latin typeface="Muli"/>
+                <a:ea typeface="Muli"/>
+                <a:cs typeface="Muli"/>
+                <a:sym typeface="Muli"/>
+              </a:rPr>
+              <a:t>explorar</a:t>
+            </a:r>
+            <a:r>
+              <a:rPr lang="en-US" sz="2499" spc="79" dirty="0">
+                <a:solidFill>
+                  <a:srgbClr val="191919"/>
+                </a:solidFill>
+                <a:latin typeface="Muli"/>
+                <a:ea typeface="Muli"/>
+                <a:cs typeface="Muli"/>
+                <a:sym typeface="Muli"/>
+              </a:rPr>
+              <a:t> </a:t>
+            </a:r>
+            <a:r>
+              <a:rPr lang="en-US" sz="2499" spc="79" dirty="0" err="1">
+                <a:solidFill>
+                  <a:srgbClr val="191919"/>
+                </a:solidFill>
+                <a:latin typeface="Muli"/>
+                <a:ea typeface="Muli"/>
+                <a:cs typeface="Muli"/>
+                <a:sym typeface="Muli"/>
+              </a:rPr>
+              <a:t>como</a:t>
+            </a:r>
+            <a:r>
+              <a:rPr lang="en-US" sz="2499" spc="79" dirty="0">
+                <a:solidFill>
+                  <a:srgbClr val="191919"/>
+                </a:solidFill>
+                <a:latin typeface="Muli"/>
+                <a:ea typeface="Muli"/>
+                <a:cs typeface="Muli"/>
+                <a:sym typeface="Muli"/>
+              </a:rPr>
+              <a:t> o </a:t>
+            </a:r>
+            <a:r>
+              <a:rPr lang="en-US" sz="2499" spc="79" dirty="0" err="1">
+                <a:solidFill>
+                  <a:srgbClr val="191919"/>
+                </a:solidFill>
+                <a:latin typeface="Muli"/>
+                <a:ea typeface="Muli"/>
+                <a:cs typeface="Muli"/>
+                <a:sym typeface="Muli"/>
+              </a:rPr>
+              <a:t>autocuidado</a:t>
+            </a:r>
+            <a:r>
+              <a:rPr lang="en-US" sz="2499" spc="79" dirty="0">
+                <a:solidFill>
+                  <a:srgbClr val="191919"/>
+                </a:solidFill>
+                <a:latin typeface="Muli"/>
+                <a:ea typeface="Muli"/>
+                <a:cs typeface="Muli"/>
+                <a:sym typeface="Muli"/>
+              </a:rPr>
+              <a:t> </a:t>
+            </a:r>
+            <a:r>
+              <a:rPr lang="en-US" sz="2499" spc="79" dirty="0" err="1">
+                <a:solidFill>
+                  <a:srgbClr val="191919"/>
+                </a:solidFill>
+                <a:latin typeface="Muli"/>
+                <a:ea typeface="Muli"/>
+                <a:cs typeface="Muli"/>
+                <a:sym typeface="Muli"/>
+              </a:rPr>
+              <a:t>pode</a:t>
+            </a:r>
+            <a:r>
+              <a:rPr lang="en-US" sz="2499" spc="79" dirty="0">
+                <a:solidFill>
+                  <a:srgbClr val="191919"/>
+                </a:solidFill>
+                <a:latin typeface="Muli"/>
+                <a:ea typeface="Muli"/>
+                <a:cs typeface="Muli"/>
+                <a:sym typeface="Muli"/>
+              </a:rPr>
+              <a:t> ser </a:t>
+            </a:r>
+            <a:r>
+              <a:rPr lang="en-US" sz="2499" spc="79" dirty="0" err="1">
+                <a:solidFill>
+                  <a:srgbClr val="191919"/>
+                </a:solidFill>
+                <a:latin typeface="Muli"/>
+                <a:ea typeface="Muli"/>
+                <a:cs typeface="Muli"/>
+                <a:sym typeface="Muli"/>
+              </a:rPr>
+              <a:t>implementado</a:t>
+            </a:r>
+            <a:r>
+              <a:rPr lang="en-US" sz="2499" spc="79" dirty="0">
+                <a:solidFill>
+                  <a:srgbClr val="191919"/>
+                </a:solidFill>
+                <a:latin typeface="Muli"/>
+                <a:ea typeface="Muli"/>
+                <a:cs typeface="Muli"/>
+                <a:sym typeface="Muli"/>
+              </a:rPr>
+              <a:t> de forma </a:t>
+            </a:r>
+            <a:r>
+              <a:rPr lang="en-US" sz="2499" spc="79" dirty="0" err="1">
+                <a:solidFill>
+                  <a:srgbClr val="191919"/>
+                </a:solidFill>
+                <a:latin typeface="Muli"/>
+                <a:ea typeface="Muli"/>
+                <a:cs typeface="Muli"/>
+                <a:sym typeface="Muli"/>
+              </a:rPr>
+              <a:t>prática</a:t>
+            </a:r>
+            <a:r>
+              <a:rPr lang="en-US" sz="2499" spc="79" dirty="0">
+                <a:solidFill>
+                  <a:srgbClr val="191919"/>
+                </a:solidFill>
+                <a:latin typeface="Muli"/>
+                <a:ea typeface="Muli"/>
+                <a:cs typeface="Muli"/>
+                <a:sym typeface="Muli"/>
+              </a:rPr>
+              <a:t> e </a:t>
+            </a:r>
+            <a:r>
+              <a:rPr lang="en-US" sz="2499" spc="79" dirty="0" err="1">
+                <a:solidFill>
+                  <a:srgbClr val="191919"/>
+                </a:solidFill>
+                <a:latin typeface="Muli"/>
+                <a:ea typeface="Muli"/>
+                <a:cs typeface="Muli"/>
+                <a:sym typeface="Muli"/>
+              </a:rPr>
+              <a:t>respeitosa</a:t>
+            </a:r>
+            <a:r>
+              <a:rPr lang="en-US" sz="2499" spc="79" dirty="0">
+                <a:solidFill>
+                  <a:srgbClr val="191919"/>
+                </a:solidFill>
+                <a:latin typeface="Muli"/>
+                <a:ea typeface="Muli"/>
+                <a:cs typeface="Muli"/>
+                <a:sym typeface="Muli"/>
+              </a:rPr>
+              <a:t>, </a:t>
+            </a:r>
+            <a:r>
+              <a:rPr lang="en-US" sz="2499" spc="79" dirty="0" err="1">
+                <a:solidFill>
+                  <a:srgbClr val="191919"/>
+                </a:solidFill>
+                <a:latin typeface="Muli"/>
+                <a:ea typeface="Muli"/>
+                <a:cs typeface="Muli"/>
+                <a:sym typeface="Muli"/>
+              </a:rPr>
+              <a:t>contribuindo</a:t>
+            </a:r>
+            <a:r>
+              <a:rPr lang="en-US" sz="2499" spc="79" dirty="0">
+                <a:solidFill>
+                  <a:srgbClr val="191919"/>
+                </a:solidFill>
+                <a:latin typeface="Muli"/>
+                <a:ea typeface="Muli"/>
+                <a:cs typeface="Muli"/>
+                <a:sym typeface="Muli"/>
+              </a:rPr>
+              <a:t> para a </a:t>
+            </a:r>
+            <a:r>
+              <a:rPr lang="en-US" sz="2499" spc="79" dirty="0" err="1">
+                <a:solidFill>
+                  <a:srgbClr val="191919"/>
+                </a:solidFill>
+                <a:latin typeface="Muli"/>
+                <a:ea typeface="Muli"/>
+                <a:cs typeface="Muli"/>
+                <a:sym typeface="Muli"/>
+              </a:rPr>
+              <a:t>qualidade</a:t>
+            </a:r>
+            <a:r>
+              <a:rPr lang="en-US" sz="2499" spc="79" dirty="0">
+                <a:solidFill>
+                  <a:srgbClr val="191919"/>
+                </a:solidFill>
+                <a:latin typeface="Muli"/>
+                <a:ea typeface="Muli"/>
+                <a:cs typeface="Muli"/>
+                <a:sym typeface="Muli"/>
+              </a:rPr>
+              <a:t> de </a:t>
+            </a:r>
+            <a:r>
+              <a:rPr lang="en-US" sz="2499" spc="79" dirty="0" err="1">
+                <a:solidFill>
+                  <a:srgbClr val="191919"/>
+                </a:solidFill>
+                <a:latin typeface="Muli"/>
+                <a:ea typeface="Muli"/>
+                <a:cs typeface="Muli"/>
+                <a:sym typeface="Muli"/>
+              </a:rPr>
+              <a:t>vida</a:t>
+            </a:r>
+            <a:r>
+              <a:rPr lang="en-US" sz="2499" spc="79" dirty="0">
+                <a:solidFill>
+                  <a:srgbClr val="191919"/>
+                </a:solidFill>
+                <a:latin typeface="Muli"/>
+                <a:ea typeface="Muli"/>
+                <a:cs typeface="Muli"/>
+                <a:sym typeface="Muli"/>
+              </a:rPr>
+              <a:t> de </a:t>
+            </a:r>
+            <a:r>
+              <a:rPr lang="en-US" sz="2499" spc="79" dirty="0" err="1">
+                <a:solidFill>
+                  <a:srgbClr val="191919"/>
+                </a:solidFill>
+                <a:latin typeface="Muli"/>
+                <a:ea typeface="Muli"/>
+                <a:cs typeface="Muli"/>
+                <a:sym typeface="Muli"/>
+              </a:rPr>
+              <a:t>indivíduos</a:t>
+            </a:r>
+            <a:r>
+              <a:rPr lang="en-US" sz="2499" spc="79" dirty="0">
+                <a:solidFill>
+                  <a:srgbClr val="191919"/>
+                </a:solidFill>
+                <a:latin typeface="Muli"/>
+                <a:ea typeface="Muli"/>
+                <a:cs typeface="Muli"/>
+                <a:sym typeface="Muli"/>
+              </a:rPr>
+              <a:t> com TEA. </a:t>
+            </a:r>
+            <a:r>
+              <a:rPr lang="en-US" sz="2499" spc="79" dirty="0" err="1">
+                <a:solidFill>
+                  <a:srgbClr val="191919"/>
+                </a:solidFill>
+                <a:latin typeface="Muli"/>
+                <a:ea typeface="Muli"/>
+                <a:cs typeface="Muli"/>
+                <a:sym typeface="Muli"/>
+              </a:rPr>
+              <a:t>Abordar</a:t>
+            </a:r>
+            <a:r>
+              <a:rPr lang="en-US" sz="2499" spc="79" dirty="0">
+                <a:solidFill>
+                  <a:srgbClr val="191919"/>
+                </a:solidFill>
+                <a:latin typeface="Muli"/>
+                <a:ea typeface="Muli"/>
+                <a:cs typeface="Muli"/>
+                <a:sym typeface="Muli"/>
+              </a:rPr>
+              <a:t> </a:t>
+            </a:r>
+            <a:r>
+              <a:rPr lang="en-US" sz="2499" spc="79" dirty="0" err="1">
+                <a:solidFill>
+                  <a:srgbClr val="191919"/>
+                </a:solidFill>
+                <a:latin typeface="Muli"/>
+                <a:ea typeface="Muli"/>
+                <a:cs typeface="Muli"/>
+                <a:sym typeface="Muli"/>
+              </a:rPr>
+              <a:t>esse</a:t>
+            </a:r>
+            <a:r>
+              <a:rPr lang="en-US" sz="2499" spc="79" dirty="0">
+                <a:solidFill>
+                  <a:srgbClr val="191919"/>
+                </a:solidFill>
+                <a:latin typeface="Muli"/>
+                <a:ea typeface="Muli"/>
+                <a:cs typeface="Muli"/>
+                <a:sym typeface="Muli"/>
+              </a:rPr>
+              <a:t> </a:t>
+            </a:r>
+            <a:r>
+              <a:rPr lang="en-US" sz="2499" spc="79" dirty="0" err="1">
+                <a:solidFill>
+                  <a:srgbClr val="191919"/>
+                </a:solidFill>
+                <a:latin typeface="Muli"/>
+                <a:ea typeface="Muli"/>
+                <a:cs typeface="Muli"/>
+                <a:sym typeface="Muli"/>
+              </a:rPr>
+              <a:t>tema</a:t>
+            </a:r>
+            <a:r>
+              <a:rPr lang="en-US" sz="2499" spc="79" dirty="0">
+                <a:solidFill>
+                  <a:srgbClr val="191919"/>
+                </a:solidFill>
+                <a:latin typeface="Muli"/>
+                <a:ea typeface="Muli"/>
+                <a:cs typeface="Muli"/>
+                <a:sym typeface="Muli"/>
+              </a:rPr>
+              <a:t> com </a:t>
+            </a:r>
+            <a:r>
+              <a:rPr lang="en-US" sz="2499" spc="79" dirty="0" err="1">
+                <a:solidFill>
+                  <a:srgbClr val="191919"/>
+                </a:solidFill>
+                <a:latin typeface="Muli"/>
+                <a:ea typeface="Muli"/>
+                <a:cs typeface="Muli"/>
+                <a:sym typeface="Muli"/>
+              </a:rPr>
+              <a:t>uma</a:t>
+            </a:r>
+            <a:r>
+              <a:rPr lang="en-US" sz="2499" spc="79" dirty="0">
+                <a:solidFill>
+                  <a:srgbClr val="191919"/>
+                </a:solidFill>
+                <a:latin typeface="Muli"/>
+                <a:ea typeface="Muli"/>
+                <a:cs typeface="Muli"/>
+                <a:sym typeface="Muli"/>
+              </a:rPr>
+              <a:t> </a:t>
+            </a:r>
+            <a:r>
+              <a:rPr lang="en-US" sz="2499" spc="79" dirty="0" err="1">
+                <a:solidFill>
+                  <a:srgbClr val="191919"/>
+                </a:solidFill>
+                <a:latin typeface="Muli"/>
+                <a:ea typeface="Muli"/>
+                <a:cs typeface="Muli"/>
+                <a:sym typeface="Muli"/>
+              </a:rPr>
+              <a:t>visão</a:t>
+            </a:r>
+            <a:r>
+              <a:rPr lang="en-US" sz="2499" spc="79" dirty="0">
+                <a:solidFill>
+                  <a:srgbClr val="191919"/>
+                </a:solidFill>
+                <a:latin typeface="Muli"/>
+                <a:ea typeface="Muli"/>
+                <a:cs typeface="Muli"/>
+                <a:sym typeface="Muli"/>
+              </a:rPr>
+              <a:t> </a:t>
+            </a:r>
+            <a:r>
+              <a:rPr lang="en-US" sz="2499" spc="79" dirty="0" err="1">
+                <a:solidFill>
+                  <a:srgbClr val="191919"/>
+                </a:solidFill>
+                <a:latin typeface="Muli"/>
+                <a:ea typeface="Muli"/>
+                <a:cs typeface="Muli"/>
+                <a:sym typeface="Muli"/>
+              </a:rPr>
+              <a:t>holística</a:t>
+            </a:r>
+            <a:r>
+              <a:rPr lang="en-US" sz="2499" spc="79" dirty="0">
+                <a:solidFill>
+                  <a:srgbClr val="191919"/>
+                </a:solidFill>
+                <a:latin typeface="Muli"/>
+                <a:ea typeface="Muli"/>
+                <a:cs typeface="Muli"/>
+                <a:sym typeface="Muli"/>
+              </a:rPr>
+              <a:t> e </a:t>
+            </a:r>
+            <a:r>
+              <a:rPr lang="en-US" sz="2499" spc="79" dirty="0" err="1">
+                <a:solidFill>
+                  <a:srgbClr val="191919"/>
+                </a:solidFill>
+                <a:latin typeface="Muli"/>
+                <a:ea typeface="Muli"/>
+                <a:cs typeface="Muli"/>
+                <a:sym typeface="Muli"/>
+              </a:rPr>
+              <a:t>inclusiva</a:t>
+            </a:r>
+            <a:r>
+              <a:rPr lang="en-US" sz="2499" spc="79" dirty="0">
+                <a:solidFill>
+                  <a:srgbClr val="191919"/>
+                </a:solidFill>
+                <a:latin typeface="Muli"/>
+                <a:ea typeface="Muli"/>
+                <a:cs typeface="Muli"/>
+                <a:sym typeface="Muli"/>
+              </a:rPr>
+              <a:t> </a:t>
+            </a:r>
+            <a:r>
+              <a:rPr lang="en-US" sz="2499" spc="79" dirty="0" err="1">
+                <a:solidFill>
+                  <a:srgbClr val="191919"/>
+                </a:solidFill>
+                <a:latin typeface="Muli"/>
+                <a:ea typeface="Muli"/>
+                <a:cs typeface="Muli"/>
+                <a:sym typeface="Muli"/>
+              </a:rPr>
+              <a:t>potencializa</a:t>
+            </a:r>
+            <a:r>
+              <a:rPr lang="en-US" sz="2499" spc="79" dirty="0">
+                <a:solidFill>
+                  <a:srgbClr val="191919"/>
+                </a:solidFill>
+                <a:latin typeface="Muli"/>
+                <a:ea typeface="Muli"/>
+                <a:cs typeface="Muli"/>
+                <a:sym typeface="Muli"/>
+              </a:rPr>
+              <a:t> o </a:t>
+            </a:r>
+            <a:r>
+              <a:rPr lang="en-US" sz="2499" spc="79" dirty="0" err="1">
+                <a:solidFill>
+                  <a:srgbClr val="191919"/>
+                </a:solidFill>
+                <a:latin typeface="Muli"/>
+                <a:ea typeface="Muli"/>
+                <a:cs typeface="Muli"/>
+                <a:sym typeface="Muli"/>
+              </a:rPr>
+              <a:t>entendimento</a:t>
+            </a:r>
+            <a:r>
+              <a:rPr lang="en-US" sz="2499" spc="79" dirty="0">
+                <a:solidFill>
+                  <a:srgbClr val="191919"/>
+                </a:solidFill>
+                <a:latin typeface="Muli"/>
+                <a:ea typeface="Muli"/>
+                <a:cs typeface="Muli"/>
+                <a:sym typeface="Muli"/>
+              </a:rPr>
+              <a:t> </a:t>
+            </a:r>
+            <a:r>
+              <a:rPr lang="en-US" sz="2499" spc="79" dirty="0" err="1">
+                <a:solidFill>
+                  <a:srgbClr val="191919"/>
+                </a:solidFill>
+                <a:latin typeface="Muli"/>
+                <a:ea typeface="Muli"/>
+                <a:cs typeface="Muli"/>
+                <a:sym typeface="Muli"/>
+              </a:rPr>
+              <a:t>sobre</a:t>
+            </a:r>
+            <a:r>
+              <a:rPr lang="en-US" sz="2499" spc="79" dirty="0">
+                <a:solidFill>
+                  <a:srgbClr val="191919"/>
+                </a:solidFill>
+                <a:latin typeface="Muli"/>
+                <a:ea typeface="Muli"/>
+                <a:cs typeface="Muli"/>
+                <a:sym typeface="Muli"/>
+              </a:rPr>
+              <a:t> as </a:t>
+            </a:r>
+            <a:r>
+              <a:rPr lang="en-US" sz="2499" spc="79" dirty="0" err="1">
+                <a:solidFill>
+                  <a:srgbClr val="191919"/>
+                </a:solidFill>
+                <a:latin typeface="Muli"/>
+                <a:ea typeface="Muli"/>
+                <a:cs typeface="Muli"/>
+                <a:sym typeface="Muli"/>
+              </a:rPr>
+              <a:t>necessidades</a:t>
+            </a:r>
+            <a:r>
+              <a:rPr lang="en-US" sz="2499" spc="79" dirty="0">
+                <a:solidFill>
+                  <a:srgbClr val="191919"/>
+                </a:solidFill>
+                <a:latin typeface="Muli"/>
+                <a:ea typeface="Muli"/>
+                <a:cs typeface="Muli"/>
+                <a:sym typeface="Muli"/>
+              </a:rPr>
+              <a:t> dessa </a:t>
+            </a:r>
+            <a:r>
+              <a:rPr lang="en-US" sz="2499" spc="79" dirty="0" err="1">
+                <a:solidFill>
+                  <a:srgbClr val="191919"/>
+                </a:solidFill>
+                <a:latin typeface="Muli"/>
+                <a:ea typeface="Muli"/>
+                <a:cs typeface="Muli"/>
+                <a:sym typeface="Muli"/>
+              </a:rPr>
+              <a:t>população</a:t>
+            </a:r>
+            <a:r>
+              <a:rPr lang="en-US" sz="2499" spc="79" dirty="0">
+                <a:solidFill>
+                  <a:srgbClr val="191919"/>
+                </a:solidFill>
+                <a:latin typeface="Muli"/>
+                <a:ea typeface="Muli"/>
+                <a:cs typeface="Muli"/>
+                <a:sym typeface="Muli"/>
+              </a:rPr>
+              <a:t>, </a:t>
+            </a:r>
+            <a:r>
+              <a:rPr lang="en-US" sz="2499" spc="79" dirty="0" err="1">
+                <a:solidFill>
+                  <a:srgbClr val="191919"/>
+                </a:solidFill>
+                <a:latin typeface="Muli"/>
+                <a:ea typeface="Muli"/>
+                <a:cs typeface="Muli"/>
+                <a:sym typeface="Muli"/>
+              </a:rPr>
+              <a:t>proporcionando</a:t>
+            </a:r>
+            <a:r>
+              <a:rPr lang="en-US" sz="2499" spc="79" dirty="0">
+                <a:solidFill>
+                  <a:srgbClr val="191919"/>
+                </a:solidFill>
+                <a:latin typeface="Muli"/>
+                <a:ea typeface="Muli"/>
+                <a:cs typeface="Muli"/>
+                <a:sym typeface="Muli"/>
+              </a:rPr>
+              <a:t> um </a:t>
+            </a:r>
+            <a:r>
+              <a:rPr lang="en-US" sz="2499" spc="79" dirty="0" err="1">
+                <a:solidFill>
+                  <a:srgbClr val="191919"/>
+                </a:solidFill>
+                <a:latin typeface="Muli"/>
+                <a:ea typeface="Muli"/>
+                <a:cs typeface="Muli"/>
+                <a:sym typeface="Muli"/>
+              </a:rPr>
+              <a:t>espaço</a:t>
+            </a:r>
+            <a:r>
+              <a:rPr lang="en-US" sz="2499" spc="79" dirty="0">
+                <a:solidFill>
+                  <a:srgbClr val="191919"/>
+                </a:solidFill>
+                <a:latin typeface="Muli"/>
+                <a:ea typeface="Muli"/>
+                <a:cs typeface="Muli"/>
+                <a:sym typeface="Muli"/>
+              </a:rPr>
+              <a:t> de </a:t>
+            </a:r>
+            <a:r>
+              <a:rPr lang="en-US" sz="2499" spc="79" dirty="0" err="1">
+                <a:solidFill>
+                  <a:srgbClr val="191919"/>
+                </a:solidFill>
+                <a:latin typeface="Muli"/>
+                <a:ea typeface="Muli"/>
+                <a:cs typeface="Muli"/>
+                <a:sym typeface="Muli"/>
+              </a:rPr>
+              <a:t>reflexão</a:t>
+            </a:r>
+            <a:r>
+              <a:rPr lang="en-US" sz="2499" spc="79" dirty="0">
+                <a:solidFill>
+                  <a:srgbClr val="191919"/>
+                </a:solidFill>
+                <a:latin typeface="Muli"/>
+                <a:ea typeface="Muli"/>
+                <a:cs typeface="Muli"/>
+                <a:sym typeface="Muli"/>
+              </a:rPr>
+              <a:t> e </a:t>
+            </a:r>
+            <a:r>
+              <a:rPr lang="en-US" sz="2499" spc="79" dirty="0" err="1">
+                <a:solidFill>
+                  <a:srgbClr val="191919"/>
+                </a:solidFill>
+                <a:latin typeface="Muli"/>
+                <a:ea typeface="Muli"/>
+                <a:cs typeface="Muli"/>
+                <a:sym typeface="Muli"/>
+              </a:rPr>
+              <a:t>ação</a:t>
+            </a:r>
+            <a:r>
+              <a:rPr lang="en-US" sz="2499" spc="79" dirty="0">
+                <a:solidFill>
+                  <a:srgbClr val="191919"/>
+                </a:solidFill>
+                <a:latin typeface="Muli"/>
+                <a:ea typeface="Muli"/>
+                <a:cs typeface="Muli"/>
+                <a:sym typeface="Muli"/>
+              </a:rPr>
+              <a:t> </a:t>
+            </a:r>
+            <a:r>
+              <a:rPr lang="en-US" sz="2499" spc="79" dirty="0" err="1">
+                <a:solidFill>
+                  <a:srgbClr val="191919"/>
+                </a:solidFill>
+                <a:latin typeface="Muli"/>
+                <a:ea typeface="Muli"/>
+                <a:cs typeface="Muli"/>
+                <a:sym typeface="Muli"/>
+              </a:rPr>
+              <a:t>relevante</a:t>
+            </a:r>
+            <a:r>
+              <a:rPr lang="en-US" sz="2499" spc="79" dirty="0">
+                <a:solidFill>
+                  <a:srgbClr val="191919"/>
+                </a:solidFill>
+                <a:latin typeface="Muli"/>
+                <a:ea typeface="Muli"/>
+                <a:cs typeface="Muli"/>
+                <a:sym typeface="Muli"/>
+              </a:rPr>
+              <a:t> tanto </a:t>
+            </a:r>
+            <a:r>
+              <a:rPr lang="en-US" sz="2499" spc="79" dirty="0" err="1">
+                <a:solidFill>
+                  <a:srgbClr val="191919"/>
+                </a:solidFill>
+                <a:latin typeface="Muli"/>
+                <a:ea typeface="Muli"/>
+                <a:cs typeface="Muli"/>
+                <a:sym typeface="Muli"/>
+              </a:rPr>
+              <a:t>na</a:t>
+            </a:r>
+            <a:r>
+              <a:rPr lang="en-US" sz="2499" spc="79" dirty="0">
+                <a:solidFill>
+                  <a:srgbClr val="191919"/>
+                </a:solidFill>
+                <a:latin typeface="Muli"/>
+                <a:ea typeface="Muli"/>
+                <a:cs typeface="Muli"/>
+                <a:sym typeface="Muli"/>
+              </a:rPr>
+              <a:t> </a:t>
+            </a:r>
+            <a:r>
+              <a:rPr lang="en-US" sz="2499" spc="79" dirty="0" err="1">
+                <a:solidFill>
+                  <a:srgbClr val="191919"/>
+                </a:solidFill>
+                <a:latin typeface="Muli"/>
+                <a:ea typeface="Muli"/>
+                <a:cs typeface="Muli"/>
+                <a:sym typeface="Muli"/>
+              </a:rPr>
+              <a:t>vida</a:t>
+            </a:r>
+            <a:r>
+              <a:rPr lang="en-US" sz="2499" spc="79" dirty="0">
+                <a:solidFill>
+                  <a:srgbClr val="191919"/>
+                </a:solidFill>
+                <a:latin typeface="Muli"/>
+                <a:ea typeface="Muli"/>
+                <a:cs typeface="Muli"/>
+                <a:sym typeface="Muli"/>
+              </a:rPr>
+              <a:t> </a:t>
+            </a:r>
+            <a:r>
+              <a:rPr lang="en-US" sz="2499" spc="79" dirty="0" err="1">
+                <a:solidFill>
+                  <a:srgbClr val="191919"/>
+                </a:solidFill>
+                <a:latin typeface="Muli"/>
+                <a:ea typeface="Muli"/>
+                <a:cs typeface="Muli"/>
+                <a:sym typeface="Muli"/>
+              </a:rPr>
+              <a:t>acâdemica</a:t>
+            </a:r>
+            <a:r>
+              <a:rPr lang="en-US" sz="2499" spc="79" dirty="0">
+                <a:solidFill>
+                  <a:srgbClr val="191919"/>
+                </a:solidFill>
+                <a:latin typeface="Muli"/>
+                <a:ea typeface="Muli"/>
+                <a:cs typeface="Muli"/>
+                <a:sym typeface="Muli"/>
+              </a:rPr>
+              <a:t> </a:t>
+            </a:r>
+            <a:r>
+              <a:rPr lang="en-US" sz="2499" spc="79" dirty="0" err="1">
+                <a:solidFill>
+                  <a:srgbClr val="191919"/>
+                </a:solidFill>
+                <a:latin typeface="Muli"/>
+                <a:ea typeface="Muli"/>
+                <a:cs typeface="Muli"/>
+                <a:sym typeface="Muli"/>
+              </a:rPr>
+              <a:t>quanto</a:t>
+            </a:r>
+            <a:r>
+              <a:rPr lang="en-US" sz="2499" spc="79" dirty="0">
+                <a:solidFill>
+                  <a:srgbClr val="191919"/>
+                </a:solidFill>
+                <a:latin typeface="Muli"/>
+                <a:ea typeface="Muli"/>
+                <a:cs typeface="Muli"/>
+                <a:sym typeface="Muli"/>
+              </a:rPr>
+              <a:t> </a:t>
+            </a:r>
+            <a:r>
+              <a:rPr lang="en-US" sz="2499" spc="79" dirty="0" err="1">
+                <a:solidFill>
+                  <a:srgbClr val="191919"/>
+                </a:solidFill>
+                <a:latin typeface="Muli"/>
+                <a:ea typeface="Muli"/>
+                <a:cs typeface="Muli"/>
+                <a:sym typeface="Muli"/>
+              </a:rPr>
+              <a:t>na</a:t>
+            </a:r>
+            <a:r>
+              <a:rPr lang="en-US" sz="2499" spc="79" dirty="0">
+                <a:solidFill>
+                  <a:srgbClr val="191919"/>
+                </a:solidFill>
+                <a:latin typeface="Muli"/>
+                <a:ea typeface="Muli"/>
+                <a:cs typeface="Muli"/>
+                <a:sym typeface="Muli"/>
+              </a:rPr>
+              <a:t> </a:t>
+            </a:r>
+            <a:r>
+              <a:rPr lang="en-US" sz="2499" spc="79" dirty="0" err="1">
+                <a:solidFill>
+                  <a:srgbClr val="191919"/>
+                </a:solidFill>
+                <a:latin typeface="Muli"/>
+                <a:ea typeface="Muli"/>
+                <a:cs typeface="Muli"/>
+                <a:sym typeface="Muli"/>
+              </a:rPr>
+              <a:t>sociedade</a:t>
+            </a:r>
+            <a:r>
+              <a:rPr lang="en-US" sz="2499" spc="79" dirty="0">
+                <a:solidFill>
+                  <a:srgbClr val="191919"/>
+                </a:solidFill>
+                <a:latin typeface="Muli"/>
+                <a:ea typeface="Muli"/>
+                <a:cs typeface="Muli"/>
+                <a:sym typeface="Muli"/>
+              </a:rPr>
+              <a:t>. Por </a:t>
+            </a:r>
+            <a:r>
+              <a:rPr lang="en-US" sz="2499" spc="79" dirty="0" err="1">
+                <a:solidFill>
+                  <a:srgbClr val="191919"/>
+                </a:solidFill>
+                <a:latin typeface="Muli"/>
+                <a:ea typeface="Muli"/>
+                <a:cs typeface="Muli"/>
+                <a:sym typeface="Muli"/>
+              </a:rPr>
+              <a:t>meio</a:t>
+            </a:r>
+            <a:r>
+              <a:rPr lang="en-US" sz="2499" spc="79" dirty="0">
+                <a:solidFill>
+                  <a:srgbClr val="191919"/>
+                </a:solidFill>
+                <a:latin typeface="Muli"/>
+                <a:ea typeface="Muli"/>
+                <a:cs typeface="Muli"/>
+                <a:sym typeface="Muli"/>
+              </a:rPr>
+              <a:t> de </a:t>
+            </a:r>
+            <a:r>
+              <a:rPr lang="en-US" sz="2499" spc="79" dirty="0" err="1">
+                <a:solidFill>
+                  <a:srgbClr val="191919"/>
+                </a:solidFill>
+                <a:latin typeface="Muli"/>
+                <a:ea typeface="Muli"/>
+                <a:cs typeface="Muli"/>
+                <a:sym typeface="Muli"/>
+              </a:rPr>
+              <a:t>uma</a:t>
+            </a:r>
+            <a:r>
+              <a:rPr lang="en-US" sz="2499" spc="79" dirty="0">
+                <a:solidFill>
+                  <a:srgbClr val="191919"/>
+                </a:solidFill>
+                <a:latin typeface="Muli"/>
+                <a:ea typeface="Muli"/>
+                <a:cs typeface="Muli"/>
+                <a:sym typeface="Muli"/>
+              </a:rPr>
+              <a:t> </a:t>
+            </a:r>
+            <a:r>
+              <a:rPr lang="en-US" sz="2499" spc="79" dirty="0" err="1">
+                <a:solidFill>
+                  <a:srgbClr val="191919"/>
+                </a:solidFill>
+                <a:latin typeface="Muli"/>
+                <a:ea typeface="Muli"/>
+                <a:cs typeface="Muli"/>
+                <a:sym typeface="Muli"/>
+              </a:rPr>
+              <a:t>pesquisa</a:t>
+            </a:r>
+            <a:r>
+              <a:rPr lang="en-US" sz="2499" spc="79" dirty="0">
+                <a:solidFill>
+                  <a:srgbClr val="191919"/>
+                </a:solidFill>
+                <a:latin typeface="Muli"/>
+                <a:ea typeface="Muli"/>
+                <a:cs typeface="Muli"/>
+                <a:sym typeface="Muli"/>
+              </a:rPr>
+              <a:t> </a:t>
+            </a:r>
+            <a:r>
+              <a:rPr lang="en-US" sz="2499" spc="79" dirty="0" err="1">
+                <a:solidFill>
+                  <a:srgbClr val="191919"/>
+                </a:solidFill>
+                <a:latin typeface="Muli"/>
+                <a:ea typeface="Muli"/>
+                <a:cs typeface="Muli"/>
+                <a:sym typeface="Muli"/>
+              </a:rPr>
+              <a:t>bem</a:t>
+            </a:r>
+            <a:r>
+              <a:rPr lang="en-US" sz="2499" spc="79" dirty="0">
+                <a:solidFill>
+                  <a:srgbClr val="191919"/>
+                </a:solidFill>
+                <a:latin typeface="Muli"/>
+                <a:ea typeface="Muli"/>
+                <a:cs typeface="Muli"/>
+                <a:sym typeface="Muli"/>
+              </a:rPr>
+              <a:t> </a:t>
+            </a:r>
+            <a:r>
+              <a:rPr lang="en-US" sz="2499" spc="79" dirty="0" err="1">
+                <a:solidFill>
+                  <a:srgbClr val="191919"/>
+                </a:solidFill>
+                <a:latin typeface="Muli"/>
+                <a:ea typeface="Muli"/>
+                <a:cs typeface="Muli"/>
+                <a:sym typeface="Muli"/>
+              </a:rPr>
+              <a:t>estruturada</a:t>
+            </a:r>
+            <a:r>
+              <a:rPr lang="en-US" sz="2499" spc="79" dirty="0">
+                <a:solidFill>
+                  <a:srgbClr val="191919"/>
+                </a:solidFill>
+                <a:latin typeface="Muli"/>
+                <a:ea typeface="Muli"/>
+                <a:cs typeface="Muli"/>
+                <a:sym typeface="Muli"/>
+              </a:rPr>
+              <a:t> e a </a:t>
+            </a:r>
+            <a:r>
+              <a:rPr lang="en-US" sz="2499" spc="79" dirty="0" err="1">
+                <a:solidFill>
+                  <a:srgbClr val="191919"/>
+                </a:solidFill>
+                <a:latin typeface="Muli"/>
+                <a:ea typeface="Muli"/>
+                <a:cs typeface="Muli"/>
+                <a:sym typeface="Muli"/>
+              </a:rPr>
+              <a:t>proposta</a:t>
+            </a:r>
+            <a:r>
+              <a:rPr lang="en-US" sz="2499" spc="79" dirty="0">
+                <a:solidFill>
+                  <a:srgbClr val="191919"/>
+                </a:solidFill>
+                <a:latin typeface="Muli"/>
+                <a:ea typeface="Muli"/>
+                <a:cs typeface="Muli"/>
+                <a:sym typeface="Muli"/>
+              </a:rPr>
+              <a:t> de </a:t>
+            </a:r>
+            <a:r>
+              <a:rPr lang="en-US" sz="2499" spc="79" dirty="0" err="1">
+                <a:solidFill>
+                  <a:srgbClr val="191919"/>
+                </a:solidFill>
+                <a:latin typeface="Muli"/>
+                <a:ea typeface="Muli"/>
+                <a:cs typeface="Muli"/>
+                <a:sym typeface="Muli"/>
+              </a:rPr>
+              <a:t>intervenções</a:t>
+            </a:r>
+            <a:r>
+              <a:rPr lang="en-US" sz="2499" spc="79" dirty="0">
+                <a:solidFill>
+                  <a:srgbClr val="191919"/>
+                </a:solidFill>
+                <a:latin typeface="Muli"/>
+                <a:ea typeface="Muli"/>
+                <a:cs typeface="Muli"/>
+                <a:sym typeface="Muli"/>
+              </a:rPr>
+              <a:t> </a:t>
+            </a:r>
+            <a:r>
+              <a:rPr lang="en-US" sz="2499" spc="79" dirty="0" err="1">
+                <a:solidFill>
+                  <a:srgbClr val="191919"/>
+                </a:solidFill>
+                <a:latin typeface="Muli"/>
+                <a:ea typeface="Muli"/>
+                <a:cs typeface="Muli"/>
+                <a:sym typeface="Muli"/>
+              </a:rPr>
+              <a:t>práticas</a:t>
+            </a:r>
+            <a:r>
+              <a:rPr lang="en-US" sz="2499" spc="79" dirty="0">
+                <a:solidFill>
+                  <a:srgbClr val="191919"/>
+                </a:solidFill>
+                <a:latin typeface="Muli"/>
+                <a:ea typeface="Muli"/>
+                <a:cs typeface="Muli"/>
+                <a:sym typeface="Muli"/>
+              </a:rPr>
+              <a:t>.</a:t>
             </a:r>
           </a:p>
           <a:p>
@@ -11183,7 +14149,7 @@
                 <a:spcPts val="4479"/>
               </a:lnSpc>
             </a:pPr>
-            <a:endParaRPr lang="en-US" sz="2499" spc="79">
+            <a:endParaRPr lang="en-US" sz="2499" spc="79" dirty="0">
               <a:solidFill>
                 <a:srgbClr val="191919"/>
               </a:solidFill>
@@ -11331,6 +14297,619 @@
 </file>
 
 <file path=ppt/slides/slide8.xml><?xml version="1.0" encoding="utf-8"?>
+<p:sld xmlns:a="http://schemas.openxmlformats.org/drawingml/2006/main" xmlns:r="http://schemas.openxmlformats.org/officeDocument/2006/relationships" xmlns:p="http://schemas.openxmlformats.org/presentationml/2006/main">
+  <p:cSld>
+    <p:spTree>
+      <p:nvGrpSpPr>
+        <p:cNvPr id="1" name=""/>
+        <p:cNvGrpSpPr/>
+        <p:nvPr/>
+      </p:nvGrpSpPr>
+      <p:grpSpPr>
+        <a:xfrm>
+          <a:off x="0" y="0"/>
+          <a:ext cx="0" cy="0"/>
+          <a:chOff x="0" y="0"/>
+          <a:chExt cx="0" cy="0"/>
+        </a:xfrm>
+      </p:grpSpPr>
+      <p:grpSp>
+        <p:nvGrpSpPr>
+          <p:cNvPr id="5" name="Group 5"/>
+          <p:cNvGrpSpPr/>
+          <p:nvPr/>
+        </p:nvGrpSpPr>
+        <p:grpSpPr>
+          <a:xfrm>
+            <a:off x="-4094353" y="6762324"/>
+            <a:ext cx="8588854" cy="8588854"/>
+            <a:chOff x="0" y="0"/>
+            <a:chExt cx="812800" cy="812800"/>
+          </a:xfrm>
+        </p:grpSpPr>
+        <p:sp>
+          <p:nvSpPr>
+            <p:cNvPr id="6" name="Freeform 6"/>
+            <p:cNvSpPr/>
+            <p:nvPr/>
+          </p:nvSpPr>
+          <p:spPr>
+            <a:xfrm>
+              <a:off x="0" y="0"/>
+              <a:ext cx="812800" cy="812800"/>
+            </a:xfrm>
+            <a:custGeom>
+              <a:avLst/>
+              <a:gdLst/>
+              <a:ahLst/>
+              <a:cxnLst/>
+              <a:rect l="l" t="t" r="r" b="b"/>
+              <a:pathLst>
+                <a:path w="812800" h="812800">
+                  <a:moveTo>
+                    <a:pt x="406400" y="0"/>
+                  </a:moveTo>
+                  <a:cubicBezTo>
+                    <a:pt x="181951" y="0"/>
+                    <a:pt x="0" y="181951"/>
+                    <a:pt x="0" y="406400"/>
+                  </a:cubicBezTo>
+                  <a:cubicBezTo>
+                    <a:pt x="0" y="630849"/>
+                    <a:pt x="181951" y="812800"/>
+                    <a:pt x="406400" y="812800"/>
+                  </a:cubicBezTo>
+                  <a:cubicBezTo>
+                    <a:pt x="630849" y="812800"/>
+                    <a:pt x="812800" y="630849"/>
+                    <a:pt x="812800" y="406400"/>
+                  </a:cubicBezTo>
+                  <a:cubicBezTo>
+                    <a:pt x="812800" y="181951"/>
+                    <a:pt x="630849" y="0"/>
+                    <a:pt x="406400" y="0"/>
+                  </a:cubicBezTo>
+                  <a:close/>
+                </a:path>
+              </a:pathLst>
+            </a:custGeom>
+            <a:solidFill>
+              <a:srgbClr val="F8F8F8"/>
+            </a:solidFill>
+          </p:spPr>
+        </p:sp>
+        <p:sp>
+          <p:nvSpPr>
+            <p:cNvPr id="7" name="TextBox 7"/>
+            <p:cNvSpPr txBox="1"/>
+            <p:nvPr/>
+          </p:nvSpPr>
+          <p:spPr>
+            <a:xfrm>
+              <a:off x="76200" y="38100"/>
+              <a:ext cx="660400" cy="698500"/>
+            </a:xfrm>
+            <a:prstGeom prst="rect">
+              <a:avLst/>
+            </a:prstGeom>
+          </p:spPr>
+          <p:txBody>
+            <a:bodyPr lIns="50800" tIns="50800" rIns="50800" bIns="50800" rtlCol="0" anchor="ctr"/>
+            <a:lstStyle/>
+            <a:p>
+              <a:pPr algn="ctr">
+                <a:lnSpc>
+                  <a:spcPts val="2659"/>
+                </a:lnSpc>
+                <a:spcBef>
+                  <a:spcPct val="0"/>
+                </a:spcBef>
+              </a:pPr>
+              <a:endParaRPr/>
+            </a:p>
+          </p:txBody>
+        </p:sp>
+      </p:grpSp>
+      <p:sp>
+        <p:nvSpPr>
+          <p:cNvPr id="8" name="AutoShape 8"/>
+          <p:cNvSpPr/>
+          <p:nvPr/>
+        </p:nvSpPr>
+        <p:spPr>
+          <a:xfrm>
+            <a:off x="1671274" y="4196430"/>
+            <a:ext cx="408837" cy="0"/>
+          </a:xfrm>
+          <a:prstGeom prst="line">
+            <a:avLst/>
+          </a:prstGeom>
+          <a:ln w="9525" cap="flat">
+            <a:solidFill>
+              <a:srgbClr val="FFFFFF"/>
+            </a:solidFill>
+            <a:prstDash val="solid"/>
+            <a:headEnd type="none" w="sm" len="sm"/>
+            <a:tailEnd type="none" w="sm" len="sm"/>
+          </a:ln>
+        </p:spPr>
+      </p:sp>
+      <p:grpSp>
+        <p:nvGrpSpPr>
+          <p:cNvPr id="11" name="Group 11"/>
+          <p:cNvGrpSpPr/>
+          <p:nvPr/>
+        </p:nvGrpSpPr>
+        <p:grpSpPr>
+          <a:xfrm>
+            <a:off x="14193452" y="6762324"/>
+            <a:ext cx="3342548" cy="3342548"/>
+            <a:chOff x="0" y="0"/>
+            <a:chExt cx="812800" cy="812800"/>
+          </a:xfrm>
+        </p:grpSpPr>
+        <p:sp>
+          <p:nvSpPr>
+            <p:cNvPr id="12" name="Freeform 12"/>
+            <p:cNvSpPr/>
+            <p:nvPr/>
+          </p:nvSpPr>
+          <p:spPr>
+            <a:xfrm>
+              <a:off x="0" y="0"/>
+              <a:ext cx="812800" cy="812800"/>
+            </a:xfrm>
+            <a:custGeom>
+              <a:avLst/>
+              <a:gdLst/>
+              <a:ahLst/>
+              <a:cxnLst/>
+              <a:rect l="l" t="t" r="r" b="b"/>
+              <a:pathLst>
+                <a:path w="812800" h="812800">
+                  <a:moveTo>
+                    <a:pt x="406400" y="0"/>
+                  </a:moveTo>
+                  <a:cubicBezTo>
+                    <a:pt x="181951" y="0"/>
+                    <a:pt x="0" y="181951"/>
+                    <a:pt x="0" y="406400"/>
+                  </a:cubicBezTo>
+                  <a:cubicBezTo>
+                    <a:pt x="0" y="630849"/>
+                    <a:pt x="181951" y="812800"/>
+                    <a:pt x="406400" y="812800"/>
+                  </a:cubicBezTo>
+                  <a:cubicBezTo>
+                    <a:pt x="630849" y="812800"/>
+                    <a:pt x="812800" y="630849"/>
+                    <a:pt x="812800" y="406400"/>
+                  </a:cubicBezTo>
+                  <a:cubicBezTo>
+                    <a:pt x="812800" y="181951"/>
+                    <a:pt x="630849" y="0"/>
+                    <a:pt x="406400" y="0"/>
+                  </a:cubicBezTo>
+                  <a:close/>
+                </a:path>
+              </a:pathLst>
+            </a:custGeom>
+            <a:solidFill>
+              <a:srgbClr val="87B8F2"/>
+            </a:solidFill>
+          </p:spPr>
+        </p:sp>
+        <p:sp>
+          <p:nvSpPr>
+            <p:cNvPr id="13" name="TextBox 13"/>
+            <p:cNvSpPr txBox="1"/>
+            <p:nvPr/>
+          </p:nvSpPr>
+          <p:spPr>
+            <a:xfrm>
+              <a:off x="76200" y="38100"/>
+              <a:ext cx="660400" cy="698500"/>
+            </a:xfrm>
+            <a:prstGeom prst="rect">
+              <a:avLst/>
+            </a:prstGeom>
+          </p:spPr>
+          <p:txBody>
+            <a:bodyPr lIns="50800" tIns="50800" rIns="50800" bIns="50800" rtlCol="0" anchor="ctr"/>
+            <a:lstStyle/>
+            <a:p>
+              <a:pPr algn="ctr">
+                <a:lnSpc>
+                  <a:spcPts val="2659"/>
+                </a:lnSpc>
+                <a:spcBef>
+                  <a:spcPct val="0"/>
+                </a:spcBef>
+              </a:pPr>
+              <a:endParaRPr/>
+            </a:p>
+          </p:txBody>
+        </p:sp>
+      </p:grpSp>
+      <p:sp>
+        <p:nvSpPr>
+          <p:cNvPr id="16" name="Rectangle 2">
+            <a:extLst>
+              <a:ext uri="{FF2B5EF4-FFF2-40B4-BE49-F238E27FC236}">
+                <a16:creationId xmlns:a16="http://schemas.microsoft.com/office/drawing/2014/main" id="{6CDA2E17-DE85-4517-803C-C24E77059A69}"/>
+              </a:ext>
+            </a:extLst>
+          </p:cNvPr>
+          <p:cNvSpPr>
+            <a:spLocks noChangeArrowheads="1"/>
+          </p:cNvSpPr>
+          <p:nvPr/>
+        </p:nvSpPr>
+        <p:spPr bwMode="auto">
+          <a:xfrm>
+            <a:off x="152400" y="-170766"/>
+            <a:ext cx="184731" cy="646331"/>
+          </a:xfrm>
+          <a:prstGeom prst="rect">
+            <a:avLst/>
+          </a:prstGeom>
+          <a:noFill/>
+          <a:ln>
+            <a:noFill/>
+          </a:ln>
+          <a:effectLst/>
+          <a:extLst>
+            <a:ext uri="{909E8E84-426E-40DD-AFC4-6F175D3DCCD1}">
+              <a14:hiddenFill xmlns:a14="http://schemas.microsoft.com/office/drawing/2010/main">
+                <a:solidFill>
+                  <a:schemeClr val="accent1"/>
+                </a:solidFill>
+              </a14:hiddenFill>
+            </a:ext>
+            <a:ext uri="{91240B29-F687-4F45-9708-019B960494DF}">
+              <a14:hiddenLine xmlns:a14="http://schemas.microsoft.com/office/drawing/2010/main" w="9525">
+                <a:solidFill>
+                  <a:schemeClr val="tx1"/>
+                </a:solidFill>
+                <a:miter lim="800000"/>
+                <a:headEnd/>
+                <a:tailEnd/>
+              </a14:hiddenLine>
+            </a:ext>
+            <a:ext uri="{AF507438-7753-43E0-B8FC-AC1667EBCBE1}">
+              <a14:hiddenEffects xmlns:a14="http://schemas.microsoft.com/office/drawing/2010/main">
+                <a:effectLst>
+                  <a:outerShdw dist="35921" dir="2700000" algn="ctr" rotWithShape="0">
+                    <a:schemeClr val="bg2"/>
+                  </a:outerShdw>
+                </a:effectLst>
+              </a14:hiddenEffects>
+            </a:ext>
+          </a:extLst>
+        </p:spPr>
+        <p:txBody>
+          <a:bodyPr vert="horz" wrap="none" lIns="91440" tIns="45720" rIns="91440" bIns="45720" numCol="1" anchor="ctr" anchorCtr="0" compatLnSpc="1">
+            <a:prstTxWarp prst="textNoShape">
+              <a:avLst/>
+            </a:prstTxWarp>
+            <a:spAutoFit/>
+          </a:bodyPr>
+          <a:lstStyle/>
+          <a:p>
+            <a:pPr lvl="0" eaLnBrk="0" fontAlgn="base" hangingPunct="0">
+              <a:spcBef>
+                <a:spcPct val="0"/>
+              </a:spcBef>
+              <a:spcAft>
+                <a:spcPct val="0"/>
+              </a:spcAft>
+            </a:pPr>
+            <a:br>
+              <a:rPr kumimoji="0" lang="pt-BR" altLang="pt-BR" sz="1800" b="0" i="0" u="none" strike="noStrike" cap="none" normalizeH="0" baseline="0" dirty="0">
+                <a:ln>
+                  <a:noFill/>
+                </a:ln>
+                <a:solidFill>
+                  <a:schemeClr val="tx1"/>
+                </a:solidFill>
+                <a:effectLst/>
+                <a:latin typeface="Arial" panose="020B0604020202020204" pitchFamily="34" charset="0"/>
+              </a:rPr>
+            </a:br>
+            <a:endParaRPr kumimoji="0" lang="pt-BR" altLang="pt-BR" sz="1800" b="0" i="0" u="none" strike="noStrike" cap="none" normalizeH="0" baseline="0" dirty="0">
+              <a:ln>
+                <a:noFill/>
+              </a:ln>
+              <a:solidFill>
+                <a:schemeClr val="tx1"/>
+              </a:solidFill>
+              <a:effectLst/>
+              <a:latin typeface="Arial" panose="020B0604020202020204" pitchFamily="34" charset="0"/>
+            </a:endParaRPr>
+          </a:p>
+        </p:txBody>
+      </p:sp>
+      <p:pic>
+        <p:nvPicPr>
+          <p:cNvPr id="17" name="Imagem 16">
+            <a:extLst>
+              <a:ext uri="{FF2B5EF4-FFF2-40B4-BE49-F238E27FC236}">
+                <a16:creationId xmlns:a16="http://schemas.microsoft.com/office/drawing/2014/main" id="{C3F59ECD-AF83-4066-ABC7-5E979721DB7E}"/>
+              </a:ext>
+            </a:extLst>
+          </p:cNvPr>
+          <p:cNvPicPr>
+            <a:picLocks noChangeAspect="1"/>
+          </p:cNvPicPr>
+          <p:nvPr/>
+        </p:nvPicPr>
+        <p:blipFill>
+          <a:blip r:embed="rId2"/>
+          <a:stretch>
+            <a:fillRect/>
+          </a:stretch>
+        </p:blipFill>
+        <p:spPr>
+          <a:xfrm>
+            <a:off x="14506816" y="165799"/>
+            <a:ext cx="4437534" cy="2955467"/>
+          </a:xfrm>
+          <a:prstGeom prst="rect">
+            <a:avLst/>
+          </a:prstGeom>
+        </p:spPr>
+      </p:pic>
+      <p:sp>
+        <p:nvSpPr>
+          <p:cNvPr id="18" name="TextBox 9">
+            <a:extLst>
+              <a:ext uri="{FF2B5EF4-FFF2-40B4-BE49-F238E27FC236}">
+                <a16:creationId xmlns:a16="http://schemas.microsoft.com/office/drawing/2014/main" id="{C704F61A-7D2C-4DB0-AE2D-AE1BA11DABBA}"/>
+              </a:ext>
+            </a:extLst>
+          </p:cNvPr>
+          <p:cNvSpPr txBox="1"/>
+          <p:nvPr/>
+        </p:nvSpPr>
+        <p:spPr>
+          <a:xfrm>
+            <a:off x="679125" y="105310"/>
+            <a:ext cx="14945452" cy="1330324"/>
+          </a:xfrm>
+          <a:prstGeom prst="rect">
+            <a:avLst/>
+          </a:prstGeom>
+        </p:spPr>
+        <p:txBody>
+          <a:bodyPr lIns="0" tIns="0" rIns="0" bIns="0" rtlCol="0" anchor="t">
+            <a:spAutoFit/>
+          </a:bodyPr>
+          <a:lstStyle/>
+          <a:p>
+            <a:pPr algn="l">
+              <a:lnSpc>
+                <a:spcPts val="9999"/>
+              </a:lnSpc>
+            </a:pPr>
+            <a:r>
+              <a:rPr lang="en-US" sz="9999" b="1" dirty="0" err="1">
+                <a:solidFill>
+                  <a:srgbClr val="343434"/>
+                </a:solidFill>
+                <a:latin typeface="Muli Bold"/>
+                <a:ea typeface="Muli Bold"/>
+                <a:cs typeface="Muli Bold"/>
+                <a:sym typeface="Muli Bold"/>
+              </a:rPr>
+              <a:t>Resultados</a:t>
+            </a:r>
+            <a:r>
+              <a:rPr lang="en-US" sz="9999" b="1" dirty="0">
+                <a:solidFill>
+                  <a:srgbClr val="343434"/>
+                </a:solidFill>
+                <a:latin typeface="Muli Bold"/>
+                <a:ea typeface="Muli Bold"/>
+                <a:cs typeface="Muli Bold"/>
+                <a:sym typeface="Muli Bold"/>
+              </a:rPr>
+              <a:t> </a:t>
+            </a:r>
+            <a:r>
+              <a:rPr lang="en-US" sz="9999" b="1" dirty="0" err="1">
+                <a:solidFill>
+                  <a:srgbClr val="343434"/>
+                </a:solidFill>
+                <a:latin typeface="Muli Bold"/>
+                <a:ea typeface="Muli Bold"/>
+                <a:cs typeface="Muli Bold"/>
+                <a:sym typeface="Muli Bold"/>
+              </a:rPr>
+              <a:t>Obtidos</a:t>
+            </a:r>
+            <a:r>
+              <a:rPr lang="en-US" sz="9999" b="1" dirty="0">
+                <a:solidFill>
+                  <a:srgbClr val="343434"/>
+                </a:solidFill>
+                <a:latin typeface="Muli Bold"/>
+                <a:ea typeface="Muli Bold"/>
+                <a:cs typeface="Muli Bold"/>
+                <a:sym typeface="Muli Bold"/>
+              </a:rPr>
+              <a:t>  </a:t>
+            </a:r>
+          </a:p>
+        </p:txBody>
+      </p:sp>
+      <p:sp>
+        <p:nvSpPr>
+          <p:cNvPr id="19" name="TextBox 10">
+            <a:extLst>
+              <a:ext uri="{FF2B5EF4-FFF2-40B4-BE49-F238E27FC236}">
+                <a16:creationId xmlns:a16="http://schemas.microsoft.com/office/drawing/2014/main" id="{3FEFEF61-0C2B-4F9C-B3F6-7CBC326DD35C}"/>
+              </a:ext>
+            </a:extLst>
+          </p:cNvPr>
+          <p:cNvSpPr txBox="1"/>
+          <p:nvPr/>
+        </p:nvSpPr>
+        <p:spPr>
+          <a:xfrm>
+            <a:off x="200074" y="1316559"/>
+            <a:ext cx="13592126" cy="4448975"/>
+          </a:xfrm>
+          <a:prstGeom prst="rect">
+            <a:avLst/>
+          </a:prstGeom>
+        </p:spPr>
+        <p:txBody>
+          <a:bodyPr wrap="square" lIns="0" tIns="0" rIns="0" bIns="0" rtlCol="0" anchor="t">
+            <a:spAutoFit/>
+          </a:bodyPr>
+          <a:lstStyle/>
+          <a:p>
+            <a:r>
+              <a:rPr lang="pt-BR" sz="3200" dirty="0">
+                <a:latin typeface="Muli" panose="020B0604020202020204" charset="0"/>
+              </a:rPr>
+              <a:t>Com base no desenvolvimento do projeto foram utilizadas diversas tecnologias atuais, que contribuírem para ajudar pessoas com Autismo, acompanhar e solucionar dúvidas visto que, os pacientes possuíam muitas dificuldades em achar site confiáveis para tirar dúvidas, e expressar sobre algumas de suas maiores dificuldades.</a:t>
+            </a:r>
+          </a:p>
+          <a:p>
+            <a:r>
+              <a:rPr lang="pt-BR" sz="3200" dirty="0">
+                <a:latin typeface="Muli" panose="020B0604020202020204" charset="0"/>
+              </a:rPr>
+              <a:t>O trabalho foi fundamental para o sucesso do Site, as tarefas foram divididas conforme afinidade dos integrantes, proporcionando uma maior interatividade e desenvolvimento do projeto.</a:t>
+            </a:r>
+          </a:p>
+          <a:p>
+            <a:pPr algn="l">
+              <a:lnSpc>
+                <a:spcPts val="4479"/>
+              </a:lnSpc>
+            </a:pPr>
+            <a:endParaRPr lang="en-US" sz="2499" spc="79" dirty="0">
+              <a:solidFill>
+                <a:srgbClr val="191919"/>
+              </a:solidFill>
+              <a:latin typeface="Muli"/>
+              <a:ea typeface="Muli"/>
+              <a:cs typeface="Muli"/>
+              <a:sym typeface="Muli"/>
+            </a:endParaRPr>
+          </a:p>
+        </p:txBody>
+      </p:sp>
+      <p:pic>
+        <p:nvPicPr>
+          <p:cNvPr id="20" name="Imagem 19">
+            <a:extLst>
+              <a:ext uri="{FF2B5EF4-FFF2-40B4-BE49-F238E27FC236}">
+                <a16:creationId xmlns:a16="http://schemas.microsoft.com/office/drawing/2014/main" id="{7D40B8C0-9657-4851-97F3-597988812154}"/>
+              </a:ext>
+            </a:extLst>
+          </p:cNvPr>
+          <p:cNvPicPr/>
+          <p:nvPr/>
+        </p:nvPicPr>
+        <p:blipFill>
+          <a:blip r:embed="rId3"/>
+          <a:stretch>
+            <a:fillRect/>
+          </a:stretch>
+        </p:blipFill>
+        <p:spPr>
+          <a:xfrm>
+            <a:off x="373417" y="5593197"/>
+            <a:ext cx="5400040" cy="4511675"/>
+          </a:xfrm>
+          <a:prstGeom prst="rect">
+            <a:avLst/>
+          </a:prstGeom>
+          <a:ln>
+            <a:solidFill>
+              <a:schemeClr val="tx1"/>
+            </a:solidFill>
+          </a:ln>
+        </p:spPr>
+      </p:pic>
+      <p:pic>
+        <p:nvPicPr>
+          <p:cNvPr id="21" name="Imagem 20">
+            <a:extLst>
+              <a:ext uri="{FF2B5EF4-FFF2-40B4-BE49-F238E27FC236}">
+                <a16:creationId xmlns:a16="http://schemas.microsoft.com/office/drawing/2014/main" id="{49BA0DB1-4000-4E46-9D54-A2C4F857C0C9}"/>
+              </a:ext>
+            </a:extLst>
+          </p:cNvPr>
+          <p:cNvPicPr/>
+          <p:nvPr/>
+        </p:nvPicPr>
+        <p:blipFill>
+          <a:blip r:embed="rId4"/>
+          <a:stretch>
+            <a:fillRect/>
+          </a:stretch>
+        </p:blipFill>
+        <p:spPr>
+          <a:xfrm>
+            <a:off x="6443980" y="5641017"/>
+            <a:ext cx="5400040" cy="4535805"/>
+          </a:xfrm>
+          <a:prstGeom prst="rect">
+            <a:avLst/>
+          </a:prstGeom>
+          <a:ln>
+            <a:solidFill>
+              <a:schemeClr val="tx1"/>
+            </a:solidFill>
+          </a:ln>
+        </p:spPr>
+      </p:pic>
+      <p:pic>
+        <p:nvPicPr>
+          <p:cNvPr id="23" name="Imagem 22">
+            <a:extLst>
+              <a:ext uri="{FF2B5EF4-FFF2-40B4-BE49-F238E27FC236}">
+                <a16:creationId xmlns:a16="http://schemas.microsoft.com/office/drawing/2014/main" id="{B5FDBE4B-3C6A-4423-B905-DCC56B82BD05}"/>
+              </a:ext>
+            </a:extLst>
+          </p:cNvPr>
+          <p:cNvPicPr/>
+          <p:nvPr/>
+        </p:nvPicPr>
+        <p:blipFill>
+          <a:blip r:embed="rId5"/>
+          <a:stretch>
+            <a:fillRect/>
+          </a:stretch>
+        </p:blipFill>
+        <p:spPr>
+          <a:xfrm>
+            <a:off x="12401531" y="5419287"/>
+            <a:ext cx="5400040" cy="4723765"/>
+          </a:xfrm>
+          <a:prstGeom prst="rect">
+            <a:avLst/>
+          </a:prstGeom>
+          <a:ln>
+            <a:solidFill>
+              <a:schemeClr val="tx1"/>
+            </a:solidFill>
+          </a:ln>
+        </p:spPr>
+      </p:pic>
+    </p:spTree>
+  </p:cSld>
+  <p:clrMapOvr>
+    <a:masterClrMapping/>
+  </p:clrMapOvr>
+</p:sld>
+</file>
+
+<file path=ppt/slides/slide9.xml><?xml version="1.0" encoding="utf-8"?>
 <p:sld xmlns:a="http://schemas.openxmlformats.org/drawingml/2006/main" xmlns:r="http://schemas.openxmlformats.org/officeDocument/2006/relationships" xmlns:p="http://schemas.openxmlformats.org/presentationml/2006/main">
   <p:cSld>
     <p:spTree>
@@ -13780,7 +17359,7 @@
           <p:nvPr/>
         </p:nvPicPr>
         <p:blipFill>
-          <a:blip r:embed="rId2"/>
+          <a:blip r:embed="rId3"/>
           <a:stretch>
             <a:fillRect/>
           </a:stretch>
@@ -13796,609 +17375,15 @@
         </p:spPr>
       </p:pic>
     </p:spTree>
+    <p:extLst>
+      <p:ext uri="{BB962C8B-B14F-4D97-AF65-F5344CB8AC3E}">
+        <p14:creationId xmlns:p14="http://schemas.microsoft.com/office/powerpoint/2010/main" val="2100261166"/>
+      </p:ext>
+    </p:extLst>
   </p:cSld>
   <p:clrMapOvr>
     <a:masterClrMapping/>
   </p:clrMapOvr>
-</p:sld>
-</file>
-
-<file path=ppt/slides/slide9.xml><?xml version="1.0" encoding="utf-8"?>
-<p:sld xmlns:a="http://schemas.openxmlformats.org/drawingml/2006/main" xmlns:r="http://schemas.openxmlformats.org/officeDocument/2006/relationships" xmlns:p="http://schemas.openxmlformats.org/presentationml/2006/main">
-  <p:cSld>
-    <p:spTree>
-      <p:nvGrpSpPr>
-        <p:cNvPr id="1" name=""/>
-        <p:cNvGrpSpPr/>
-        <p:nvPr/>
-      </p:nvGrpSpPr>
-      <p:grpSpPr>
-        <a:xfrm>
-          <a:off x="0" y="0"/>
-          <a:ext cx="0" cy="0"/>
-          <a:chOff x="0" y="0"/>
-          <a:chExt cx="0" cy="0"/>
-        </a:xfrm>
-      </p:grpSpPr>
-      <p:grpSp>
-        <p:nvGrpSpPr>
-          <p:cNvPr id="2" name="Group 2"/>
-          <p:cNvGrpSpPr/>
-          <p:nvPr/>
-        </p:nvGrpSpPr>
-        <p:grpSpPr>
-          <a:xfrm>
-            <a:off x="-3005073" y="-2013751"/>
-            <a:ext cx="14314502" cy="14314502"/>
-            <a:chOff x="0" y="0"/>
-            <a:chExt cx="812800" cy="812800"/>
-          </a:xfrm>
-        </p:grpSpPr>
-        <p:sp>
-          <p:nvSpPr>
-            <p:cNvPr id="3" name="Freeform 3"/>
-            <p:cNvSpPr/>
-            <p:nvPr/>
-          </p:nvSpPr>
-          <p:spPr>
-            <a:xfrm>
-              <a:off x="0" y="0"/>
-              <a:ext cx="812800" cy="812800"/>
-            </a:xfrm>
-            <a:custGeom>
-              <a:avLst/>
-              <a:gdLst/>
-              <a:ahLst/>
-              <a:cxnLst/>
-              <a:rect l="l" t="t" r="r" b="b"/>
-              <a:pathLst>
-                <a:path w="812800" h="812800">
-                  <a:moveTo>
-                    <a:pt x="406400" y="0"/>
-                  </a:moveTo>
-                  <a:cubicBezTo>
-                    <a:pt x="181951" y="0"/>
-                    <a:pt x="0" y="181951"/>
-                    <a:pt x="0" y="406400"/>
-                  </a:cubicBezTo>
-                  <a:cubicBezTo>
-                    <a:pt x="0" y="630849"/>
-                    <a:pt x="181951" y="812800"/>
-                    <a:pt x="406400" y="812800"/>
-                  </a:cubicBezTo>
-                  <a:cubicBezTo>
-                    <a:pt x="630849" y="812800"/>
-                    <a:pt x="812800" y="630849"/>
-                    <a:pt x="812800" y="406400"/>
-                  </a:cubicBezTo>
-                  <a:cubicBezTo>
-                    <a:pt x="812800" y="181951"/>
-                    <a:pt x="630849" y="0"/>
-                    <a:pt x="406400" y="0"/>
-                  </a:cubicBezTo>
-                  <a:close/>
-                </a:path>
-              </a:pathLst>
-            </a:custGeom>
-            <a:solidFill>
-              <a:srgbClr val="F8F8F8"/>
-            </a:solidFill>
-          </p:spPr>
-        </p:sp>
-        <p:sp>
-          <p:nvSpPr>
-            <p:cNvPr id="4" name="TextBox 4"/>
-            <p:cNvSpPr txBox="1"/>
-            <p:nvPr/>
-          </p:nvSpPr>
-          <p:spPr>
-            <a:xfrm>
-              <a:off x="76200" y="38100"/>
-              <a:ext cx="660400" cy="698500"/>
-            </a:xfrm>
-            <a:prstGeom prst="rect">
-              <a:avLst/>
-            </a:prstGeom>
-          </p:spPr>
-          <p:txBody>
-            <a:bodyPr lIns="50800" tIns="50800" rIns="50800" bIns="50800" rtlCol="0" anchor="ctr"/>
-            <a:lstStyle/>
-            <a:p>
-              <a:pPr algn="ctr">
-                <a:lnSpc>
-                  <a:spcPts val="2659"/>
-                </a:lnSpc>
-                <a:spcBef>
-                  <a:spcPct val="0"/>
-                </a:spcBef>
-              </a:pPr>
-              <a:endParaRPr/>
-            </a:p>
-          </p:txBody>
-        </p:sp>
-      </p:grpSp>
-      <p:sp>
-        <p:nvSpPr>
-          <p:cNvPr id="5" name="AutoShape 5"/>
-          <p:cNvSpPr/>
-          <p:nvPr/>
-        </p:nvSpPr>
-        <p:spPr>
-          <a:xfrm>
-            <a:off x="1544213" y="4131821"/>
-            <a:ext cx="408837" cy="0"/>
-          </a:xfrm>
-          <a:prstGeom prst="line">
-            <a:avLst/>
-          </a:prstGeom>
-          <a:ln w="9525" cap="flat">
-            <a:solidFill>
-              <a:srgbClr val="191919"/>
-            </a:solidFill>
-            <a:prstDash val="solid"/>
-            <a:headEnd type="none" w="sm" len="sm"/>
-            <a:tailEnd type="none" w="sm" len="sm"/>
-          </a:ln>
-        </p:spPr>
-      </p:sp>
-      <p:grpSp>
-        <p:nvGrpSpPr>
-          <p:cNvPr id="6" name="Group 6"/>
-          <p:cNvGrpSpPr/>
-          <p:nvPr/>
-        </p:nvGrpSpPr>
-        <p:grpSpPr>
-          <a:xfrm>
-            <a:off x="3467072" y="-1585421"/>
-            <a:ext cx="4472852" cy="4096131"/>
-            <a:chOff x="0" y="0"/>
-            <a:chExt cx="887553" cy="812800"/>
-          </a:xfrm>
-        </p:grpSpPr>
-        <p:sp>
-          <p:nvSpPr>
-            <p:cNvPr id="7" name="Freeform 7"/>
-            <p:cNvSpPr/>
-            <p:nvPr/>
-          </p:nvSpPr>
-          <p:spPr>
-            <a:xfrm>
-              <a:off x="0" y="0"/>
-              <a:ext cx="887553" cy="812800"/>
-            </a:xfrm>
-            <a:custGeom>
-              <a:avLst/>
-              <a:gdLst/>
-              <a:ahLst/>
-              <a:cxnLst/>
-              <a:rect l="l" t="t" r="r" b="b"/>
-              <a:pathLst>
-                <a:path w="887553" h="812800">
-                  <a:moveTo>
-                    <a:pt x="443777" y="0"/>
-                  </a:moveTo>
-                  <a:cubicBezTo>
-                    <a:pt x="198686" y="0"/>
-                    <a:pt x="0" y="181951"/>
-                    <a:pt x="0" y="406400"/>
-                  </a:cubicBezTo>
-                  <a:cubicBezTo>
-                    <a:pt x="0" y="630849"/>
-                    <a:pt x="198686" y="812800"/>
-                    <a:pt x="443777" y="812800"/>
-                  </a:cubicBezTo>
-                  <a:cubicBezTo>
-                    <a:pt x="688868" y="812800"/>
-                    <a:pt x="887553" y="630849"/>
-                    <a:pt x="887553" y="406400"/>
-                  </a:cubicBezTo>
-                  <a:cubicBezTo>
-                    <a:pt x="887553" y="181951"/>
-                    <a:pt x="688868" y="0"/>
-                    <a:pt x="443777" y="0"/>
-                  </a:cubicBezTo>
-                  <a:close/>
-                </a:path>
-              </a:pathLst>
-            </a:custGeom>
-            <a:solidFill>
-              <a:srgbClr val="87B8F2"/>
-            </a:solidFill>
-            <a:ln cap="sq">
-              <a:noFill/>
-              <a:prstDash val="solid"/>
-              <a:miter/>
-            </a:ln>
-          </p:spPr>
-        </p:sp>
-        <p:sp>
-          <p:nvSpPr>
-            <p:cNvPr id="8" name="TextBox 8"/>
-            <p:cNvSpPr txBox="1"/>
-            <p:nvPr/>
-          </p:nvSpPr>
-          <p:spPr>
-            <a:xfrm>
-              <a:off x="83208" y="38100"/>
-              <a:ext cx="721137" cy="698500"/>
-            </a:xfrm>
-            <a:prstGeom prst="rect">
-              <a:avLst/>
-            </a:prstGeom>
-          </p:spPr>
-          <p:txBody>
-            <a:bodyPr lIns="50800" tIns="50800" rIns="50800" bIns="50800" rtlCol="0" anchor="ctr"/>
-            <a:lstStyle/>
-            <a:p>
-              <a:pPr marL="0" lvl="0" indent="0" algn="ctr">
-                <a:lnSpc>
-                  <a:spcPts val="2659"/>
-                </a:lnSpc>
-                <a:spcBef>
-                  <a:spcPct val="0"/>
-                </a:spcBef>
-              </a:pPr>
-              <a:endParaRPr/>
-            </a:p>
-          </p:txBody>
-        </p:sp>
-      </p:grpSp>
-      <p:grpSp>
-        <p:nvGrpSpPr>
-          <p:cNvPr id="9" name="Group 9"/>
-          <p:cNvGrpSpPr/>
-          <p:nvPr/>
-        </p:nvGrpSpPr>
-        <p:grpSpPr>
-          <a:xfrm>
-            <a:off x="-494148" y="8764152"/>
-            <a:ext cx="3045696" cy="3045696"/>
-            <a:chOff x="0" y="0"/>
-            <a:chExt cx="812800" cy="812800"/>
-          </a:xfrm>
-        </p:grpSpPr>
-        <p:sp>
-          <p:nvSpPr>
-            <p:cNvPr id="10" name="Freeform 10"/>
-            <p:cNvSpPr/>
-            <p:nvPr/>
-          </p:nvSpPr>
-          <p:spPr>
-            <a:xfrm>
-              <a:off x="0" y="0"/>
-              <a:ext cx="812800" cy="812800"/>
-            </a:xfrm>
-            <a:custGeom>
-              <a:avLst/>
-              <a:gdLst/>
-              <a:ahLst/>
-              <a:cxnLst/>
-              <a:rect l="l" t="t" r="r" b="b"/>
-              <a:pathLst>
-                <a:path w="812800" h="812800">
-                  <a:moveTo>
-                    <a:pt x="406400" y="0"/>
-                  </a:moveTo>
-                  <a:cubicBezTo>
-                    <a:pt x="181951" y="0"/>
-                    <a:pt x="0" y="181951"/>
-                    <a:pt x="0" y="406400"/>
-                  </a:cubicBezTo>
-                  <a:cubicBezTo>
-                    <a:pt x="0" y="630849"/>
-                    <a:pt x="181951" y="812800"/>
-                    <a:pt x="406400" y="812800"/>
-                  </a:cubicBezTo>
-                  <a:cubicBezTo>
-                    <a:pt x="630849" y="812800"/>
-                    <a:pt x="812800" y="630849"/>
-                    <a:pt x="812800" y="406400"/>
-                  </a:cubicBezTo>
-                  <a:cubicBezTo>
-                    <a:pt x="812800" y="181951"/>
-                    <a:pt x="630849" y="0"/>
-                    <a:pt x="406400" y="0"/>
-                  </a:cubicBezTo>
-                  <a:close/>
-                </a:path>
-              </a:pathLst>
-            </a:custGeom>
-            <a:solidFill>
-              <a:srgbClr val="87B8F2"/>
-            </a:solidFill>
-            <a:ln cap="sq">
-              <a:noFill/>
-              <a:prstDash val="solid"/>
-              <a:miter/>
-            </a:ln>
-          </p:spPr>
-        </p:sp>
-        <p:sp>
-          <p:nvSpPr>
-            <p:cNvPr id="11" name="TextBox 11"/>
-            <p:cNvSpPr txBox="1"/>
-            <p:nvPr/>
-          </p:nvSpPr>
-          <p:spPr>
-            <a:xfrm>
-              <a:off x="76200" y="38100"/>
-              <a:ext cx="660400" cy="698500"/>
-            </a:xfrm>
-            <a:prstGeom prst="rect">
-              <a:avLst/>
-            </a:prstGeom>
-          </p:spPr>
-          <p:txBody>
-            <a:bodyPr lIns="50800" tIns="50800" rIns="50800" bIns="50800" rtlCol="0" anchor="ctr"/>
-            <a:lstStyle/>
-            <a:p>
-              <a:pPr marL="0" lvl="0" indent="0" algn="ctr">
-                <a:lnSpc>
-                  <a:spcPts val="2659"/>
-                </a:lnSpc>
-                <a:spcBef>
-                  <a:spcPct val="0"/>
-                </a:spcBef>
-              </a:pPr>
-              <a:endParaRPr/>
-            </a:p>
-          </p:txBody>
-        </p:sp>
-      </p:grpSp>
-      <p:sp>
-        <p:nvSpPr>
-          <p:cNvPr id="12" name="TextBox 12"/>
-          <p:cNvSpPr txBox="1"/>
-          <p:nvPr/>
-        </p:nvSpPr>
-        <p:spPr>
-          <a:xfrm>
-            <a:off x="626620" y="1370247"/>
-            <a:ext cx="19199481" cy="6772399"/>
-          </a:xfrm>
-          <a:prstGeom prst="rect">
-            <a:avLst/>
-          </a:prstGeom>
-        </p:spPr>
-        <p:txBody>
-          <a:bodyPr lIns="0" tIns="0" rIns="0" bIns="0" rtlCol="0" anchor="t">
-            <a:spAutoFit/>
-          </a:bodyPr>
-          <a:lstStyle/>
-          <a:p>
-            <a:pPr algn="l">
-              <a:lnSpc>
-                <a:spcPts val="5511"/>
-              </a:lnSpc>
-            </a:pPr>
-            <a:r>
-              <a:rPr lang="en-US" sz="3936" spc="125">
-                <a:solidFill>
-                  <a:srgbClr val="191919"/>
-                </a:solidFill>
-                <a:latin typeface="Aileron"/>
-                <a:ea typeface="Aileron"/>
-                <a:cs typeface="Aileron"/>
-                <a:sym typeface="Aileron"/>
-              </a:rPr>
-              <a:t>Título do trabalho:</a:t>
-            </a:r>
-          </a:p>
-          <a:p>
-            <a:pPr algn="l">
-              <a:lnSpc>
-                <a:spcPts val="5511"/>
-              </a:lnSpc>
-            </a:pPr>
-            <a:r>
-              <a:rPr lang="en-US" sz="3936" spc="125">
-                <a:solidFill>
-                  <a:srgbClr val="191919"/>
-                </a:solidFill>
-                <a:latin typeface="Aileron"/>
-                <a:ea typeface="Aileron"/>
-                <a:cs typeface="Aileron"/>
-                <a:sym typeface="Aileron"/>
-              </a:rPr>
-              <a:t> Autocuidado com espectro Autista </a:t>
-            </a:r>
-          </a:p>
-          <a:p>
-            <a:pPr algn="l">
-              <a:lnSpc>
-                <a:spcPts val="5511"/>
-              </a:lnSpc>
-            </a:pPr>
-            <a:endParaRPr lang="en-US" sz="3936" spc="125">
-              <a:solidFill>
-                <a:srgbClr val="191919"/>
-              </a:solidFill>
-              <a:latin typeface="Aileron"/>
-              <a:ea typeface="Aileron"/>
-              <a:cs typeface="Aileron"/>
-              <a:sym typeface="Aileron"/>
-            </a:endParaRPr>
-          </a:p>
-          <a:p>
-            <a:pPr algn="l">
-              <a:lnSpc>
-                <a:spcPts val="5511"/>
-              </a:lnSpc>
-            </a:pPr>
-            <a:r>
-              <a:rPr lang="en-US" sz="3936" spc="125">
-                <a:solidFill>
-                  <a:srgbClr val="191919"/>
-                </a:solidFill>
-                <a:latin typeface="Aileron"/>
-                <a:ea typeface="Aileron"/>
-                <a:cs typeface="Aileron"/>
-                <a:sym typeface="Aileron"/>
-              </a:rPr>
-              <a:t>Kaique Branco Alves Pereira </a:t>
-            </a:r>
-          </a:p>
-          <a:p>
-            <a:pPr algn="l">
-              <a:lnSpc>
-                <a:spcPts val="5511"/>
-              </a:lnSpc>
-            </a:pPr>
-            <a:r>
-              <a:rPr lang="en-US" sz="3936" spc="125">
-                <a:solidFill>
-                  <a:srgbClr val="191919"/>
-                </a:solidFill>
-                <a:latin typeface="Aileron"/>
-                <a:ea typeface="Aileron"/>
-                <a:cs typeface="Aileron"/>
-                <a:sym typeface="Aileron"/>
-              </a:rPr>
-              <a:t>Kauany Cristina de Moraes Leonel</a:t>
-            </a:r>
-          </a:p>
-          <a:p>
-            <a:pPr algn="l">
-              <a:lnSpc>
-                <a:spcPts val="5511"/>
-              </a:lnSpc>
-            </a:pPr>
-            <a:endParaRPr lang="en-US" sz="3936" spc="125">
-              <a:solidFill>
-                <a:srgbClr val="191919"/>
-              </a:solidFill>
-              <a:latin typeface="Aileron"/>
-              <a:ea typeface="Aileron"/>
-              <a:cs typeface="Aileron"/>
-              <a:sym typeface="Aileron"/>
-            </a:endParaRPr>
-          </a:p>
-          <a:p>
-            <a:pPr algn="l">
-              <a:lnSpc>
-                <a:spcPts val="5511"/>
-              </a:lnSpc>
-            </a:pPr>
-            <a:r>
-              <a:rPr lang="en-US" sz="3936" spc="125">
-                <a:solidFill>
-                  <a:srgbClr val="191919"/>
-                </a:solidFill>
-                <a:latin typeface="Aileron"/>
-                <a:ea typeface="Aileron"/>
-                <a:cs typeface="Aileron"/>
-                <a:sym typeface="Aileron"/>
-              </a:rPr>
-              <a:t>Serviço Nacional De Aprendizagem Industrial </a:t>
-            </a:r>
-          </a:p>
-          <a:p>
-            <a:pPr algn="l">
-              <a:lnSpc>
-                <a:spcPts val="5511"/>
-              </a:lnSpc>
-            </a:pPr>
-            <a:endParaRPr lang="en-US" sz="3936" spc="125">
-              <a:solidFill>
-                <a:srgbClr val="191919"/>
-              </a:solidFill>
-              <a:latin typeface="Aileron"/>
-              <a:ea typeface="Aileron"/>
-              <a:cs typeface="Aileron"/>
-              <a:sym typeface="Aileron"/>
-            </a:endParaRPr>
-          </a:p>
-          <a:p>
-            <a:pPr algn="l">
-              <a:lnSpc>
-                <a:spcPts val="5511"/>
-              </a:lnSpc>
-            </a:pPr>
-            <a:r>
-              <a:rPr lang="en-US" sz="3936" spc="125">
-                <a:solidFill>
-                  <a:srgbClr val="191919"/>
-                </a:solidFill>
-                <a:latin typeface="Aileron"/>
-                <a:ea typeface="Aileron"/>
-                <a:cs typeface="Aileron"/>
-                <a:sym typeface="Aileron"/>
-              </a:rPr>
-              <a:t>Dezembro/2024</a:t>
-            </a:r>
-          </a:p>
-          <a:p>
-            <a:pPr algn="l">
-              <a:lnSpc>
-                <a:spcPts val="5511"/>
-              </a:lnSpc>
-            </a:pPr>
-            <a:endParaRPr lang="en-US" sz="3936" spc="125">
-              <a:solidFill>
-                <a:srgbClr val="191919"/>
-              </a:solidFill>
-              <a:latin typeface="Aileron"/>
-              <a:ea typeface="Aileron"/>
-              <a:cs typeface="Aileron"/>
-              <a:sym typeface="Aileron"/>
-            </a:endParaRPr>
-          </a:p>
-        </p:txBody>
-      </p:sp>
-      <p:sp>
-        <p:nvSpPr>
-          <p:cNvPr id="13" name="Freeform 13"/>
-          <p:cNvSpPr/>
-          <p:nvPr/>
-        </p:nvSpPr>
-        <p:spPr>
-          <a:xfrm>
-            <a:off x="11880953" y="1965021"/>
-            <a:ext cx="6118572" cy="6356958"/>
-          </a:xfrm>
-          <a:custGeom>
-            <a:avLst/>
-            <a:gdLst/>
-            <a:ahLst/>
-            <a:cxnLst/>
-            <a:rect l="l" t="t" r="r" b="b"/>
-            <a:pathLst>
-              <a:path w="6118572" h="6356958">
-                <a:moveTo>
-                  <a:pt x="0" y="0"/>
-                </a:moveTo>
-                <a:lnTo>
-                  <a:pt x="6118572" y="0"/>
-                </a:lnTo>
-                <a:lnTo>
-                  <a:pt x="6118572" y="6356958"/>
-                </a:lnTo>
-                <a:lnTo>
-                  <a:pt x="0" y="6356958"/>
-                </a:lnTo>
-                <a:lnTo>
-                  <a:pt x="0" y="0"/>
-                </a:lnTo>
-                <a:close/>
-              </a:path>
-            </a:pathLst>
-          </a:custGeom>
-          <a:blipFill>
-            <a:blip r:embed="rId2"/>
-            <a:stretch>
-              <a:fillRect/>
-            </a:stretch>
-          </a:blipFill>
-        </p:spPr>
-      </p:sp>
-    </p:spTree>
-  </p:cSld>
-  <p:clrMapOvr>
-    <a:masterClrMapping/>
-  </p:clrMapOvr>
-  <p:transition spd="slow">
-    <p:wipe/>
-  </p:transition>
 </p:sld>
 </file>
 
@@ -14683,4 +17668,299 @@
   <a:objectDefaults/>
   <a:extraClrSchemeLst/>
 </a:theme>
+</file>
+
+<file path=ppt/theme/theme2.xml><?xml version="1.0" encoding="utf-8"?>
+<a:theme xmlns:a="http://schemas.openxmlformats.org/drawingml/2006/main" name="Tema do Office">
+  <a:themeElements>
+    <a:clrScheme name="Office">
+      <a:dk1>
+        <a:sysClr val="windowText" lastClr="000000"/>
+      </a:dk1>
+      <a:lt1>
+        <a:sysClr val="window" lastClr="FFFFFF"/>
+      </a:lt1>
+      <a:dk2>
+        <a:srgbClr val="44546A"/>
+      </a:dk2>
+      <a:lt2>
+        <a:srgbClr val="E7E6E6"/>
+      </a:lt2>
+      <a:accent1>
+        <a:srgbClr val="4472C4"/>
+      </a:accent1>
+      <a:accent2>
+        <a:srgbClr val="ED7D31"/>
+      </a:accent2>
+      <a:accent3>
+        <a:srgbClr val="A5A5A5"/>
+      </a:accent3>
+      <a:accent4>
+        <a:srgbClr val="FFC000"/>
+      </a:accent4>
+      <a:accent5>
+        <a:srgbClr val="5B9BD5"/>
+      </a:accent5>
+      <a:accent6>
+        <a:srgbClr val="70AD47"/>
+      </a:accent6>
+      <a:hlink>
+        <a:srgbClr val="0563C1"/>
+      </a:hlink>
+      <a:folHlink>
+        <a:srgbClr val="954F72"/>
+      </a:folHlink>
+    </a:clrScheme>
+    <a:fontScheme name="Office">
+      <a:majorFont>
+        <a:latin typeface="Calibri Light" panose="020F0302020204030204"/>
+        <a:ea typeface=""/>
+        <a:cs typeface=""/>
+        <a:font script="Jpan" typeface="游ゴシック Light"/>
+        <a:font script="Hang" typeface="맑은 고딕"/>
+        <a:font script="Hans" typeface="等线 Light"/>
+        <a:font script="Hant" typeface="新細明體"/>
+        <a:font script="Arab" typeface="Times New Roman"/>
+        <a:font script="Hebr" typeface="Times New Roman"/>
+        <a:font script="Thai" typeface="Angsana New"/>
+        <a:font script="Ethi" typeface="Nyala"/>
+        <a:font script="Beng" typeface="Vrinda"/>
+        <a:font script="Gujr" typeface="Shruti"/>
+        <a:font script="Khmr" typeface="MoolBoran"/>
+        <a:font script="Knda" typeface="Tunga"/>
+        <a:font script="Guru" typeface="Raavi"/>
+        <a:font script="Cans" typeface="Euphemia"/>
+        <a:font script="Cher" typeface="Plantagenet Cherokee"/>
+        <a:font script="Yiii" typeface="Microsoft Yi Baiti"/>
+        <a:font script="Tibt" typeface="Microsoft Himalaya"/>
+        <a:font script="Thaa" typeface="MV Boli"/>
+        <a:font script="Deva" typeface="Mangal"/>
+        <a:font script="Telu" typeface="Gautami"/>
+        <a:font script="Taml" typeface="Latha"/>
+        <a:font script="Syrc" typeface="Estrangelo Edessa"/>
+        <a:font script="Orya" typeface="Kalinga"/>
+        <a:font script="Mlym" typeface="Kartika"/>
+        <a:font script="Laoo" typeface="DokChampa"/>
+        <a:font script="Sinh" typeface="Iskoola Pota"/>
+        <a:font script="Mong" typeface="Mongolian Baiti"/>
+        <a:font script="Viet" typeface="Times New Roman"/>
+        <a:font script="Uigh" typeface="Microsoft Uighur"/>
+        <a:font script="Geor" typeface="Sylfaen"/>
+        <a:font script="Armn" typeface="Arial"/>
+        <a:font script="Bugi" typeface="Leelawadee UI"/>
+        <a:font script="Bopo" typeface="Microsoft JhengHei"/>
+        <a:font script="Java" typeface="Javanese Text"/>
+        <a:font script="Lisu" typeface="Segoe UI"/>
+        <a:font script="Mymr" typeface="Myanmar Text"/>
+        <a:font script="Nkoo" typeface="Ebrima"/>
+        <a:font script="Olck" typeface="Nirmala UI"/>
+        <a:font script="Osma" typeface="Ebrima"/>
+        <a:font script="Phag" typeface="Phagspa"/>
+        <a:font script="Syrn" typeface="Estrangelo Edessa"/>
+        <a:font script="Syrj" typeface="Estrangelo Edessa"/>
+        <a:font script="Syre" typeface="Estrangelo Edessa"/>
+        <a:font script="Sora" typeface="Nirmala UI"/>
+        <a:font script="Tale" typeface="Microsoft Tai Le"/>
+        <a:font script="Talu" typeface="Microsoft New Tai Lue"/>
+        <a:font script="Tfng" typeface="Ebrima"/>
+      </a:majorFont>
+      <a:minorFont>
+        <a:latin typeface="Calibri" panose="020F0502020204030204"/>
+        <a:ea typeface=""/>
+        <a:cs typeface=""/>
+        <a:font script="Jpan" typeface="游ゴシック"/>
+        <a:font script="Hang" typeface="맑은 고딕"/>
+        <a:font script="Hans" typeface="等线"/>
+        <a:font script="Hant" typeface="新細明體"/>
+        <a:font script="Arab" typeface="Arial"/>
+        <a:font script="Hebr" typeface="Arial"/>
+        <a:font script="Thai" typeface="Cordia New"/>
+        <a:font script="Ethi" typeface="Nyala"/>
+        <a:font script="Beng" typeface="Vrinda"/>
+        <a:font script="Gujr" typeface="Shruti"/>
+        <a:font script="Khmr" typeface="DaunPenh"/>
+        <a:font script="Knda" typeface="Tunga"/>
+        <a:font script="Guru" typeface="Raavi"/>
+        <a:font script="Cans" typeface="Euphemia"/>
+        <a:font script="Cher" typeface="Plantagenet Cherokee"/>
+        <a:font script="Yiii" typeface="Microsoft Yi Baiti"/>
+        <a:font script="Tibt" typeface="Microsoft Himalaya"/>
+        <a:font script="Thaa" typeface="MV Boli"/>
+        <a:font script="Deva" typeface="Mangal"/>
+        <a:font script="Telu" typeface="Gautami"/>
+        <a:font script="Taml" typeface="Latha"/>
+        <a:font script="Syrc" typeface="Estrangelo Edessa"/>
+        <a:font script="Orya" typeface="Kalinga"/>
+        <a:font script="Mlym" typeface="Kartika"/>
+        <a:font script="Laoo" typeface="DokChampa"/>
+        <a:font script="Sinh" typeface="Iskoola Pota"/>
+        <a:font script="Mong" typeface="Mongolian Baiti"/>
+        <a:font script="Viet" typeface="Arial"/>
+        <a:font script="Uigh" typeface="Microsoft Uighur"/>
+        <a:font script="Geor" typeface="Sylfaen"/>
+        <a:font script="Armn" typeface="Arial"/>
+        <a:font script="Bugi" typeface="Leelawadee UI"/>
+        <a:font script="Bopo" typeface="Microsoft JhengHei"/>
+        <a:font script="Java" typeface="Javanese Text"/>
+        <a:font script="Lisu" typeface="Segoe UI"/>
+        <a:font script="Mymr" typeface="Myanmar Text"/>
+        <a:font script="Nkoo" typeface="Ebrima"/>
+        <a:font script="Olck" typeface="Nirmala UI"/>
+        <a:font script="Osma" typeface="Ebrima"/>
+        <a:font script="Phag" typeface="Phagspa"/>
+        <a:font script="Syrn" typeface="Estrangelo Edessa"/>
+        <a:font script="Syrj" typeface="Estrangelo Edessa"/>
+        <a:font script="Syre" typeface="Estrangelo Edessa"/>
+        <a:font script="Sora" typeface="Nirmala UI"/>
+        <a:font script="Tale" typeface="Microsoft Tai Le"/>
+        <a:font script="Talu" typeface="Microsoft New Tai Lue"/>
+        <a:font script="Tfng" typeface="Ebrima"/>
+      </a:minorFont>
+    </a:fontScheme>
+    <a:fmtScheme name="Office">
+      <a:fillStyleLst>
+        <a:solidFill>
+          <a:schemeClr val="phClr"/>
+        </a:solidFill>
+        <a:gradFill rotWithShape="1">
+          <a:gsLst>
+            <a:gs pos="0">
+              <a:schemeClr val="phClr">
+                <a:lumMod val="110000"/>
+                <a:satMod val="105000"/>
+                <a:tint val="67000"/>
+              </a:schemeClr>
+            </a:gs>
+            <a:gs pos="50000">
+              <a:schemeClr val="phClr">
+                <a:lumMod val="105000"/>
+                <a:satMod val="103000"/>
+                <a:tint val="73000"/>
+              </a:schemeClr>
+            </a:gs>
+            <a:gs pos="100000">
+              <a:schemeClr val="phClr">
+                <a:lumMod val="105000"/>
+                <a:satMod val="109000"/>
+                <a:tint val="81000"/>
+              </a:schemeClr>
+            </a:gs>
+          </a:gsLst>
+          <a:lin ang="5400000" scaled="0"/>
+        </a:gradFill>
+        <a:gradFill rotWithShape="1">
+          <a:gsLst>
+            <a:gs pos="0">
+              <a:schemeClr val="phClr">
+                <a:satMod val="103000"/>
+                <a:lumMod val="102000"/>
+                <a:tint val="94000"/>
+              </a:schemeClr>
+            </a:gs>
+            <a:gs pos="50000">
+              <a:schemeClr val="phClr">
+                <a:satMod val="110000"/>
+                <a:lumMod val="100000"/>
+                <a:shade val="100000"/>
+              </a:schemeClr>
+            </a:gs>
+            <a:gs pos="100000">
+              <a:schemeClr val="phClr">
+                <a:lumMod val="99000"/>
+                <a:satMod val="120000"/>
+                <a:shade val="78000"/>
+              </a:schemeClr>
+            </a:gs>
+          </a:gsLst>
+          <a:lin ang="5400000" scaled="0"/>
+        </a:gradFill>
+      </a:fillStyleLst>
+      <a:lnStyleLst>
+        <a:ln w="6350" cap="flat" cmpd="sng" algn="ctr">
+          <a:solidFill>
+            <a:schemeClr val="phClr"/>
+          </a:solidFill>
+          <a:prstDash val="solid"/>
+          <a:miter lim="800000"/>
+        </a:ln>
+        <a:ln w="12700" cap="flat" cmpd="sng" algn="ctr">
+          <a:solidFill>
+            <a:schemeClr val="phClr"/>
+          </a:solidFill>
+          <a:prstDash val="solid"/>
+          <a:miter lim="800000"/>
+        </a:ln>
+        <a:ln w="19050" cap="flat" cmpd="sng" algn="ctr">
+          <a:solidFill>
+            <a:schemeClr val="phClr"/>
+          </a:solidFill>
+          <a:prstDash val="solid"/>
+          <a:miter lim="800000"/>
+        </a:ln>
+      </a:lnStyleLst>
+      <a:effectStyleLst>
+        <a:effectStyle>
+          <a:effectLst/>
+        </a:effectStyle>
+        <a:effectStyle>
+          <a:effectLst/>
+        </a:effectStyle>
+        <a:effectStyle>
+          <a:effectLst>
+            <a:outerShdw blurRad="57150" dist="19050" dir="5400000" algn="ctr" rotWithShape="0">
+              <a:srgbClr val="000000">
+                <a:alpha val="63000"/>
+              </a:srgbClr>
+            </a:outerShdw>
+          </a:effectLst>
+        </a:effectStyle>
+      </a:effectStyleLst>
+      <a:bgFillStyleLst>
+        <a:solidFill>
+          <a:schemeClr val="phClr"/>
+        </a:solidFill>
+        <a:solidFill>
+          <a:schemeClr val="phClr">
+            <a:tint val="95000"/>
+            <a:satMod val="170000"/>
+          </a:schemeClr>
+        </a:solidFill>
+        <a:gradFill rotWithShape="1">
+          <a:gsLst>
+            <a:gs pos="0">
+              <a:schemeClr val="phClr">
+                <a:tint val="93000"/>
+                <a:satMod val="150000"/>
+                <a:shade val="98000"/>
+                <a:lumMod val="102000"/>
+              </a:schemeClr>
+            </a:gs>
+            <a:gs pos="50000">
+              <a:schemeClr val="phClr">
+                <a:tint val="98000"/>
+                <a:satMod val="130000"/>
+                <a:shade val="90000"/>
+                <a:lumMod val="103000"/>
+              </a:schemeClr>
+            </a:gs>
+            <a:gs pos="100000">
+              <a:schemeClr val="phClr">
+                <a:shade val="63000"/>
+                <a:satMod val="120000"/>
+              </a:schemeClr>
+            </a:gs>
+          </a:gsLst>
+          <a:lin ang="5400000" scaled="0"/>
+        </a:gradFill>
+      </a:bgFillStyleLst>
+    </a:fmtScheme>
+  </a:themeElements>
+  <a:objectDefaults/>
+  <a:extraClrSchemeLst/>
+  <a:extLst>
+    <a:ext uri="{05A4C25C-085E-4340-85A3-A5531E510DB2}">
+      <thm15:themeFamily xmlns:thm15="http://schemas.microsoft.com/office/thememl/2012/main" name="Office Theme" id="{62F939B6-93AF-4DB8-9C6B-D6C7DFDC589F}" vid="{4A3C46E8-61CC-4603-A589-7422A47A8E4A}"/>
+    </a:ext>
+  </a:extLst>
+</a:theme>
 </file>